--- a/docs/slides/Covid and Vaxx.pptx
+++ b/docs/slides/Covid and Vaxx.pptx
@@ -2,11 +2,12 @@
 <file path=ppt/presentation.xml><?xml version="1.0" encoding="utf-8"?>
 <p:presentation xmlns:a="http://schemas.openxmlformats.org/drawingml/2006/main" xmlns:r="http://schemas.openxmlformats.org/officeDocument/2006/relationships" xmlns:p="http://schemas.openxmlformats.org/presentationml/2006/main" saveSubsetFonts="1">
   <p:sldMasterIdLst>
-    <p:sldMasterId id="2147483648" r:id="rId1"/>
+    <p:sldMasterId id="2147483660" r:id="rId1"/>
   </p:sldMasterIdLst>
   <p:sldIdLst>
     <p:sldId id="256" r:id="rId2"/>
-    <p:sldId id="257" r:id="rId3"/>
+    <p:sldId id="258" r:id="rId3"/>
+    <p:sldId id="257" r:id="rId4"/>
   </p:sldIdLst>
   <p:sldSz cx="12192000" cy="6858000"/>
   <p:notesSz cx="6858000" cy="9144000"/>
@@ -14,7 +15,7 @@
     <a:defPPr>
       <a:defRPr lang="en-US"/>
     </a:defPPr>
-    <a:lvl1pPr marL="0" algn="l" defTabSz="914400" rtl="0" eaLnBrk="1" latinLnBrk="0" hangingPunct="1">
+    <a:lvl1pPr marL="0" algn="l" defTabSz="457200" rtl="0" eaLnBrk="1" latinLnBrk="0" hangingPunct="1">
       <a:defRPr sz="1800" kern="1200">
         <a:solidFill>
           <a:schemeClr val="tx1"/>
@@ -24,7 +25,7 @@
         <a:cs typeface="+mn-cs"/>
       </a:defRPr>
     </a:lvl1pPr>
-    <a:lvl2pPr marL="457200" algn="l" defTabSz="914400" rtl="0" eaLnBrk="1" latinLnBrk="0" hangingPunct="1">
+    <a:lvl2pPr marL="457200" algn="l" defTabSz="457200" rtl="0" eaLnBrk="1" latinLnBrk="0" hangingPunct="1">
       <a:defRPr sz="1800" kern="1200">
         <a:solidFill>
           <a:schemeClr val="tx1"/>
@@ -34,7 +35,7 @@
         <a:cs typeface="+mn-cs"/>
       </a:defRPr>
     </a:lvl2pPr>
-    <a:lvl3pPr marL="914400" algn="l" defTabSz="914400" rtl="0" eaLnBrk="1" latinLnBrk="0" hangingPunct="1">
+    <a:lvl3pPr marL="914400" algn="l" defTabSz="457200" rtl="0" eaLnBrk="1" latinLnBrk="0" hangingPunct="1">
       <a:defRPr sz="1800" kern="1200">
         <a:solidFill>
           <a:schemeClr val="tx1"/>
@@ -44,7 +45,7 @@
         <a:cs typeface="+mn-cs"/>
       </a:defRPr>
     </a:lvl3pPr>
-    <a:lvl4pPr marL="1371600" algn="l" defTabSz="914400" rtl="0" eaLnBrk="1" latinLnBrk="0" hangingPunct="1">
+    <a:lvl4pPr marL="1371600" algn="l" defTabSz="457200" rtl="0" eaLnBrk="1" latinLnBrk="0" hangingPunct="1">
       <a:defRPr sz="1800" kern="1200">
         <a:solidFill>
           <a:schemeClr val="tx1"/>
@@ -54,7 +55,7 @@
         <a:cs typeface="+mn-cs"/>
       </a:defRPr>
     </a:lvl4pPr>
-    <a:lvl5pPr marL="1828800" algn="l" defTabSz="914400" rtl="0" eaLnBrk="1" latinLnBrk="0" hangingPunct="1">
+    <a:lvl5pPr marL="1828800" algn="l" defTabSz="457200" rtl="0" eaLnBrk="1" latinLnBrk="0" hangingPunct="1">
       <a:defRPr sz="1800" kern="1200">
         <a:solidFill>
           <a:schemeClr val="tx1"/>
@@ -64,7 +65,7 @@
         <a:cs typeface="+mn-cs"/>
       </a:defRPr>
     </a:lvl5pPr>
-    <a:lvl6pPr marL="2286000" algn="l" defTabSz="914400" rtl="0" eaLnBrk="1" latinLnBrk="0" hangingPunct="1">
+    <a:lvl6pPr marL="2286000" algn="l" defTabSz="457200" rtl="0" eaLnBrk="1" latinLnBrk="0" hangingPunct="1">
       <a:defRPr sz="1800" kern="1200">
         <a:solidFill>
           <a:schemeClr val="tx1"/>
@@ -74,7 +75,7 @@
         <a:cs typeface="+mn-cs"/>
       </a:defRPr>
     </a:lvl6pPr>
-    <a:lvl7pPr marL="2743200" algn="l" defTabSz="914400" rtl="0" eaLnBrk="1" latinLnBrk="0" hangingPunct="1">
+    <a:lvl7pPr marL="2743200" algn="l" defTabSz="457200" rtl="0" eaLnBrk="1" latinLnBrk="0" hangingPunct="1">
       <a:defRPr sz="1800" kern="1200">
         <a:solidFill>
           <a:schemeClr val="tx1"/>
@@ -84,7 +85,7 @@
         <a:cs typeface="+mn-cs"/>
       </a:defRPr>
     </a:lvl7pPr>
-    <a:lvl8pPr marL="3200400" algn="l" defTabSz="914400" rtl="0" eaLnBrk="1" latinLnBrk="0" hangingPunct="1">
+    <a:lvl8pPr marL="3200400" algn="l" defTabSz="457200" rtl="0" eaLnBrk="1" latinLnBrk="0" hangingPunct="1">
       <a:defRPr sz="1800" kern="1200">
         <a:solidFill>
           <a:schemeClr val="tx1"/>
@@ -94,7 +95,7 @@
         <a:cs typeface="+mn-cs"/>
       </a:defRPr>
     </a:lvl8pPr>
-    <a:lvl9pPr marL="3657600" algn="l" defTabSz="914400" rtl="0" eaLnBrk="1" latinLnBrk="0" hangingPunct="1">
+    <a:lvl9pPr marL="3657600" algn="l" defTabSz="457200" rtl="0" eaLnBrk="1" latinLnBrk="0" hangingPunct="1">
       <a:defRPr sz="1800" kern="1200">
         <a:solidFill>
           <a:schemeClr val="tx1"/>
@@ -105,12 +106,2678 @@
       </a:defRPr>
     </a:lvl9pPr>
   </p:defaultTextStyle>
+  <p:extLst>
+    <p:ext uri="{EFAFB233-063F-42B5-8137-9DF3F51BA10A}">
+      <p15:sldGuideLst xmlns:p15="http://schemas.microsoft.com/office/powerpoint/2012/main"/>
+    </p:ext>
+  </p:extLst>
 </p:presentation>
 </file>
 
+<file path=ppt/diagrams/colors1.xml><?xml version="1.0" encoding="utf-8"?>
+<dgm:colorsDef xmlns:dgm="http://schemas.openxmlformats.org/drawingml/2006/diagram" xmlns:a="http://schemas.openxmlformats.org/drawingml/2006/main" uniqueId="urn:microsoft.com/office/officeart/2005/8/colors/accent1_2">
+  <dgm:title val=""/>
+  <dgm:desc val=""/>
+  <dgm:catLst>
+    <dgm:cat type="accent1" pri="11200"/>
+  </dgm:catLst>
+  <dgm:styleLbl name="node0">
+    <dgm:fillClrLst meth="repeat">
+      <a:schemeClr val="accent1"/>
+    </dgm:fillClrLst>
+    <dgm:linClrLst meth="repeat">
+      <a:schemeClr val="lt1"/>
+    </dgm:linClrLst>
+    <dgm:effectClrLst/>
+    <dgm:txLinClrLst/>
+    <dgm:txFillClrLst/>
+    <dgm:txEffectClrLst/>
+  </dgm:styleLbl>
+  <dgm:styleLbl name="alignNode1">
+    <dgm:fillClrLst meth="repeat">
+      <a:schemeClr val="accent1"/>
+    </dgm:fillClrLst>
+    <dgm:linClrLst meth="repeat">
+      <a:schemeClr val="accent1"/>
+    </dgm:linClrLst>
+    <dgm:effectClrLst/>
+    <dgm:txLinClrLst/>
+    <dgm:txFillClrLst/>
+    <dgm:txEffectClrLst/>
+  </dgm:styleLbl>
+  <dgm:styleLbl name="node1">
+    <dgm:fillClrLst meth="repeat">
+      <a:schemeClr val="accent1"/>
+    </dgm:fillClrLst>
+    <dgm:linClrLst meth="repeat">
+      <a:schemeClr val="lt1"/>
+    </dgm:linClrLst>
+    <dgm:effectClrLst/>
+    <dgm:txLinClrLst/>
+    <dgm:txFillClrLst/>
+    <dgm:txEffectClrLst/>
+  </dgm:styleLbl>
+  <dgm:styleLbl name="lnNode1">
+    <dgm:fillClrLst meth="repeat">
+      <a:schemeClr val="accent1"/>
+    </dgm:fillClrLst>
+    <dgm:linClrLst meth="repeat">
+      <a:schemeClr val="lt1"/>
+    </dgm:linClrLst>
+    <dgm:effectClrLst/>
+    <dgm:txLinClrLst/>
+    <dgm:txFillClrLst/>
+    <dgm:txEffectClrLst/>
+  </dgm:styleLbl>
+  <dgm:styleLbl name="vennNode1">
+    <dgm:fillClrLst meth="repeat">
+      <a:schemeClr val="accent1">
+        <a:alpha val="50000"/>
+      </a:schemeClr>
+    </dgm:fillClrLst>
+    <dgm:linClrLst meth="repeat">
+      <a:schemeClr val="lt1"/>
+    </dgm:linClrLst>
+    <dgm:effectClrLst/>
+    <dgm:txLinClrLst/>
+    <dgm:txFillClrLst/>
+    <dgm:txEffectClrLst/>
+  </dgm:styleLbl>
+  <dgm:styleLbl name="node2">
+    <dgm:fillClrLst meth="repeat">
+      <a:schemeClr val="accent1"/>
+    </dgm:fillClrLst>
+    <dgm:linClrLst meth="repeat">
+      <a:schemeClr val="lt1"/>
+    </dgm:linClrLst>
+    <dgm:effectClrLst/>
+    <dgm:txLinClrLst/>
+    <dgm:txFillClrLst/>
+    <dgm:txEffectClrLst/>
+  </dgm:styleLbl>
+  <dgm:styleLbl name="node3">
+    <dgm:fillClrLst meth="repeat">
+      <a:schemeClr val="accent1"/>
+    </dgm:fillClrLst>
+    <dgm:linClrLst meth="repeat">
+      <a:schemeClr val="lt1"/>
+    </dgm:linClrLst>
+    <dgm:effectClrLst/>
+    <dgm:txLinClrLst/>
+    <dgm:txFillClrLst/>
+    <dgm:txEffectClrLst/>
+  </dgm:styleLbl>
+  <dgm:styleLbl name="node4">
+    <dgm:fillClrLst meth="repeat">
+      <a:schemeClr val="accent1"/>
+    </dgm:fillClrLst>
+    <dgm:linClrLst meth="repeat">
+      <a:schemeClr val="lt1"/>
+    </dgm:linClrLst>
+    <dgm:effectClrLst/>
+    <dgm:txLinClrLst/>
+    <dgm:txFillClrLst/>
+    <dgm:txEffectClrLst/>
+  </dgm:styleLbl>
+  <dgm:styleLbl name="fgImgPlace1">
+    <dgm:fillClrLst meth="repeat">
+      <a:schemeClr val="accent1">
+        <a:tint val="50000"/>
+      </a:schemeClr>
+    </dgm:fillClrLst>
+    <dgm:linClrLst meth="repeat">
+      <a:schemeClr val="lt1"/>
+    </dgm:linClrLst>
+    <dgm:effectClrLst/>
+    <dgm:txLinClrLst/>
+    <dgm:txFillClrLst meth="repeat">
+      <a:schemeClr val="lt1"/>
+    </dgm:txFillClrLst>
+    <dgm:txEffectClrLst/>
+  </dgm:styleLbl>
+  <dgm:styleLbl name="alignImgPlace1">
+    <dgm:fillClrLst meth="repeat">
+      <a:schemeClr val="accent1">
+        <a:tint val="50000"/>
+      </a:schemeClr>
+    </dgm:fillClrLst>
+    <dgm:linClrLst meth="repeat">
+      <a:schemeClr val="lt1"/>
+    </dgm:linClrLst>
+    <dgm:effectClrLst/>
+    <dgm:txLinClrLst/>
+    <dgm:txFillClrLst meth="repeat">
+      <a:schemeClr val="lt1"/>
+    </dgm:txFillClrLst>
+    <dgm:txEffectClrLst/>
+  </dgm:styleLbl>
+  <dgm:styleLbl name="bgImgPlace1">
+    <dgm:fillClrLst meth="repeat">
+      <a:schemeClr val="accent1">
+        <a:tint val="50000"/>
+      </a:schemeClr>
+    </dgm:fillClrLst>
+    <dgm:linClrLst meth="repeat">
+      <a:schemeClr val="lt1"/>
+    </dgm:linClrLst>
+    <dgm:effectClrLst/>
+    <dgm:txLinClrLst/>
+    <dgm:txFillClrLst meth="repeat">
+      <a:schemeClr val="lt1"/>
+    </dgm:txFillClrLst>
+    <dgm:txEffectClrLst/>
+  </dgm:styleLbl>
+  <dgm:styleLbl name="sibTrans2D1">
+    <dgm:fillClrLst meth="repeat">
+      <a:schemeClr val="accent1">
+        <a:tint val="60000"/>
+      </a:schemeClr>
+    </dgm:fillClrLst>
+    <dgm:linClrLst meth="repeat">
+      <a:schemeClr val="accent1">
+        <a:tint val="60000"/>
+      </a:schemeClr>
+    </dgm:linClrLst>
+    <dgm:effectClrLst/>
+    <dgm:txLinClrLst/>
+    <dgm:txFillClrLst/>
+    <dgm:txEffectClrLst/>
+  </dgm:styleLbl>
+  <dgm:styleLbl name="fgSibTrans2D1">
+    <dgm:fillClrLst meth="repeat">
+      <a:schemeClr val="accent1">
+        <a:tint val="60000"/>
+      </a:schemeClr>
+    </dgm:fillClrLst>
+    <dgm:linClrLst meth="repeat">
+      <a:schemeClr val="accent1">
+        <a:tint val="60000"/>
+      </a:schemeClr>
+    </dgm:linClrLst>
+    <dgm:effectClrLst/>
+    <dgm:txLinClrLst/>
+    <dgm:txFillClrLst/>
+    <dgm:txEffectClrLst/>
+  </dgm:styleLbl>
+  <dgm:styleLbl name="bgSibTrans2D1">
+    <dgm:fillClrLst meth="repeat">
+      <a:schemeClr val="accent1">
+        <a:tint val="60000"/>
+      </a:schemeClr>
+    </dgm:fillClrLst>
+    <dgm:linClrLst meth="repeat">
+      <a:schemeClr val="accent1">
+        <a:tint val="60000"/>
+      </a:schemeClr>
+    </dgm:linClrLst>
+    <dgm:effectClrLst/>
+    <dgm:txLinClrLst/>
+    <dgm:txFillClrLst/>
+    <dgm:txEffectClrLst/>
+  </dgm:styleLbl>
+  <dgm:styleLbl name="sibTrans1D1">
+    <dgm:fillClrLst meth="repeat">
+      <a:schemeClr val="accent1"/>
+    </dgm:fillClrLst>
+    <dgm:linClrLst meth="repeat">
+      <a:schemeClr val="accent1"/>
+    </dgm:linClrLst>
+    <dgm:effectClrLst/>
+    <dgm:txLinClrLst/>
+    <dgm:txFillClrLst meth="repeat">
+      <a:schemeClr val="tx1"/>
+    </dgm:txFillClrLst>
+    <dgm:txEffectClrLst/>
+  </dgm:styleLbl>
+  <dgm:styleLbl name="callout">
+    <dgm:fillClrLst meth="repeat">
+      <a:schemeClr val="accent1"/>
+    </dgm:fillClrLst>
+    <dgm:linClrLst meth="repeat">
+      <a:schemeClr val="accent1">
+        <a:tint val="50000"/>
+      </a:schemeClr>
+    </dgm:linClrLst>
+    <dgm:effectClrLst/>
+    <dgm:txLinClrLst/>
+    <dgm:txFillClrLst meth="repeat">
+      <a:schemeClr val="tx1"/>
+    </dgm:txFillClrLst>
+    <dgm:txEffectClrLst/>
+  </dgm:styleLbl>
+  <dgm:styleLbl name="asst0">
+    <dgm:fillClrLst meth="repeat">
+      <a:schemeClr val="accent1"/>
+    </dgm:fillClrLst>
+    <dgm:linClrLst meth="repeat">
+      <a:schemeClr val="lt1"/>
+    </dgm:linClrLst>
+    <dgm:effectClrLst/>
+    <dgm:txLinClrLst/>
+    <dgm:txFillClrLst/>
+    <dgm:txEffectClrLst/>
+  </dgm:styleLbl>
+  <dgm:styleLbl name="asst1">
+    <dgm:fillClrLst meth="repeat">
+      <a:schemeClr val="accent1"/>
+    </dgm:fillClrLst>
+    <dgm:linClrLst meth="repeat">
+      <a:schemeClr val="lt1"/>
+    </dgm:linClrLst>
+    <dgm:effectClrLst/>
+    <dgm:txLinClrLst/>
+    <dgm:txFillClrLst/>
+    <dgm:txEffectClrLst/>
+  </dgm:styleLbl>
+  <dgm:styleLbl name="asst2">
+    <dgm:fillClrLst meth="repeat">
+      <a:schemeClr val="accent1"/>
+    </dgm:fillClrLst>
+    <dgm:linClrLst meth="repeat">
+      <a:schemeClr val="lt1"/>
+    </dgm:linClrLst>
+    <dgm:effectClrLst/>
+    <dgm:txLinClrLst/>
+    <dgm:txFillClrLst/>
+    <dgm:txEffectClrLst/>
+  </dgm:styleLbl>
+  <dgm:styleLbl name="asst3">
+    <dgm:fillClrLst meth="repeat">
+      <a:schemeClr val="accent1"/>
+    </dgm:fillClrLst>
+    <dgm:linClrLst meth="repeat">
+      <a:schemeClr val="lt1"/>
+    </dgm:linClrLst>
+    <dgm:effectClrLst/>
+    <dgm:txLinClrLst/>
+    <dgm:txFillClrLst/>
+    <dgm:txEffectClrLst/>
+  </dgm:styleLbl>
+  <dgm:styleLbl name="asst4">
+    <dgm:fillClrLst meth="repeat">
+      <a:schemeClr val="accent1"/>
+    </dgm:fillClrLst>
+    <dgm:linClrLst meth="repeat">
+      <a:schemeClr val="lt1"/>
+    </dgm:linClrLst>
+    <dgm:effectClrLst/>
+    <dgm:txLinClrLst/>
+    <dgm:txFillClrLst/>
+    <dgm:txEffectClrLst/>
+  </dgm:styleLbl>
+  <dgm:styleLbl name="parChTrans2D1">
+    <dgm:fillClrLst meth="repeat">
+      <a:schemeClr val="accent1">
+        <a:tint val="60000"/>
+      </a:schemeClr>
+    </dgm:fillClrLst>
+    <dgm:linClrLst meth="repeat">
+      <a:schemeClr val="accent1">
+        <a:tint val="60000"/>
+      </a:schemeClr>
+    </dgm:linClrLst>
+    <dgm:effectClrLst/>
+    <dgm:txLinClrLst/>
+    <dgm:txFillClrLst meth="repeat">
+      <a:schemeClr val="lt1"/>
+    </dgm:txFillClrLst>
+    <dgm:txEffectClrLst/>
+  </dgm:styleLbl>
+  <dgm:styleLbl name="parChTrans2D2">
+    <dgm:fillClrLst meth="repeat">
+      <a:schemeClr val="accent1"/>
+    </dgm:fillClrLst>
+    <dgm:linClrLst meth="repeat">
+      <a:schemeClr val="accent1"/>
+    </dgm:linClrLst>
+    <dgm:effectClrLst/>
+    <dgm:txLinClrLst/>
+    <dgm:txFillClrLst meth="repeat">
+      <a:schemeClr val="lt1"/>
+    </dgm:txFillClrLst>
+    <dgm:txEffectClrLst/>
+  </dgm:styleLbl>
+  <dgm:styleLbl name="parChTrans2D3">
+    <dgm:fillClrLst meth="repeat">
+      <a:schemeClr val="accent1"/>
+    </dgm:fillClrLst>
+    <dgm:linClrLst meth="repeat">
+      <a:schemeClr val="accent1"/>
+    </dgm:linClrLst>
+    <dgm:effectClrLst/>
+    <dgm:txLinClrLst/>
+    <dgm:txFillClrLst meth="repeat">
+      <a:schemeClr val="lt1"/>
+    </dgm:txFillClrLst>
+    <dgm:txEffectClrLst/>
+  </dgm:styleLbl>
+  <dgm:styleLbl name="parChTrans2D4">
+    <dgm:fillClrLst meth="repeat">
+      <a:schemeClr val="accent1"/>
+    </dgm:fillClrLst>
+    <dgm:linClrLst meth="repeat">
+      <a:schemeClr val="accent1"/>
+    </dgm:linClrLst>
+    <dgm:effectClrLst/>
+    <dgm:txLinClrLst/>
+    <dgm:txFillClrLst meth="repeat">
+      <a:schemeClr val="lt1"/>
+    </dgm:txFillClrLst>
+    <dgm:txEffectClrLst/>
+  </dgm:styleLbl>
+  <dgm:styleLbl name="parChTrans1D1">
+    <dgm:fillClrLst meth="repeat">
+      <a:schemeClr val="accent1"/>
+    </dgm:fillClrLst>
+    <dgm:linClrLst meth="repeat">
+      <a:schemeClr val="accent1">
+        <a:shade val="60000"/>
+      </a:schemeClr>
+    </dgm:linClrLst>
+    <dgm:effectClrLst/>
+    <dgm:txLinClrLst/>
+    <dgm:txFillClrLst meth="repeat">
+      <a:schemeClr val="tx1"/>
+    </dgm:txFillClrLst>
+    <dgm:txEffectClrLst/>
+  </dgm:styleLbl>
+  <dgm:styleLbl name="parChTrans1D2">
+    <dgm:fillClrLst meth="repeat">
+      <a:schemeClr val="accent1"/>
+    </dgm:fillClrLst>
+    <dgm:linClrLst meth="repeat">
+      <a:schemeClr val="accent1">
+        <a:shade val="60000"/>
+      </a:schemeClr>
+    </dgm:linClrLst>
+    <dgm:effectClrLst/>
+    <dgm:txLinClrLst/>
+    <dgm:txFillClrLst meth="repeat">
+      <a:schemeClr val="tx1"/>
+    </dgm:txFillClrLst>
+    <dgm:txEffectClrLst/>
+  </dgm:styleLbl>
+  <dgm:styleLbl name="parChTrans1D3">
+    <dgm:fillClrLst meth="repeat">
+      <a:schemeClr val="accent1"/>
+    </dgm:fillClrLst>
+    <dgm:linClrLst meth="repeat">
+      <a:schemeClr val="accent1">
+        <a:shade val="80000"/>
+      </a:schemeClr>
+    </dgm:linClrLst>
+    <dgm:effectClrLst/>
+    <dgm:txLinClrLst/>
+    <dgm:txFillClrLst meth="repeat">
+      <a:schemeClr val="tx1"/>
+    </dgm:txFillClrLst>
+    <dgm:txEffectClrLst/>
+  </dgm:styleLbl>
+  <dgm:styleLbl name="parChTrans1D4">
+    <dgm:fillClrLst meth="repeat">
+      <a:schemeClr val="accent1"/>
+    </dgm:fillClrLst>
+    <dgm:linClrLst meth="repeat">
+      <a:schemeClr val="accent1">
+        <a:shade val="80000"/>
+      </a:schemeClr>
+    </dgm:linClrLst>
+    <dgm:effectClrLst/>
+    <dgm:txLinClrLst/>
+    <dgm:txFillClrLst meth="repeat">
+      <a:schemeClr val="tx1"/>
+    </dgm:txFillClrLst>
+    <dgm:txEffectClrLst/>
+  </dgm:styleLbl>
+  <dgm:styleLbl name="fgAcc1">
+    <dgm:fillClrLst meth="repeat">
+      <a:schemeClr val="lt1">
+        <a:alpha val="90000"/>
+      </a:schemeClr>
+    </dgm:fillClrLst>
+    <dgm:linClrLst meth="repeat">
+      <a:schemeClr val="accent1"/>
+    </dgm:linClrLst>
+    <dgm:effectClrLst/>
+    <dgm:txLinClrLst/>
+    <dgm:txFillClrLst meth="repeat">
+      <a:schemeClr val="dk1"/>
+    </dgm:txFillClrLst>
+    <dgm:txEffectClrLst/>
+  </dgm:styleLbl>
+  <dgm:styleLbl name="conFgAcc1">
+    <dgm:fillClrLst meth="repeat">
+      <a:schemeClr val="lt1">
+        <a:alpha val="90000"/>
+      </a:schemeClr>
+    </dgm:fillClrLst>
+    <dgm:linClrLst meth="repeat">
+      <a:schemeClr val="accent1"/>
+    </dgm:linClrLst>
+    <dgm:effectClrLst/>
+    <dgm:txLinClrLst/>
+    <dgm:txFillClrLst meth="repeat">
+      <a:schemeClr val="dk1"/>
+    </dgm:txFillClrLst>
+    <dgm:txEffectClrLst/>
+  </dgm:styleLbl>
+  <dgm:styleLbl name="alignAcc1">
+    <dgm:fillClrLst meth="repeat">
+      <a:schemeClr val="lt1">
+        <a:alpha val="90000"/>
+      </a:schemeClr>
+    </dgm:fillClrLst>
+    <dgm:linClrLst meth="repeat">
+      <a:schemeClr val="accent1"/>
+    </dgm:linClrLst>
+    <dgm:effectClrLst/>
+    <dgm:txLinClrLst/>
+    <dgm:txFillClrLst meth="repeat">
+      <a:schemeClr val="dk1"/>
+    </dgm:txFillClrLst>
+    <dgm:txEffectClrLst/>
+  </dgm:styleLbl>
+  <dgm:styleLbl name="trAlignAcc1">
+    <dgm:fillClrLst meth="repeat">
+      <a:schemeClr val="lt1">
+        <a:alpha val="40000"/>
+      </a:schemeClr>
+    </dgm:fillClrLst>
+    <dgm:linClrLst meth="repeat">
+      <a:schemeClr val="accent1"/>
+    </dgm:linClrLst>
+    <dgm:effectClrLst/>
+    <dgm:txLinClrLst/>
+    <dgm:txFillClrLst meth="repeat">
+      <a:schemeClr val="dk1"/>
+    </dgm:txFillClrLst>
+    <dgm:txEffectClrLst/>
+  </dgm:styleLbl>
+  <dgm:styleLbl name="bgAcc1">
+    <dgm:fillClrLst meth="repeat">
+      <a:schemeClr val="lt1">
+        <a:alpha val="90000"/>
+      </a:schemeClr>
+    </dgm:fillClrLst>
+    <dgm:linClrLst meth="repeat">
+      <a:schemeClr val="accent1"/>
+    </dgm:linClrLst>
+    <dgm:effectClrLst/>
+    <dgm:txLinClrLst/>
+    <dgm:txFillClrLst meth="repeat">
+      <a:schemeClr val="dk1"/>
+    </dgm:txFillClrLst>
+    <dgm:txEffectClrLst/>
+  </dgm:styleLbl>
+  <dgm:styleLbl name="solidFgAcc1">
+    <dgm:fillClrLst meth="repeat">
+      <a:schemeClr val="lt1"/>
+    </dgm:fillClrLst>
+    <dgm:linClrLst meth="repeat">
+      <a:schemeClr val="accent1"/>
+    </dgm:linClrLst>
+    <dgm:effectClrLst/>
+    <dgm:txLinClrLst/>
+    <dgm:txFillClrLst meth="repeat">
+      <a:schemeClr val="dk1"/>
+    </dgm:txFillClrLst>
+    <dgm:txEffectClrLst/>
+  </dgm:styleLbl>
+  <dgm:styleLbl name="solidAlignAcc1">
+    <dgm:fillClrLst meth="repeat">
+      <a:schemeClr val="lt1"/>
+    </dgm:fillClrLst>
+    <dgm:linClrLst meth="repeat">
+      <a:schemeClr val="accent1"/>
+    </dgm:linClrLst>
+    <dgm:effectClrLst/>
+    <dgm:txLinClrLst/>
+    <dgm:txFillClrLst meth="repeat">
+      <a:schemeClr val="dk1"/>
+    </dgm:txFillClrLst>
+    <dgm:txEffectClrLst/>
+  </dgm:styleLbl>
+  <dgm:styleLbl name="solidBgAcc1">
+    <dgm:fillClrLst meth="repeat">
+      <a:schemeClr val="lt1"/>
+    </dgm:fillClrLst>
+    <dgm:linClrLst meth="repeat">
+      <a:schemeClr val="accent1"/>
+    </dgm:linClrLst>
+    <dgm:effectClrLst/>
+    <dgm:txLinClrLst/>
+    <dgm:txFillClrLst meth="repeat">
+      <a:schemeClr val="dk1"/>
+    </dgm:txFillClrLst>
+    <dgm:txEffectClrLst/>
+  </dgm:styleLbl>
+  <dgm:styleLbl name="fgAccFollowNode1">
+    <dgm:fillClrLst meth="repeat">
+      <a:schemeClr val="accent1">
+        <a:alpha val="90000"/>
+        <a:tint val="40000"/>
+      </a:schemeClr>
+    </dgm:fillClrLst>
+    <dgm:linClrLst meth="repeat">
+      <a:schemeClr val="accent1">
+        <a:alpha val="90000"/>
+        <a:tint val="40000"/>
+      </a:schemeClr>
+    </dgm:linClrLst>
+    <dgm:effectClrLst/>
+    <dgm:txLinClrLst/>
+    <dgm:txFillClrLst meth="repeat">
+      <a:schemeClr val="dk1"/>
+    </dgm:txFillClrLst>
+    <dgm:txEffectClrLst/>
+  </dgm:styleLbl>
+  <dgm:styleLbl name="alignAccFollowNode1">
+    <dgm:fillClrLst meth="repeat">
+      <a:schemeClr val="accent1">
+        <a:alpha val="90000"/>
+        <a:tint val="40000"/>
+      </a:schemeClr>
+    </dgm:fillClrLst>
+    <dgm:linClrLst meth="repeat">
+      <a:schemeClr val="accent1">
+        <a:alpha val="90000"/>
+        <a:tint val="40000"/>
+      </a:schemeClr>
+    </dgm:linClrLst>
+    <dgm:effectClrLst/>
+    <dgm:txLinClrLst/>
+    <dgm:txFillClrLst meth="repeat">
+      <a:schemeClr val="dk1"/>
+    </dgm:txFillClrLst>
+    <dgm:txEffectClrLst/>
+  </dgm:styleLbl>
+  <dgm:styleLbl name="bgAccFollowNode1">
+    <dgm:fillClrLst meth="repeat">
+      <a:schemeClr val="accent1">
+        <a:alpha val="90000"/>
+        <a:tint val="40000"/>
+      </a:schemeClr>
+    </dgm:fillClrLst>
+    <dgm:linClrLst meth="repeat">
+      <a:schemeClr val="accent1">
+        <a:alpha val="90000"/>
+        <a:tint val="40000"/>
+      </a:schemeClr>
+    </dgm:linClrLst>
+    <dgm:effectClrLst/>
+    <dgm:txLinClrLst/>
+    <dgm:txFillClrLst meth="repeat">
+      <a:schemeClr val="dk1"/>
+    </dgm:txFillClrLst>
+    <dgm:txEffectClrLst/>
+  </dgm:styleLbl>
+  <dgm:styleLbl name="fgAcc0">
+    <dgm:fillClrLst meth="repeat">
+      <a:schemeClr val="lt1">
+        <a:alpha val="90000"/>
+      </a:schemeClr>
+    </dgm:fillClrLst>
+    <dgm:linClrLst meth="repeat">
+      <a:schemeClr val="accent1"/>
+    </dgm:linClrLst>
+    <dgm:effectClrLst/>
+    <dgm:txLinClrLst/>
+    <dgm:txFillClrLst meth="repeat">
+      <a:schemeClr val="dk1"/>
+    </dgm:txFillClrLst>
+    <dgm:txEffectClrLst/>
+  </dgm:styleLbl>
+  <dgm:styleLbl name="fgAcc2">
+    <dgm:fillClrLst meth="repeat">
+      <a:schemeClr val="lt1">
+        <a:alpha val="90000"/>
+      </a:schemeClr>
+    </dgm:fillClrLst>
+    <dgm:linClrLst meth="repeat">
+      <a:schemeClr val="accent1"/>
+    </dgm:linClrLst>
+    <dgm:effectClrLst/>
+    <dgm:txLinClrLst/>
+    <dgm:txFillClrLst meth="repeat">
+      <a:schemeClr val="dk1"/>
+    </dgm:txFillClrLst>
+    <dgm:txEffectClrLst/>
+  </dgm:styleLbl>
+  <dgm:styleLbl name="fgAcc3">
+    <dgm:fillClrLst meth="repeat">
+      <a:schemeClr val="lt1">
+        <a:alpha val="90000"/>
+      </a:schemeClr>
+    </dgm:fillClrLst>
+    <dgm:linClrLst meth="repeat">
+      <a:schemeClr val="accent1"/>
+    </dgm:linClrLst>
+    <dgm:effectClrLst/>
+    <dgm:txLinClrLst/>
+    <dgm:txFillClrLst meth="repeat">
+      <a:schemeClr val="dk1"/>
+    </dgm:txFillClrLst>
+    <dgm:txEffectClrLst/>
+  </dgm:styleLbl>
+  <dgm:styleLbl name="fgAcc4">
+    <dgm:fillClrLst meth="repeat">
+      <a:schemeClr val="lt1">
+        <a:alpha val="90000"/>
+      </a:schemeClr>
+    </dgm:fillClrLst>
+    <dgm:linClrLst meth="repeat">
+      <a:schemeClr val="accent1"/>
+    </dgm:linClrLst>
+    <dgm:effectClrLst/>
+    <dgm:txLinClrLst/>
+    <dgm:txFillClrLst meth="repeat">
+      <a:schemeClr val="dk1"/>
+    </dgm:txFillClrLst>
+    <dgm:txEffectClrLst/>
+  </dgm:styleLbl>
+  <dgm:styleLbl name="bgShp">
+    <dgm:fillClrLst meth="repeat">
+      <a:schemeClr val="accent1">
+        <a:tint val="40000"/>
+      </a:schemeClr>
+    </dgm:fillClrLst>
+    <dgm:linClrLst meth="repeat">
+      <a:schemeClr val="accent1"/>
+    </dgm:linClrLst>
+    <dgm:effectClrLst/>
+    <dgm:txLinClrLst/>
+    <dgm:txFillClrLst meth="repeat">
+      <a:schemeClr val="dk1"/>
+    </dgm:txFillClrLst>
+    <dgm:txEffectClrLst/>
+  </dgm:styleLbl>
+  <dgm:styleLbl name="dkBgShp">
+    <dgm:fillClrLst meth="repeat">
+      <a:schemeClr val="accent1">
+        <a:shade val="80000"/>
+      </a:schemeClr>
+    </dgm:fillClrLst>
+    <dgm:linClrLst meth="repeat">
+      <a:schemeClr val="accent1"/>
+    </dgm:linClrLst>
+    <dgm:effectClrLst/>
+    <dgm:txLinClrLst/>
+    <dgm:txFillClrLst meth="repeat">
+      <a:schemeClr val="lt1"/>
+    </dgm:txFillClrLst>
+    <dgm:txEffectClrLst/>
+  </dgm:styleLbl>
+  <dgm:styleLbl name="trBgShp">
+    <dgm:fillClrLst meth="repeat">
+      <a:schemeClr val="accent1">
+        <a:tint val="50000"/>
+        <a:alpha val="40000"/>
+      </a:schemeClr>
+    </dgm:fillClrLst>
+    <dgm:linClrLst meth="repeat">
+      <a:schemeClr val="accent1"/>
+    </dgm:linClrLst>
+    <dgm:effectClrLst/>
+    <dgm:txLinClrLst/>
+    <dgm:txFillClrLst meth="repeat">
+      <a:schemeClr val="lt1"/>
+    </dgm:txFillClrLst>
+    <dgm:txEffectClrLst/>
+  </dgm:styleLbl>
+  <dgm:styleLbl name="fgShp">
+    <dgm:fillClrLst meth="repeat">
+      <a:schemeClr val="accent1">
+        <a:tint val="60000"/>
+      </a:schemeClr>
+    </dgm:fillClrLst>
+    <dgm:linClrLst meth="repeat">
+      <a:schemeClr val="lt1"/>
+    </dgm:linClrLst>
+    <dgm:effectClrLst/>
+    <dgm:txLinClrLst/>
+    <dgm:txFillClrLst meth="repeat">
+      <a:schemeClr val="dk1"/>
+    </dgm:txFillClrLst>
+    <dgm:txEffectClrLst/>
+  </dgm:styleLbl>
+  <dgm:styleLbl name="revTx">
+    <dgm:fillClrLst meth="repeat">
+      <a:schemeClr val="lt1">
+        <a:alpha val="0"/>
+      </a:schemeClr>
+    </dgm:fillClrLst>
+    <dgm:linClrLst meth="repeat">
+      <a:schemeClr val="dk1">
+        <a:alpha val="0"/>
+      </a:schemeClr>
+    </dgm:linClrLst>
+    <dgm:effectClrLst/>
+    <dgm:txLinClrLst/>
+    <dgm:txFillClrLst meth="repeat">
+      <a:schemeClr val="tx1"/>
+    </dgm:txFillClrLst>
+    <dgm:txEffectClrLst/>
+  </dgm:styleLbl>
+</dgm:colorsDef>
+</file>
+
+<file path=ppt/diagrams/data1.xml><?xml version="1.0" encoding="utf-8"?>
+<dgm:dataModel xmlns:dgm="http://schemas.openxmlformats.org/drawingml/2006/diagram" xmlns:a="http://schemas.openxmlformats.org/drawingml/2006/main">
+  <dgm:ptLst>
+    <dgm:pt modelId="{596E1E68-C758-4417-9D97-02613C2A7DEA}" type="doc">
+      <dgm:prSet loTypeId="urn:microsoft.com/office/officeart/2018/2/layout/IconLabelList" loCatId="icon" qsTypeId="urn:microsoft.com/office/officeart/2005/8/quickstyle/simple1" qsCatId="simple" csTypeId="urn:microsoft.com/office/officeart/2005/8/colors/accent1_2" csCatId="accent1" phldr="1"/>
+      <dgm:spPr/>
+      <dgm:t>
+        <a:bodyPr/>
+        <a:lstStyle/>
+        <a:p>
+          <a:endParaRPr lang="en-US"/>
+        </a:p>
+      </dgm:t>
+    </dgm:pt>
+    <dgm:pt modelId="{FFF48625-3069-483E-8E74-2F8D35B0E426}">
+      <dgm:prSet/>
+      <dgm:spPr/>
+      <dgm:t>
+        <a:bodyPr/>
+        <a:lstStyle/>
+        <a:p>
+          <a:pPr>
+            <a:lnSpc>
+              <a:spcPct val="100000"/>
+            </a:lnSpc>
+          </a:pPr>
+          <a:r>
+            <a:rPr lang="en-GB" baseline="0"/>
+            <a:t>Revise R &amp; R Markdown</a:t>
+          </a:r>
+          <a:endParaRPr lang="en-US"/>
+        </a:p>
+      </dgm:t>
+    </dgm:pt>
+    <dgm:pt modelId="{4FF20C96-9D2B-4120-8F16-6DDCB2CB0BFE}" type="parTrans" cxnId="{466A53C3-E68F-40C0-B1C9-C1C5A7E3C7C6}">
+      <dgm:prSet/>
+      <dgm:spPr/>
+      <dgm:t>
+        <a:bodyPr/>
+        <a:lstStyle/>
+        <a:p>
+          <a:endParaRPr lang="en-US"/>
+        </a:p>
+      </dgm:t>
+    </dgm:pt>
+    <dgm:pt modelId="{E0FF389A-C1EA-4694-AAA7-8F9BF595658B}" type="sibTrans" cxnId="{466A53C3-E68F-40C0-B1C9-C1C5A7E3C7C6}">
+      <dgm:prSet/>
+      <dgm:spPr/>
+      <dgm:t>
+        <a:bodyPr/>
+        <a:lstStyle/>
+        <a:p>
+          <a:endParaRPr lang="en-US"/>
+        </a:p>
+      </dgm:t>
+    </dgm:pt>
+    <dgm:pt modelId="{7951E83C-8FF8-4D48-9E2D-7103CAF87DFB}">
+      <dgm:prSet/>
+      <dgm:spPr/>
+      <dgm:t>
+        <a:bodyPr/>
+        <a:lstStyle/>
+        <a:p>
+          <a:pPr>
+            <a:lnSpc>
+              <a:spcPct val="100000"/>
+            </a:lnSpc>
+          </a:pPr>
+          <a:r>
+            <a:rPr lang="en-GB" baseline="0"/>
+            <a:t>Understanding OLS</a:t>
+          </a:r>
+          <a:endParaRPr lang="en-US"/>
+        </a:p>
+      </dgm:t>
+    </dgm:pt>
+    <dgm:pt modelId="{2256E874-4795-4BFB-A128-1DFCEC6B0440}" type="parTrans" cxnId="{E41B86D7-2CDC-4C54-B4BD-312D9E97A8B9}">
+      <dgm:prSet/>
+      <dgm:spPr/>
+      <dgm:t>
+        <a:bodyPr/>
+        <a:lstStyle/>
+        <a:p>
+          <a:endParaRPr lang="en-US"/>
+        </a:p>
+      </dgm:t>
+    </dgm:pt>
+    <dgm:pt modelId="{DB0B5076-CED6-4D09-B90B-4704198ABF02}" type="sibTrans" cxnId="{E41B86D7-2CDC-4C54-B4BD-312D9E97A8B9}">
+      <dgm:prSet/>
+      <dgm:spPr/>
+      <dgm:t>
+        <a:bodyPr/>
+        <a:lstStyle/>
+        <a:p>
+          <a:endParaRPr lang="en-US"/>
+        </a:p>
+      </dgm:t>
+    </dgm:pt>
+    <dgm:pt modelId="{669AF6BA-1E41-4123-89A9-A076006D6AF6}">
+      <dgm:prSet/>
+      <dgm:spPr/>
+      <dgm:t>
+        <a:bodyPr/>
+        <a:lstStyle/>
+        <a:p>
+          <a:pPr>
+            <a:lnSpc>
+              <a:spcPct val="100000"/>
+            </a:lnSpc>
+          </a:pPr>
+          <a:r>
+            <a:rPr lang="en-GB" baseline="0"/>
+            <a:t>Starting to become a visionary</a:t>
+          </a:r>
+          <a:endParaRPr lang="en-US"/>
+        </a:p>
+      </dgm:t>
+    </dgm:pt>
+    <dgm:pt modelId="{1234A495-90D5-41CD-A59A-D54556271368}" type="parTrans" cxnId="{F22E3E68-43C9-4B45-8EA3-B63A1121791D}">
+      <dgm:prSet/>
+      <dgm:spPr/>
+      <dgm:t>
+        <a:bodyPr/>
+        <a:lstStyle/>
+        <a:p>
+          <a:endParaRPr lang="en-US"/>
+        </a:p>
+      </dgm:t>
+    </dgm:pt>
+    <dgm:pt modelId="{08F234E0-0724-4699-AFA4-46288AF06D36}" type="sibTrans" cxnId="{F22E3E68-43C9-4B45-8EA3-B63A1121791D}">
+      <dgm:prSet/>
+      <dgm:spPr/>
+      <dgm:t>
+        <a:bodyPr/>
+        <a:lstStyle/>
+        <a:p>
+          <a:endParaRPr lang="en-US"/>
+        </a:p>
+      </dgm:t>
+    </dgm:pt>
+    <dgm:pt modelId="{E9B13199-16D8-4B5E-86A2-673226468F99}" type="pres">
+      <dgm:prSet presAssocID="{596E1E68-C758-4417-9D97-02613C2A7DEA}" presName="root" presStyleCnt="0">
+        <dgm:presLayoutVars>
+          <dgm:dir/>
+          <dgm:resizeHandles val="exact"/>
+        </dgm:presLayoutVars>
+      </dgm:prSet>
+      <dgm:spPr/>
+    </dgm:pt>
+    <dgm:pt modelId="{E2252BF0-35E4-4C9C-BCB9-30A92DEF1EB1}" type="pres">
+      <dgm:prSet presAssocID="{FFF48625-3069-483E-8E74-2F8D35B0E426}" presName="compNode" presStyleCnt="0"/>
+      <dgm:spPr/>
+    </dgm:pt>
+    <dgm:pt modelId="{38FBC24E-D778-436D-944A-FAD42594B6E0}" type="pres">
+      <dgm:prSet presAssocID="{FFF48625-3069-483E-8E74-2F8D35B0E426}" presName="iconRect" presStyleLbl="node1" presStyleIdx="0" presStyleCnt="3"/>
+      <dgm:spPr>
+        <a:blipFill>
+          <a:blip xmlns:r="http://schemas.openxmlformats.org/officeDocument/2006/relationships" r:embed="rId1">
+            <a:extLst>
+              <a:ext uri="{28A0092B-C50C-407E-A947-70E740481C1C}">
+                <a14:useLocalDpi xmlns:a14="http://schemas.microsoft.com/office/drawing/2010/main" val="0"/>
+              </a:ext>
+              <a:ext uri="{96DAC541-7B7A-43D3-8B79-37D633B846F1}">
+                <asvg:svgBlip xmlns:asvg="http://schemas.microsoft.com/office/drawing/2016/SVG/main" r:embed="rId2"/>
+              </a:ext>
+            </a:extLst>
+          </a:blip>
+          <a:stretch>
+            <a:fillRect/>
+          </a:stretch>
+        </a:blipFill>
+      </dgm:spPr>
+      <dgm:extLst>
+        <a:ext uri="{E40237B7-FDA0-4F09-8148-C483321AD2D9}">
+          <dgm14:cNvPr xmlns:dgm14="http://schemas.microsoft.com/office/drawing/2010/diagram" id="0" name="" descr="Pencil"/>
+        </a:ext>
+      </dgm:extLst>
+    </dgm:pt>
+    <dgm:pt modelId="{6C4EA078-3C94-4CBE-83C8-162566E0B958}" type="pres">
+      <dgm:prSet presAssocID="{FFF48625-3069-483E-8E74-2F8D35B0E426}" presName="spaceRect" presStyleCnt="0"/>
+      <dgm:spPr/>
+    </dgm:pt>
+    <dgm:pt modelId="{C619B9C6-F937-4CD4-9FC5-8D48E6155494}" type="pres">
+      <dgm:prSet presAssocID="{FFF48625-3069-483E-8E74-2F8D35B0E426}" presName="textRect" presStyleLbl="revTx" presStyleIdx="0" presStyleCnt="3">
+        <dgm:presLayoutVars>
+          <dgm:chMax val="1"/>
+          <dgm:chPref val="1"/>
+        </dgm:presLayoutVars>
+      </dgm:prSet>
+      <dgm:spPr/>
+    </dgm:pt>
+    <dgm:pt modelId="{1C0E7C2F-B9EA-4D08-BA77-7DDB422B3079}" type="pres">
+      <dgm:prSet presAssocID="{E0FF389A-C1EA-4694-AAA7-8F9BF595658B}" presName="sibTrans" presStyleCnt="0"/>
+      <dgm:spPr/>
+    </dgm:pt>
+    <dgm:pt modelId="{0665ECAC-B049-4E32-B2FE-E25F1C89ECA4}" type="pres">
+      <dgm:prSet presAssocID="{7951E83C-8FF8-4D48-9E2D-7103CAF87DFB}" presName="compNode" presStyleCnt="0"/>
+      <dgm:spPr/>
+    </dgm:pt>
+    <dgm:pt modelId="{512306B8-C0DD-4516-A857-A9CF92BA9EA9}" type="pres">
+      <dgm:prSet presAssocID="{7951E83C-8FF8-4D48-9E2D-7103CAF87DFB}" presName="iconRect" presStyleLbl="node1" presStyleIdx="1" presStyleCnt="3"/>
+      <dgm:spPr>
+        <a:blipFill>
+          <a:blip xmlns:r="http://schemas.openxmlformats.org/officeDocument/2006/relationships" r:embed="rId3">
+            <a:extLst>
+              <a:ext uri="{28A0092B-C50C-407E-A947-70E740481C1C}">
+                <a14:useLocalDpi xmlns:a14="http://schemas.microsoft.com/office/drawing/2010/main" val="0"/>
+              </a:ext>
+              <a:ext uri="{96DAC541-7B7A-43D3-8B79-37D633B846F1}">
+                <asvg:svgBlip xmlns:asvg="http://schemas.microsoft.com/office/drawing/2016/SVG/main" r:embed="rId4"/>
+              </a:ext>
+            </a:extLst>
+          </a:blip>
+          <a:stretch>
+            <a:fillRect/>
+          </a:stretch>
+        </a:blipFill>
+      </dgm:spPr>
+      <dgm:extLst>
+        <a:ext uri="{E40237B7-FDA0-4F09-8148-C483321AD2D9}">
+          <dgm14:cNvPr xmlns:dgm14="http://schemas.microsoft.com/office/drawing/2010/diagram" id="0" name="" descr="Head with Gears"/>
+        </a:ext>
+      </dgm:extLst>
+    </dgm:pt>
+    <dgm:pt modelId="{CA1A6137-89EC-46EE-828A-24AD2D95003C}" type="pres">
+      <dgm:prSet presAssocID="{7951E83C-8FF8-4D48-9E2D-7103CAF87DFB}" presName="spaceRect" presStyleCnt="0"/>
+      <dgm:spPr/>
+    </dgm:pt>
+    <dgm:pt modelId="{260A78EA-ACE4-4B88-A2FB-AF6919766FAC}" type="pres">
+      <dgm:prSet presAssocID="{7951E83C-8FF8-4D48-9E2D-7103CAF87DFB}" presName="textRect" presStyleLbl="revTx" presStyleIdx="1" presStyleCnt="3">
+        <dgm:presLayoutVars>
+          <dgm:chMax val="1"/>
+          <dgm:chPref val="1"/>
+        </dgm:presLayoutVars>
+      </dgm:prSet>
+      <dgm:spPr/>
+    </dgm:pt>
+    <dgm:pt modelId="{00C081D5-33BE-4477-97F0-95CBF6D80DA0}" type="pres">
+      <dgm:prSet presAssocID="{DB0B5076-CED6-4D09-B90B-4704198ABF02}" presName="sibTrans" presStyleCnt="0"/>
+      <dgm:spPr/>
+    </dgm:pt>
+    <dgm:pt modelId="{FE0B406C-C929-42E4-BDB2-B4E108CD1EA4}" type="pres">
+      <dgm:prSet presAssocID="{669AF6BA-1E41-4123-89A9-A076006D6AF6}" presName="compNode" presStyleCnt="0"/>
+      <dgm:spPr/>
+    </dgm:pt>
+    <dgm:pt modelId="{395233DD-B318-4F5F-A55B-E60DE5CE799A}" type="pres">
+      <dgm:prSet presAssocID="{669AF6BA-1E41-4123-89A9-A076006D6AF6}" presName="iconRect" presStyleLbl="node1" presStyleIdx="2" presStyleCnt="3"/>
+      <dgm:spPr>
+        <a:blipFill>
+          <a:blip xmlns:r="http://schemas.openxmlformats.org/officeDocument/2006/relationships" r:embed="rId5">
+            <a:extLst>
+              <a:ext uri="{28A0092B-C50C-407E-A947-70E740481C1C}">
+                <a14:useLocalDpi xmlns:a14="http://schemas.microsoft.com/office/drawing/2010/main" val="0"/>
+              </a:ext>
+              <a:ext uri="{96DAC541-7B7A-43D3-8B79-37D633B846F1}">
+                <asvg:svgBlip xmlns:asvg="http://schemas.microsoft.com/office/drawing/2016/SVG/main" r:embed="rId6"/>
+              </a:ext>
+            </a:extLst>
+          </a:blip>
+          <a:stretch>
+            <a:fillRect/>
+          </a:stretch>
+        </a:blipFill>
+      </dgm:spPr>
+      <dgm:extLst>
+        <a:ext uri="{E40237B7-FDA0-4F09-8148-C483321AD2D9}">
+          <dgm14:cNvPr xmlns:dgm14="http://schemas.microsoft.com/office/drawing/2010/diagram" id="0" name="" descr="Eye"/>
+        </a:ext>
+      </dgm:extLst>
+    </dgm:pt>
+    <dgm:pt modelId="{66AB9A22-81D0-4F4E-9B97-7D087CF0C7E9}" type="pres">
+      <dgm:prSet presAssocID="{669AF6BA-1E41-4123-89A9-A076006D6AF6}" presName="spaceRect" presStyleCnt="0"/>
+      <dgm:spPr/>
+    </dgm:pt>
+    <dgm:pt modelId="{4F95C53A-AB87-4485-8E99-73BC5E54D0F1}" type="pres">
+      <dgm:prSet presAssocID="{669AF6BA-1E41-4123-89A9-A076006D6AF6}" presName="textRect" presStyleLbl="revTx" presStyleIdx="2" presStyleCnt="3">
+        <dgm:presLayoutVars>
+          <dgm:chMax val="1"/>
+          <dgm:chPref val="1"/>
+        </dgm:presLayoutVars>
+      </dgm:prSet>
+      <dgm:spPr/>
+    </dgm:pt>
+  </dgm:ptLst>
+  <dgm:cxnLst>
+    <dgm:cxn modelId="{1761DD0D-5AF7-4D58-9BA4-8F102F92A030}" type="presOf" srcId="{FFF48625-3069-483E-8E74-2F8D35B0E426}" destId="{C619B9C6-F937-4CD4-9FC5-8D48E6155494}" srcOrd="0" destOrd="0" presId="urn:microsoft.com/office/officeart/2018/2/layout/IconLabelList"/>
+    <dgm:cxn modelId="{03792611-2D50-4171-A86D-2C208D3C82E0}" type="presOf" srcId="{669AF6BA-1E41-4123-89A9-A076006D6AF6}" destId="{4F95C53A-AB87-4485-8E99-73BC5E54D0F1}" srcOrd="0" destOrd="0" presId="urn:microsoft.com/office/officeart/2018/2/layout/IconLabelList"/>
+    <dgm:cxn modelId="{F22E3E68-43C9-4B45-8EA3-B63A1121791D}" srcId="{596E1E68-C758-4417-9D97-02613C2A7DEA}" destId="{669AF6BA-1E41-4123-89A9-A076006D6AF6}" srcOrd="2" destOrd="0" parTransId="{1234A495-90D5-41CD-A59A-D54556271368}" sibTransId="{08F234E0-0724-4699-AFA4-46288AF06D36}"/>
+    <dgm:cxn modelId="{6A11D651-2192-4C00-AD01-D83524039D39}" type="presOf" srcId="{7951E83C-8FF8-4D48-9E2D-7103CAF87DFB}" destId="{260A78EA-ACE4-4B88-A2FB-AF6919766FAC}" srcOrd="0" destOrd="0" presId="urn:microsoft.com/office/officeart/2018/2/layout/IconLabelList"/>
+    <dgm:cxn modelId="{466A53C3-E68F-40C0-B1C9-C1C5A7E3C7C6}" srcId="{596E1E68-C758-4417-9D97-02613C2A7DEA}" destId="{FFF48625-3069-483E-8E74-2F8D35B0E426}" srcOrd="0" destOrd="0" parTransId="{4FF20C96-9D2B-4120-8F16-6DDCB2CB0BFE}" sibTransId="{E0FF389A-C1EA-4694-AAA7-8F9BF595658B}"/>
+    <dgm:cxn modelId="{E41B86D7-2CDC-4C54-B4BD-312D9E97A8B9}" srcId="{596E1E68-C758-4417-9D97-02613C2A7DEA}" destId="{7951E83C-8FF8-4D48-9E2D-7103CAF87DFB}" srcOrd="1" destOrd="0" parTransId="{2256E874-4795-4BFB-A128-1DFCEC6B0440}" sibTransId="{DB0B5076-CED6-4D09-B90B-4704198ABF02}"/>
+    <dgm:cxn modelId="{E01F32E2-05B9-4480-9991-B9BDB0091C57}" type="presOf" srcId="{596E1E68-C758-4417-9D97-02613C2A7DEA}" destId="{E9B13199-16D8-4B5E-86A2-673226468F99}" srcOrd="0" destOrd="0" presId="urn:microsoft.com/office/officeart/2018/2/layout/IconLabelList"/>
+    <dgm:cxn modelId="{DA12CD2A-C1C3-41B0-9B19-81FD24990228}" type="presParOf" srcId="{E9B13199-16D8-4B5E-86A2-673226468F99}" destId="{E2252BF0-35E4-4C9C-BCB9-30A92DEF1EB1}" srcOrd="0" destOrd="0" presId="urn:microsoft.com/office/officeart/2018/2/layout/IconLabelList"/>
+    <dgm:cxn modelId="{D38A1134-0C98-46E2-840A-ECA50C954325}" type="presParOf" srcId="{E2252BF0-35E4-4C9C-BCB9-30A92DEF1EB1}" destId="{38FBC24E-D778-436D-944A-FAD42594B6E0}" srcOrd="0" destOrd="0" presId="urn:microsoft.com/office/officeart/2018/2/layout/IconLabelList"/>
+    <dgm:cxn modelId="{4B966B2A-B6DE-40DD-984B-6079A9B86215}" type="presParOf" srcId="{E2252BF0-35E4-4C9C-BCB9-30A92DEF1EB1}" destId="{6C4EA078-3C94-4CBE-83C8-162566E0B958}" srcOrd="1" destOrd="0" presId="urn:microsoft.com/office/officeart/2018/2/layout/IconLabelList"/>
+    <dgm:cxn modelId="{D0691E0A-F0A3-497C-94A3-5F4478467394}" type="presParOf" srcId="{E2252BF0-35E4-4C9C-BCB9-30A92DEF1EB1}" destId="{C619B9C6-F937-4CD4-9FC5-8D48E6155494}" srcOrd="2" destOrd="0" presId="urn:microsoft.com/office/officeart/2018/2/layout/IconLabelList"/>
+    <dgm:cxn modelId="{4744B73A-9AB9-4A37-8AF8-A033F6153E06}" type="presParOf" srcId="{E9B13199-16D8-4B5E-86A2-673226468F99}" destId="{1C0E7C2F-B9EA-4D08-BA77-7DDB422B3079}" srcOrd="1" destOrd="0" presId="urn:microsoft.com/office/officeart/2018/2/layout/IconLabelList"/>
+    <dgm:cxn modelId="{C216FDED-555E-4A63-8808-E0469C6580A4}" type="presParOf" srcId="{E9B13199-16D8-4B5E-86A2-673226468F99}" destId="{0665ECAC-B049-4E32-B2FE-E25F1C89ECA4}" srcOrd="2" destOrd="0" presId="urn:microsoft.com/office/officeart/2018/2/layout/IconLabelList"/>
+    <dgm:cxn modelId="{40C21BA4-27FE-4C4F-B1C6-0AF856784E02}" type="presParOf" srcId="{0665ECAC-B049-4E32-B2FE-E25F1C89ECA4}" destId="{512306B8-C0DD-4516-A857-A9CF92BA9EA9}" srcOrd="0" destOrd="0" presId="urn:microsoft.com/office/officeart/2018/2/layout/IconLabelList"/>
+    <dgm:cxn modelId="{CF9DCD55-3DA8-44D4-8BD1-0C67B81AA9F5}" type="presParOf" srcId="{0665ECAC-B049-4E32-B2FE-E25F1C89ECA4}" destId="{CA1A6137-89EC-46EE-828A-24AD2D95003C}" srcOrd="1" destOrd="0" presId="urn:microsoft.com/office/officeart/2018/2/layout/IconLabelList"/>
+    <dgm:cxn modelId="{8C7F4432-2299-45DB-88E8-3DA8C037FBF0}" type="presParOf" srcId="{0665ECAC-B049-4E32-B2FE-E25F1C89ECA4}" destId="{260A78EA-ACE4-4B88-A2FB-AF6919766FAC}" srcOrd="2" destOrd="0" presId="urn:microsoft.com/office/officeart/2018/2/layout/IconLabelList"/>
+    <dgm:cxn modelId="{EB5B0323-42B9-4C6C-9850-B99AC683CA80}" type="presParOf" srcId="{E9B13199-16D8-4B5E-86A2-673226468F99}" destId="{00C081D5-33BE-4477-97F0-95CBF6D80DA0}" srcOrd="3" destOrd="0" presId="urn:microsoft.com/office/officeart/2018/2/layout/IconLabelList"/>
+    <dgm:cxn modelId="{2076D2A6-4C99-4042-8AE4-593415EF6E50}" type="presParOf" srcId="{E9B13199-16D8-4B5E-86A2-673226468F99}" destId="{FE0B406C-C929-42E4-BDB2-B4E108CD1EA4}" srcOrd="4" destOrd="0" presId="urn:microsoft.com/office/officeart/2018/2/layout/IconLabelList"/>
+    <dgm:cxn modelId="{E8F952A3-9A93-419E-88DD-C2E8875B886D}" type="presParOf" srcId="{FE0B406C-C929-42E4-BDB2-B4E108CD1EA4}" destId="{395233DD-B318-4F5F-A55B-E60DE5CE799A}" srcOrd="0" destOrd="0" presId="urn:microsoft.com/office/officeart/2018/2/layout/IconLabelList"/>
+    <dgm:cxn modelId="{24483324-10AF-4835-AC35-3E6688242CDC}" type="presParOf" srcId="{FE0B406C-C929-42E4-BDB2-B4E108CD1EA4}" destId="{66AB9A22-81D0-4F4E-9B97-7D087CF0C7E9}" srcOrd="1" destOrd="0" presId="urn:microsoft.com/office/officeart/2018/2/layout/IconLabelList"/>
+    <dgm:cxn modelId="{284EA539-DB58-4C07-97AA-A0F690C3FE0F}" type="presParOf" srcId="{FE0B406C-C929-42E4-BDB2-B4E108CD1EA4}" destId="{4F95C53A-AB87-4485-8E99-73BC5E54D0F1}" srcOrd="2" destOrd="0" presId="urn:microsoft.com/office/officeart/2018/2/layout/IconLabelList"/>
+  </dgm:cxnLst>
+  <dgm:bg/>
+  <dgm:whole/>
+  <dgm:extLst>
+    <a:ext uri="http://schemas.microsoft.com/office/drawing/2008/diagram">
+      <dsp:dataModelExt xmlns:dsp="http://schemas.microsoft.com/office/drawing/2008/diagram" relId="rId6" minVer="http://schemas.openxmlformats.org/drawingml/2006/diagram"/>
+    </a:ext>
+  </dgm:extLst>
+</dgm:dataModel>
+</file>
+
+<file path=ppt/diagrams/drawing1.xml><?xml version="1.0" encoding="utf-8"?>
+<dsp:drawing xmlns:dgm="http://schemas.openxmlformats.org/drawingml/2006/diagram" xmlns:dsp="http://schemas.microsoft.com/office/drawing/2008/diagram" xmlns:a="http://schemas.openxmlformats.org/drawingml/2006/main">
+  <dsp:spTree>
+    <dsp:nvGrpSpPr>
+      <dsp:cNvPr id="0" name=""/>
+      <dsp:cNvGrpSpPr/>
+    </dsp:nvGrpSpPr>
+    <dsp:grpSpPr/>
+    <dsp:sp modelId="{38FBC24E-D778-436D-944A-FAD42594B6E0}">
+      <dsp:nvSpPr>
+        <dsp:cNvPr id="0" name=""/>
+        <dsp:cNvSpPr/>
+      </dsp:nvSpPr>
+      <dsp:spPr>
+        <a:xfrm>
+          <a:off x="885789" y="1106958"/>
+          <a:ext cx="1096679" cy="1096679"/>
+        </a:xfrm>
+        <a:prstGeom prst="rect">
+          <a:avLst/>
+        </a:prstGeom>
+        <a:blipFill>
+          <a:blip xmlns:r="http://schemas.openxmlformats.org/officeDocument/2006/relationships" r:embed="rId1">
+            <a:extLst>
+              <a:ext uri="{28A0092B-C50C-407E-A947-70E740481C1C}">
+                <a14:useLocalDpi xmlns:a14="http://schemas.microsoft.com/office/drawing/2010/main" val="0"/>
+              </a:ext>
+              <a:ext uri="{96DAC541-7B7A-43D3-8B79-37D633B846F1}">
+                <asvg:svgBlip xmlns:asvg="http://schemas.microsoft.com/office/drawing/2016/SVG/main" r:embed="rId2"/>
+              </a:ext>
+            </a:extLst>
+          </a:blip>
+          <a:stretch>
+            <a:fillRect/>
+          </a:stretch>
+        </a:blipFill>
+        <a:ln w="13970" cap="flat" cmpd="sng" algn="ctr">
+          <a:solidFill>
+            <a:schemeClr val="lt1">
+              <a:hueOff val="0"/>
+              <a:satOff val="0"/>
+              <a:lumOff val="0"/>
+              <a:alphaOff val="0"/>
+            </a:schemeClr>
+          </a:solidFill>
+          <a:prstDash val="solid"/>
+        </a:ln>
+        <a:effectLst/>
+      </dsp:spPr>
+      <dsp:style>
+        <a:lnRef idx="2">
+          <a:scrgbClr r="0" g="0" b="0"/>
+        </a:lnRef>
+        <a:fillRef idx="1">
+          <a:scrgbClr r="0" g="0" b="0"/>
+        </a:fillRef>
+        <a:effectRef idx="0">
+          <a:scrgbClr r="0" g="0" b="0"/>
+        </a:effectRef>
+        <a:fontRef idx="minor">
+          <a:schemeClr val="lt1"/>
+        </a:fontRef>
+      </dsp:style>
+    </dsp:sp>
+    <dsp:sp modelId="{C619B9C6-F937-4CD4-9FC5-8D48E6155494}">
+      <dsp:nvSpPr>
+        <dsp:cNvPr id="0" name=""/>
+        <dsp:cNvSpPr/>
+      </dsp:nvSpPr>
+      <dsp:spPr>
+        <a:xfrm>
+          <a:off x="215596" y="2524378"/>
+          <a:ext cx="2437064" cy="720000"/>
+        </a:xfrm>
+        <a:prstGeom prst="rect">
+          <a:avLst/>
+        </a:prstGeom>
+        <a:noFill/>
+        <a:ln>
+          <a:noFill/>
+        </a:ln>
+        <a:effectLst/>
+      </dsp:spPr>
+      <dsp:style>
+        <a:lnRef idx="0">
+          <a:scrgbClr r="0" g="0" b="0"/>
+        </a:lnRef>
+        <a:fillRef idx="0">
+          <a:scrgbClr r="0" g="0" b="0"/>
+        </a:fillRef>
+        <a:effectRef idx="0">
+          <a:scrgbClr r="0" g="0" b="0"/>
+        </a:effectRef>
+        <a:fontRef idx="minor"/>
+      </dsp:style>
+      <dsp:txBody>
+        <a:bodyPr spcFirstLastPara="0" vert="horz" wrap="square" lIns="0" tIns="0" rIns="0" bIns="0" numCol="1" spcCol="1270" anchor="t" anchorCtr="0">
+          <a:noAutofit/>
+        </a:bodyPr>
+        <a:lstStyle/>
+        <a:p>
+          <a:pPr marL="0" lvl="0" indent="0" algn="ctr" defTabSz="977900">
+            <a:lnSpc>
+              <a:spcPct val="100000"/>
+            </a:lnSpc>
+            <a:spcBef>
+              <a:spcPct val="0"/>
+            </a:spcBef>
+            <a:spcAft>
+              <a:spcPct val="35000"/>
+            </a:spcAft>
+            <a:buNone/>
+          </a:pPr>
+          <a:r>
+            <a:rPr lang="en-GB" sz="2200" kern="1200" baseline="0"/>
+            <a:t>Revise R &amp; R Markdown</a:t>
+          </a:r>
+          <a:endParaRPr lang="en-US" sz="2200" kern="1200"/>
+        </a:p>
+      </dsp:txBody>
+      <dsp:txXfrm>
+        <a:off x="215596" y="2524378"/>
+        <a:ext cx="2437064" cy="720000"/>
+      </dsp:txXfrm>
+    </dsp:sp>
+    <dsp:sp modelId="{512306B8-C0DD-4516-A857-A9CF92BA9EA9}">
+      <dsp:nvSpPr>
+        <dsp:cNvPr id="0" name=""/>
+        <dsp:cNvSpPr/>
+      </dsp:nvSpPr>
+      <dsp:spPr>
+        <a:xfrm>
+          <a:off x="3749340" y="1106958"/>
+          <a:ext cx="1096679" cy="1096679"/>
+        </a:xfrm>
+        <a:prstGeom prst="rect">
+          <a:avLst/>
+        </a:prstGeom>
+        <a:blipFill>
+          <a:blip xmlns:r="http://schemas.openxmlformats.org/officeDocument/2006/relationships" r:embed="rId3">
+            <a:extLst>
+              <a:ext uri="{28A0092B-C50C-407E-A947-70E740481C1C}">
+                <a14:useLocalDpi xmlns:a14="http://schemas.microsoft.com/office/drawing/2010/main" val="0"/>
+              </a:ext>
+              <a:ext uri="{96DAC541-7B7A-43D3-8B79-37D633B846F1}">
+                <asvg:svgBlip xmlns:asvg="http://schemas.microsoft.com/office/drawing/2016/SVG/main" r:embed="rId4"/>
+              </a:ext>
+            </a:extLst>
+          </a:blip>
+          <a:stretch>
+            <a:fillRect/>
+          </a:stretch>
+        </a:blipFill>
+        <a:ln w="13970" cap="flat" cmpd="sng" algn="ctr">
+          <a:solidFill>
+            <a:schemeClr val="lt1">
+              <a:hueOff val="0"/>
+              <a:satOff val="0"/>
+              <a:lumOff val="0"/>
+              <a:alphaOff val="0"/>
+            </a:schemeClr>
+          </a:solidFill>
+          <a:prstDash val="solid"/>
+        </a:ln>
+        <a:effectLst/>
+      </dsp:spPr>
+      <dsp:style>
+        <a:lnRef idx="2">
+          <a:scrgbClr r="0" g="0" b="0"/>
+        </a:lnRef>
+        <a:fillRef idx="1">
+          <a:scrgbClr r="0" g="0" b="0"/>
+        </a:fillRef>
+        <a:effectRef idx="0">
+          <a:scrgbClr r="0" g="0" b="0"/>
+        </a:effectRef>
+        <a:fontRef idx="minor">
+          <a:schemeClr val="lt1"/>
+        </a:fontRef>
+      </dsp:style>
+    </dsp:sp>
+    <dsp:sp modelId="{260A78EA-ACE4-4B88-A2FB-AF6919766FAC}">
+      <dsp:nvSpPr>
+        <dsp:cNvPr id="0" name=""/>
+        <dsp:cNvSpPr/>
+      </dsp:nvSpPr>
+      <dsp:spPr>
+        <a:xfrm>
+          <a:off x="3079147" y="2524378"/>
+          <a:ext cx="2437064" cy="720000"/>
+        </a:xfrm>
+        <a:prstGeom prst="rect">
+          <a:avLst/>
+        </a:prstGeom>
+        <a:noFill/>
+        <a:ln>
+          <a:noFill/>
+        </a:ln>
+        <a:effectLst/>
+      </dsp:spPr>
+      <dsp:style>
+        <a:lnRef idx="0">
+          <a:scrgbClr r="0" g="0" b="0"/>
+        </a:lnRef>
+        <a:fillRef idx="0">
+          <a:scrgbClr r="0" g="0" b="0"/>
+        </a:fillRef>
+        <a:effectRef idx="0">
+          <a:scrgbClr r="0" g="0" b="0"/>
+        </a:effectRef>
+        <a:fontRef idx="minor"/>
+      </dsp:style>
+      <dsp:txBody>
+        <a:bodyPr spcFirstLastPara="0" vert="horz" wrap="square" lIns="0" tIns="0" rIns="0" bIns="0" numCol="1" spcCol="1270" anchor="t" anchorCtr="0">
+          <a:noAutofit/>
+        </a:bodyPr>
+        <a:lstStyle/>
+        <a:p>
+          <a:pPr marL="0" lvl="0" indent="0" algn="ctr" defTabSz="977900">
+            <a:lnSpc>
+              <a:spcPct val="100000"/>
+            </a:lnSpc>
+            <a:spcBef>
+              <a:spcPct val="0"/>
+            </a:spcBef>
+            <a:spcAft>
+              <a:spcPct val="35000"/>
+            </a:spcAft>
+            <a:buNone/>
+          </a:pPr>
+          <a:r>
+            <a:rPr lang="en-GB" sz="2200" kern="1200" baseline="0"/>
+            <a:t>Understanding OLS</a:t>
+          </a:r>
+          <a:endParaRPr lang="en-US" sz="2200" kern="1200"/>
+        </a:p>
+      </dsp:txBody>
+      <dsp:txXfrm>
+        <a:off x="3079147" y="2524378"/>
+        <a:ext cx="2437064" cy="720000"/>
+      </dsp:txXfrm>
+    </dsp:sp>
+    <dsp:sp modelId="{395233DD-B318-4F5F-A55B-E60DE5CE799A}">
+      <dsp:nvSpPr>
+        <dsp:cNvPr id="0" name=""/>
+        <dsp:cNvSpPr/>
+      </dsp:nvSpPr>
+      <dsp:spPr>
+        <a:xfrm>
+          <a:off x="6612891" y="1106958"/>
+          <a:ext cx="1096679" cy="1096679"/>
+        </a:xfrm>
+        <a:prstGeom prst="rect">
+          <a:avLst/>
+        </a:prstGeom>
+        <a:blipFill>
+          <a:blip xmlns:r="http://schemas.openxmlformats.org/officeDocument/2006/relationships" r:embed="rId5">
+            <a:extLst>
+              <a:ext uri="{28A0092B-C50C-407E-A947-70E740481C1C}">
+                <a14:useLocalDpi xmlns:a14="http://schemas.microsoft.com/office/drawing/2010/main" val="0"/>
+              </a:ext>
+              <a:ext uri="{96DAC541-7B7A-43D3-8B79-37D633B846F1}">
+                <asvg:svgBlip xmlns:asvg="http://schemas.microsoft.com/office/drawing/2016/SVG/main" r:embed="rId6"/>
+              </a:ext>
+            </a:extLst>
+          </a:blip>
+          <a:stretch>
+            <a:fillRect/>
+          </a:stretch>
+        </a:blipFill>
+        <a:ln w="13970" cap="flat" cmpd="sng" algn="ctr">
+          <a:solidFill>
+            <a:schemeClr val="lt1">
+              <a:hueOff val="0"/>
+              <a:satOff val="0"/>
+              <a:lumOff val="0"/>
+              <a:alphaOff val="0"/>
+            </a:schemeClr>
+          </a:solidFill>
+          <a:prstDash val="solid"/>
+        </a:ln>
+        <a:effectLst/>
+      </dsp:spPr>
+      <dsp:style>
+        <a:lnRef idx="2">
+          <a:scrgbClr r="0" g="0" b="0"/>
+        </a:lnRef>
+        <a:fillRef idx="1">
+          <a:scrgbClr r="0" g="0" b="0"/>
+        </a:fillRef>
+        <a:effectRef idx="0">
+          <a:scrgbClr r="0" g="0" b="0"/>
+        </a:effectRef>
+        <a:fontRef idx="minor">
+          <a:schemeClr val="lt1"/>
+        </a:fontRef>
+      </dsp:style>
+    </dsp:sp>
+    <dsp:sp modelId="{4F95C53A-AB87-4485-8E99-73BC5E54D0F1}">
+      <dsp:nvSpPr>
+        <dsp:cNvPr id="0" name=""/>
+        <dsp:cNvSpPr/>
+      </dsp:nvSpPr>
+      <dsp:spPr>
+        <a:xfrm>
+          <a:off x="5942698" y="2524378"/>
+          <a:ext cx="2437064" cy="720000"/>
+        </a:xfrm>
+        <a:prstGeom prst="rect">
+          <a:avLst/>
+        </a:prstGeom>
+        <a:noFill/>
+        <a:ln>
+          <a:noFill/>
+        </a:ln>
+        <a:effectLst/>
+      </dsp:spPr>
+      <dsp:style>
+        <a:lnRef idx="0">
+          <a:scrgbClr r="0" g="0" b="0"/>
+        </a:lnRef>
+        <a:fillRef idx="0">
+          <a:scrgbClr r="0" g="0" b="0"/>
+        </a:fillRef>
+        <a:effectRef idx="0">
+          <a:scrgbClr r="0" g="0" b="0"/>
+        </a:effectRef>
+        <a:fontRef idx="minor"/>
+      </dsp:style>
+      <dsp:txBody>
+        <a:bodyPr spcFirstLastPara="0" vert="horz" wrap="square" lIns="0" tIns="0" rIns="0" bIns="0" numCol="1" spcCol="1270" anchor="t" anchorCtr="0">
+          <a:noAutofit/>
+        </a:bodyPr>
+        <a:lstStyle/>
+        <a:p>
+          <a:pPr marL="0" lvl="0" indent="0" algn="ctr" defTabSz="977900">
+            <a:lnSpc>
+              <a:spcPct val="100000"/>
+            </a:lnSpc>
+            <a:spcBef>
+              <a:spcPct val="0"/>
+            </a:spcBef>
+            <a:spcAft>
+              <a:spcPct val="35000"/>
+            </a:spcAft>
+            <a:buNone/>
+          </a:pPr>
+          <a:r>
+            <a:rPr lang="en-GB" sz="2200" kern="1200" baseline="0"/>
+            <a:t>Starting to become a visionary</a:t>
+          </a:r>
+          <a:endParaRPr lang="en-US" sz="2200" kern="1200"/>
+        </a:p>
+      </dsp:txBody>
+      <dsp:txXfrm>
+        <a:off x="5942698" y="2524378"/>
+        <a:ext cx="2437064" cy="720000"/>
+      </dsp:txXfrm>
+    </dsp:sp>
+  </dsp:spTree>
+</dsp:drawing>
+</file>
+
+<file path=ppt/diagrams/layout1.xml><?xml version="1.0" encoding="utf-8"?>
+<dgm:layoutDef xmlns:dgm="http://schemas.openxmlformats.org/drawingml/2006/diagram" xmlns:a="http://schemas.openxmlformats.org/drawingml/2006/main" uniqueId="urn:microsoft.com/office/officeart/2018/2/layout/IconLabelList">
+  <dgm:title val="Icon Label List"/>
+  <dgm:desc val="Use to show non-sequential or grouped chunks of information accompanied by a related visuals. Works best with icons or small pictures with short text captions."/>
+  <dgm:catLst>
+    <dgm:cat type="icon" pri="500"/>
+  </dgm:catLst>
+  <dgm:sampData useDef="1">
+    <dgm:dataModel>
+      <dgm:ptLst/>
+      <dgm:bg/>
+      <dgm:whole/>
+    </dgm:dataModel>
+  </dgm:sampData>
+  <dgm:styleData useDef="1">
+    <dgm:dataModel>
+      <dgm:ptLst/>
+      <dgm:bg/>
+      <dgm:whole/>
+    </dgm:dataModel>
+  </dgm:styleData>
+  <dgm:clrData useDef="1">
+    <dgm:dataModel>
+      <dgm:ptLst/>
+      <dgm:bg/>
+      <dgm:whole/>
+    </dgm:dataModel>
+  </dgm:clrData>
+  <dgm:layoutNode name="root">
+    <dgm:varLst>
+      <dgm:dir/>
+      <dgm:resizeHandles val="exact"/>
+    </dgm:varLst>
+    <dgm:choose name="Name0">
+      <dgm:if name="Name1" axis="self" func="var" arg="dir" op="equ" val="norm">
+        <dgm:alg type="snake">
+          <dgm:param type="grDir" val="tL"/>
+          <dgm:param type="flowDir" val="row"/>
+          <dgm:param type="contDir" val="sameDir"/>
+          <dgm:param type="off" val="ctr"/>
+          <dgm:param type="vertAlign" val="mid"/>
+          <dgm:param type="horzAlign" val="ctr"/>
+        </dgm:alg>
+      </dgm:if>
+      <dgm:else name="Name2">
+        <dgm:alg type="snake">
+          <dgm:param type="grDir" val="tR"/>
+          <dgm:param type="flowDir" val="row"/>
+          <dgm:param type="contDir" val="sameDir"/>
+          <dgm:param type="off" val="ctr"/>
+          <dgm:param type="vertAlign" val="mid"/>
+          <dgm:param type="horzAlign" val="ctr"/>
+        </dgm:alg>
+      </dgm:else>
+    </dgm:choose>
+    <dgm:shape xmlns:r="http://schemas.openxmlformats.org/officeDocument/2006/relationships" r:blip="">
+      <dgm:adjLst/>
+    </dgm:shape>
+    <dgm:presOf/>
+    <dgm:choose name="Name3">
+      <dgm:if name="Name4" axis="ch" ptType="node" func="cnt" op="lte" val="2">
+        <dgm:constrLst>
+          <dgm:constr type="h" for="ch" forName="compNode" refType="h" fact="0.4"/>
+          <dgm:constr type="w" for="ch" forName="compNode" val="120"/>
+          <dgm:constr type="w" for="ch" forName="sibTrans" refType="w" refFor="ch" refForName="compNode" fact="0.175"/>
+          <dgm:constr type="sp" refType="w" refFor="ch" refForName="compNode" op="equ" fact="0.25"/>
+          <dgm:constr type="primFontSz" for="des" ptType="node" op="equ" val="50"/>
+          <dgm:constr type="h" for="des" forName="compNode" op="equ"/>
+          <dgm:constr type="h" for="des" forName="textRect" op="equ"/>
+        </dgm:constrLst>
+      </dgm:if>
+      <dgm:if name="Name5" axis="ch" ptType="node" func="cnt" op="lte" val="4">
+        <dgm:constrLst>
+          <dgm:constr type="h" for="ch" forName="compNode" refType="h" fact="0.4"/>
+          <dgm:constr type="w" for="ch" forName="compNode" refType="w"/>
+          <dgm:constr type="w" for="ch" forName="sibTrans" refType="w" refFor="ch" refForName="compNode" fact="0.175"/>
+          <dgm:constr type="sp" refType="w" refFor="ch" refForName="compNode" op="equ" fact="0.25"/>
+          <dgm:constr type="primFontSz" for="des" ptType="node" op="equ" val="36"/>
+          <dgm:constr type="h" for="des" forName="compNode" op="equ"/>
+          <dgm:constr type="h" for="des" forName="textRect" op="equ"/>
+        </dgm:constrLst>
+      </dgm:if>
+      <dgm:else name="Name6">
+        <dgm:constrLst>
+          <dgm:constr type="h" for="ch" forName="compNode" refType="h" fact="0.4"/>
+          <dgm:constr type="w" for="ch" forName="compNode" refType="w"/>
+          <dgm:constr type="w" for="ch" forName="sibTrans" refType="w" refFor="ch" refForName="compNode" fact="0.175"/>
+          <dgm:constr type="sp" refType="w" refFor="ch" refForName="compNode" op="equ" fact="0.25"/>
+          <dgm:constr type="primFontSz" for="des" ptType="node" op="equ" val="24"/>
+          <dgm:constr type="h" for="des" forName="compNode" op="equ"/>
+          <dgm:constr type="h" for="des" forName="textRect" op="equ"/>
+        </dgm:constrLst>
+      </dgm:else>
+    </dgm:choose>
+    <dgm:ruleLst>
+      <dgm:rule type="w" for="ch" forName="compNode" val="50" fact="NaN" max="NaN"/>
+    </dgm:ruleLst>
+    <dgm:forEach name="Name7" axis="ch" ptType="node">
+      <dgm:layoutNode name="compNode">
+        <dgm:alg type="composite"/>
+        <dgm:shape xmlns:r="http://schemas.openxmlformats.org/officeDocument/2006/relationships" r:blip="">
+          <dgm:adjLst/>
+        </dgm:shape>
+        <dgm:presOf axis="self"/>
+        <dgm:constrLst>
+          <dgm:constr type="w" for="ch" forName="iconRect" refType="w" fact="0.45"/>
+          <dgm:constr type="h" for="ch" forName="iconRect" refType="w" refFor="ch" refForName="iconRect"/>
+          <dgm:constr type="ctrX" for="ch" forName="iconRect" refType="w" fact="0.5"/>
+          <dgm:constr type="t" for="ch" forName="iconRect"/>
+          <dgm:constr type="h" for="ch" forName="spaceRect" refType="h" fact="0.15"/>
+          <dgm:constr type="w" for="ch" forName="spaceRect" refType="w"/>
+          <dgm:constr type="l" for="ch" forName="spaceRect"/>
+          <dgm:constr type="t" for="ch" forName="spaceRect" refType="b" refFor="ch" refForName="iconRect"/>
+          <dgm:constr type="h" for="ch" forName="textRect" val="20"/>
+          <dgm:constr type="w" for="ch" forName="textRect" refType="w"/>
+          <dgm:constr type="l" for="ch" forName="textRect"/>
+          <dgm:constr type="t" for="ch" forName="textRect" refType="b" refFor="ch" refForName="spaceRect"/>
+        </dgm:constrLst>
+        <dgm:ruleLst>
+          <dgm:rule type="h" val="INF" fact="NaN" max="NaN"/>
+        </dgm:ruleLst>
+        <dgm:layoutNode name="iconRect" styleLbl="node1">
+          <dgm:alg type="sp"/>
+          <dgm:shape xmlns:r="http://schemas.openxmlformats.org/officeDocument/2006/relationships" type="rect" r:blip="" blipPhldr="1">
+            <dgm:adjLst/>
+          </dgm:shape>
+          <dgm:presOf/>
+          <dgm:constrLst/>
+          <dgm:ruleLst/>
+        </dgm:layoutNode>
+        <dgm:layoutNode name="spaceRect">
+          <dgm:alg type="sp"/>
+          <dgm:shape xmlns:r="http://schemas.openxmlformats.org/officeDocument/2006/relationships" r:blip="">
+            <dgm:adjLst/>
+          </dgm:shape>
+          <dgm:presOf/>
+          <dgm:constrLst/>
+          <dgm:ruleLst/>
+        </dgm:layoutNode>
+        <dgm:layoutNode name="textRect" styleLbl="revTx">
+          <dgm:varLst>
+            <dgm:chMax val="1"/>
+            <dgm:chPref val="1"/>
+          </dgm:varLst>
+          <dgm:alg type="tx">
+            <dgm:param type="txAnchorVert" val="t"/>
+          </dgm:alg>
+          <dgm:shape xmlns:r="http://schemas.openxmlformats.org/officeDocument/2006/relationships" type="rect" r:blip="">
+            <dgm:adjLst/>
+          </dgm:shape>
+          <dgm:presOf axis="self" ptType="node"/>
+          <dgm:constrLst>
+            <dgm:constr type="lMarg"/>
+            <dgm:constr type="rMarg"/>
+            <dgm:constr type="tMarg"/>
+            <dgm:constr type="bMarg"/>
+          </dgm:constrLst>
+          <dgm:ruleLst>
+            <dgm:rule type="primFontSz" val="11" fact="NaN" max="NaN"/>
+            <dgm:rule type="h" val="INF" fact="NaN" max="NaN"/>
+          </dgm:ruleLst>
+        </dgm:layoutNode>
+      </dgm:layoutNode>
+      <dgm:forEach name="Name8" axis="followSib" ptType="sibTrans" cnt="1">
+        <dgm:layoutNode name="sibTrans">
+          <dgm:alg type="sp"/>
+          <dgm:shape xmlns:r="http://schemas.openxmlformats.org/officeDocument/2006/relationships" r:blip="">
+            <dgm:adjLst/>
+          </dgm:shape>
+          <dgm:presOf axis="self"/>
+          <dgm:constrLst/>
+          <dgm:ruleLst/>
+        </dgm:layoutNode>
+      </dgm:forEach>
+    </dgm:forEach>
+  </dgm:layoutNode>
+  <dgm:extLst>
+    <a:ext uri="{68A01E43-0DF5-4B5B-8FA6-DAF915123BFB}">
+      <dgm1612:lstStyle xmlns:dgm1612="http://schemas.microsoft.com/office/drawing/2016/12/diagram">
+        <a:lvl1pPr>
+          <a:lnSpc>
+            <a:spcPct val="100000"/>
+          </a:lnSpc>
+        </a:lvl1pPr>
+      </dgm1612:lstStyle>
+    </a:ext>
+  </dgm:extLst>
+</dgm:layoutDef>
+</file>
+
+<file path=ppt/diagrams/quickStyle1.xml><?xml version="1.0" encoding="utf-8"?>
+<dgm:styleDef xmlns:dgm="http://schemas.openxmlformats.org/drawingml/2006/diagram" xmlns:a="http://schemas.openxmlformats.org/drawingml/2006/main" uniqueId="urn:microsoft.com/office/officeart/2005/8/quickstyle/simple1">
+  <dgm:title val=""/>
+  <dgm:desc val=""/>
+  <dgm:catLst>
+    <dgm:cat type="simple" pri="10100"/>
+  </dgm:catLst>
+  <dgm:scene3d>
+    <a:camera prst="orthographicFront"/>
+    <a:lightRig rig="threePt" dir="t"/>
+  </dgm:scene3d>
+  <dgm:styleLbl name="node0">
+    <dgm:scene3d>
+      <a:camera prst="orthographicFront"/>
+      <a:lightRig rig="threePt" dir="t"/>
+    </dgm:scene3d>
+    <dgm:sp3d/>
+    <dgm:txPr/>
+    <dgm:style>
+      <a:lnRef idx="2">
+        <a:scrgbClr r="0" g="0" b="0"/>
+      </a:lnRef>
+      <a:fillRef idx="1">
+        <a:scrgbClr r="0" g="0" b="0"/>
+      </a:fillRef>
+      <a:effectRef idx="0">
+        <a:scrgbClr r="0" g="0" b="0"/>
+      </a:effectRef>
+      <a:fontRef idx="minor">
+        <a:schemeClr val="lt1"/>
+      </a:fontRef>
+    </dgm:style>
+  </dgm:styleLbl>
+  <dgm:styleLbl name="lnNode1">
+    <dgm:scene3d>
+      <a:camera prst="orthographicFront"/>
+      <a:lightRig rig="threePt" dir="t"/>
+    </dgm:scene3d>
+    <dgm:sp3d/>
+    <dgm:txPr/>
+    <dgm:style>
+      <a:lnRef idx="2">
+        <a:scrgbClr r="0" g="0" b="0"/>
+      </a:lnRef>
+      <a:fillRef idx="1">
+        <a:scrgbClr r="0" g="0" b="0"/>
+      </a:fillRef>
+      <a:effectRef idx="0">
+        <a:scrgbClr r="0" g="0" b="0"/>
+      </a:effectRef>
+      <a:fontRef idx="minor">
+        <a:schemeClr val="lt1"/>
+      </a:fontRef>
+    </dgm:style>
+  </dgm:styleLbl>
+  <dgm:styleLbl name="vennNode1">
+    <dgm:scene3d>
+      <a:camera prst="orthographicFront"/>
+      <a:lightRig rig="threePt" dir="t"/>
+    </dgm:scene3d>
+    <dgm:sp3d/>
+    <dgm:txPr/>
+    <dgm:style>
+      <a:lnRef idx="2">
+        <a:scrgbClr r="0" g="0" b="0"/>
+      </a:lnRef>
+      <a:fillRef idx="1">
+        <a:scrgbClr r="0" g="0" b="0"/>
+      </a:fillRef>
+      <a:effectRef idx="0">
+        <a:scrgbClr r="0" g="0" b="0"/>
+      </a:effectRef>
+      <a:fontRef idx="minor">
+        <a:schemeClr val="tx1"/>
+      </a:fontRef>
+    </dgm:style>
+  </dgm:styleLbl>
+  <dgm:styleLbl name="alignNode1">
+    <dgm:scene3d>
+      <a:camera prst="orthographicFront"/>
+      <a:lightRig rig="threePt" dir="t"/>
+    </dgm:scene3d>
+    <dgm:sp3d/>
+    <dgm:txPr/>
+    <dgm:style>
+      <a:lnRef idx="2">
+        <a:scrgbClr r="0" g="0" b="0"/>
+      </a:lnRef>
+      <a:fillRef idx="1">
+        <a:scrgbClr r="0" g="0" b="0"/>
+      </a:fillRef>
+      <a:effectRef idx="0">
+        <a:scrgbClr r="0" g="0" b="0"/>
+      </a:effectRef>
+      <a:fontRef idx="minor">
+        <a:schemeClr val="lt1"/>
+      </a:fontRef>
+    </dgm:style>
+  </dgm:styleLbl>
+  <dgm:styleLbl name="node1">
+    <dgm:scene3d>
+      <a:camera prst="orthographicFront"/>
+      <a:lightRig rig="threePt" dir="t"/>
+    </dgm:scene3d>
+    <dgm:sp3d/>
+    <dgm:txPr/>
+    <dgm:style>
+      <a:lnRef idx="2">
+        <a:scrgbClr r="0" g="0" b="0"/>
+      </a:lnRef>
+      <a:fillRef idx="1">
+        <a:scrgbClr r="0" g="0" b="0"/>
+      </a:fillRef>
+      <a:effectRef idx="0">
+        <a:scrgbClr r="0" g="0" b="0"/>
+      </a:effectRef>
+      <a:fontRef idx="minor">
+        <a:schemeClr val="lt1"/>
+      </a:fontRef>
+    </dgm:style>
+  </dgm:styleLbl>
+  <dgm:styleLbl name="node2">
+    <dgm:scene3d>
+      <a:camera prst="orthographicFront"/>
+      <a:lightRig rig="threePt" dir="t"/>
+    </dgm:scene3d>
+    <dgm:sp3d/>
+    <dgm:txPr/>
+    <dgm:style>
+      <a:lnRef idx="2">
+        <a:scrgbClr r="0" g="0" b="0"/>
+      </a:lnRef>
+      <a:fillRef idx="1">
+        <a:scrgbClr r="0" g="0" b="0"/>
+      </a:fillRef>
+      <a:effectRef idx="0">
+        <a:scrgbClr r="0" g="0" b="0"/>
+      </a:effectRef>
+      <a:fontRef idx="minor">
+        <a:schemeClr val="lt1"/>
+      </a:fontRef>
+    </dgm:style>
+  </dgm:styleLbl>
+  <dgm:styleLbl name="node3">
+    <dgm:scene3d>
+      <a:camera prst="orthographicFront"/>
+      <a:lightRig rig="threePt" dir="t"/>
+    </dgm:scene3d>
+    <dgm:sp3d/>
+    <dgm:txPr/>
+    <dgm:style>
+      <a:lnRef idx="2">
+        <a:scrgbClr r="0" g="0" b="0"/>
+      </a:lnRef>
+      <a:fillRef idx="1">
+        <a:scrgbClr r="0" g="0" b="0"/>
+      </a:fillRef>
+      <a:effectRef idx="0">
+        <a:scrgbClr r="0" g="0" b="0"/>
+      </a:effectRef>
+      <a:fontRef idx="minor">
+        <a:schemeClr val="lt1"/>
+      </a:fontRef>
+    </dgm:style>
+  </dgm:styleLbl>
+  <dgm:styleLbl name="node4">
+    <dgm:scene3d>
+      <a:camera prst="orthographicFront"/>
+      <a:lightRig rig="threePt" dir="t"/>
+    </dgm:scene3d>
+    <dgm:sp3d/>
+    <dgm:txPr/>
+    <dgm:style>
+      <a:lnRef idx="2">
+        <a:scrgbClr r="0" g="0" b="0"/>
+      </a:lnRef>
+      <a:fillRef idx="1">
+        <a:scrgbClr r="0" g="0" b="0"/>
+      </a:fillRef>
+      <a:effectRef idx="0">
+        <a:scrgbClr r="0" g="0" b="0"/>
+      </a:effectRef>
+      <a:fontRef idx="minor">
+        <a:schemeClr val="lt1"/>
+      </a:fontRef>
+    </dgm:style>
+  </dgm:styleLbl>
+  <dgm:styleLbl name="fgImgPlace1">
+    <dgm:scene3d>
+      <a:camera prst="orthographicFront"/>
+      <a:lightRig rig="threePt" dir="t"/>
+    </dgm:scene3d>
+    <dgm:sp3d/>
+    <dgm:txPr/>
+    <dgm:style>
+      <a:lnRef idx="2">
+        <a:scrgbClr r="0" g="0" b="0"/>
+      </a:lnRef>
+      <a:fillRef idx="1">
+        <a:scrgbClr r="0" g="0" b="0"/>
+      </a:fillRef>
+      <a:effectRef idx="0">
+        <a:scrgbClr r="0" g="0" b="0"/>
+      </a:effectRef>
+      <a:fontRef idx="minor"/>
+    </dgm:style>
+  </dgm:styleLbl>
+  <dgm:styleLbl name="alignImgPlace1">
+    <dgm:scene3d>
+      <a:camera prst="orthographicFront"/>
+      <a:lightRig rig="threePt" dir="t"/>
+    </dgm:scene3d>
+    <dgm:sp3d/>
+    <dgm:txPr/>
+    <dgm:style>
+      <a:lnRef idx="2">
+        <a:scrgbClr r="0" g="0" b="0"/>
+      </a:lnRef>
+      <a:fillRef idx="1">
+        <a:scrgbClr r="0" g="0" b="0"/>
+      </a:fillRef>
+      <a:effectRef idx="0">
+        <a:scrgbClr r="0" g="0" b="0"/>
+      </a:effectRef>
+      <a:fontRef idx="minor"/>
+    </dgm:style>
+  </dgm:styleLbl>
+  <dgm:styleLbl name="bgImgPlace1">
+    <dgm:scene3d>
+      <a:camera prst="orthographicFront"/>
+      <a:lightRig rig="threePt" dir="t"/>
+    </dgm:scene3d>
+    <dgm:sp3d/>
+    <dgm:txPr/>
+    <dgm:style>
+      <a:lnRef idx="2">
+        <a:scrgbClr r="0" g="0" b="0"/>
+      </a:lnRef>
+      <a:fillRef idx="1">
+        <a:scrgbClr r="0" g="0" b="0"/>
+      </a:fillRef>
+      <a:effectRef idx="0">
+        <a:scrgbClr r="0" g="0" b="0"/>
+      </a:effectRef>
+      <a:fontRef idx="minor"/>
+    </dgm:style>
+  </dgm:styleLbl>
+  <dgm:styleLbl name="sibTrans2D1">
+    <dgm:scene3d>
+      <a:camera prst="orthographicFront"/>
+      <a:lightRig rig="threePt" dir="t"/>
+    </dgm:scene3d>
+    <dgm:sp3d/>
+    <dgm:txPr/>
+    <dgm:style>
+      <a:lnRef idx="0">
+        <a:scrgbClr r="0" g="0" b="0"/>
+      </a:lnRef>
+      <a:fillRef idx="1">
+        <a:scrgbClr r="0" g="0" b="0"/>
+      </a:fillRef>
+      <a:effectRef idx="0">
+        <a:scrgbClr r="0" g="0" b="0"/>
+      </a:effectRef>
+      <a:fontRef idx="minor">
+        <a:schemeClr val="lt1"/>
+      </a:fontRef>
+    </dgm:style>
+  </dgm:styleLbl>
+  <dgm:styleLbl name="fgSibTrans2D1">
+    <dgm:scene3d>
+      <a:camera prst="orthographicFront"/>
+      <a:lightRig rig="threePt" dir="t"/>
+    </dgm:scene3d>
+    <dgm:sp3d/>
+    <dgm:txPr/>
+    <dgm:style>
+      <a:lnRef idx="0">
+        <a:scrgbClr r="0" g="0" b="0"/>
+      </a:lnRef>
+      <a:fillRef idx="1">
+        <a:scrgbClr r="0" g="0" b="0"/>
+      </a:fillRef>
+      <a:effectRef idx="0">
+        <a:scrgbClr r="0" g="0" b="0"/>
+      </a:effectRef>
+      <a:fontRef idx="minor">
+        <a:schemeClr val="lt1"/>
+      </a:fontRef>
+    </dgm:style>
+  </dgm:styleLbl>
+  <dgm:styleLbl name="bgSibTrans2D1">
+    <dgm:scene3d>
+      <a:camera prst="orthographicFront"/>
+      <a:lightRig rig="threePt" dir="t"/>
+    </dgm:scene3d>
+    <dgm:sp3d/>
+    <dgm:txPr/>
+    <dgm:style>
+      <a:lnRef idx="0">
+        <a:scrgbClr r="0" g="0" b="0"/>
+      </a:lnRef>
+      <a:fillRef idx="1">
+        <a:scrgbClr r="0" g="0" b="0"/>
+      </a:fillRef>
+      <a:effectRef idx="0">
+        <a:scrgbClr r="0" g="0" b="0"/>
+      </a:effectRef>
+      <a:fontRef idx="minor">
+        <a:schemeClr val="lt1"/>
+      </a:fontRef>
+    </dgm:style>
+  </dgm:styleLbl>
+  <dgm:styleLbl name="sibTrans1D1">
+    <dgm:scene3d>
+      <a:camera prst="orthographicFront"/>
+      <a:lightRig rig="threePt" dir="t"/>
+    </dgm:scene3d>
+    <dgm:sp3d/>
+    <dgm:txPr/>
+    <dgm:style>
+      <a:lnRef idx="1">
+        <a:scrgbClr r="0" g="0" b="0"/>
+      </a:lnRef>
+      <a:fillRef idx="0">
+        <a:scrgbClr r="0" g="0" b="0"/>
+      </a:fillRef>
+      <a:effectRef idx="0">
+        <a:scrgbClr r="0" g="0" b="0"/>
+      </a:effectRef>
+      <a:fontRef idx="minor"/>
+    </dgm:style>
+  </dgm:styleLbl>
+  <dgm:styleLbl name="callout">
+    <dgm:scene3d>
+      <a:camera prst="orthographicFront"/>
+      <a:lightRig rig="threePt" dir="t"/>
+    </dgm:scene3d>
+    <dgm:sp3d/>
+    <dgm:txPr/>
+    <dgm:style>
+      <a:lnRef idx="2">
+        <a:scrgbClr r="0" g="0" b="0"/>
+      </a:lnRef>
+      <a:fillRef idx="1">
+        <a:scrgbClr r="0" g="0" b="0"/>
+      </a:fillRef>
+      <a:effectRef idx="0">
+        <a:scrgbClr r="0" g="0" b="0"/>
+      </a:effectRef>
+      <a:fontRef idx="minor"/>
+    </dgm:style>
+  </dgm:styleLbl>
+  <dgm:styleLbl name="asst0">
+    <dgm:scene3d>
+      <a:camera prst="orthographicFront"/>
+      <a:lightRig rig="threePt" dir="t"/>
+    </dgm:scene3d>
+    <dgm:sp3d/>
+    <dgm:txPr/>
+    <dgm:style>
+      <a:lnRef idx="2">
+        <a:scrgbClr r="0" g="0" b="0"/>
+      </a:lnRef>
+      <a:fillRef idx="1">
+        <a:scrgbClr r="0" g="0" b="0"/>
+      </a:fillRef>
+      <a:effectRef idx="0">
+        <a:scrgbClr r="0" g="0" b="0"/>
+      </a:effectRef>
+      <a:fontRef idx="minor">
+        <a:schemeClr val="lt1"/>
+      </a:fontRef>
+    </dgm:style>
+  </dgm:styleLbl>
+  <dgm:styleLbl name="asst1">
+    <dgm:scene3d>
+      <a:camera prst="orthographicFront"/>
+      <a:lightRig rig="threePt" dir="t"/>
+    </dgm:scene3d>
+    <dgm:sp3d/>
+    <dgm:txPr/>
+    <dgm:style>
+      <a:lnRef idx="2">
+        <a:scrgbClr r="0" g="0" b="0"/>
+      </a:lnRef>
+      <a:fillRef idx="1">
+        <a:scrgbClr r="0" g="0" b="0"/>
+      </a:fillRef>
+      <a:effectRef idx="0">
+        <a:scrgbClr r="0" g="0" b="0"/>
+      </a:effectRef>
+      <a:fontRef idx="minor">
+        <a:schemeClr val="lt1"/>
+      </a:fontRef>
+    </dgm:style>
+  </dgm:styleLbl>
+  <dgm:styleLbl name="asst2">
+    <dgm:scene3d>
+      <a:camera prst="orthographicFront"/>
+      <a:lightRig rig="threePt" dir="t"/>
+    </dgm:scene3d>
+    <dgm:sp3d/>
+    <dgm:txPr/>
+    <dgm:style>
+      <a:lnRef idx="2">
+        <a:scrgbClr r="0" g="0" b="0"/>
+      </a:lnRef>
+      <a:fillRef idx="1">
+        <a:scrgbClr r="0" g="0" b="0"/>
+      </a:fillRef>
+      <a:effectRef idx="0">
+        <a:scrgbClr r="0" g="0" b="0"/>
+      </a:effectRef>
+      <a:fontRef idx="minor">
+        <a:schemeClr val="lt1"/>
+      </a:fontRef>
+    </dgm:style>
+  </dgm:styleLbl>
+  <dgm:styleLbl name="asst3">
+    <dgm:scene3d>
+      <a:camera prst="orthographicFront"/>
+      <a:lightRig rig="threePt" dir="t"/>
+    </dgm:scene3d>
+    <dgm:sp3d/>
+    <dgm:txPr/>
+    <dgm:style>
+      <a:lnRef idx="2">
+        <a:scrgbClr r="0" g="0" b="0"/>
+      </a:lnRef>
+      <a:fillRef idx="1">
+        <a:scrgbClr r="0" g="0" b="0"/>
+      </a:fillRef>
+      <a:effectRef idx="0">
+        <a:scrgbClr r="0" g="0" b="0"/>
+      </a:effectRef>
+      <a:fontRef idx="minor">
+        <a:schemeClr val="lt1"/>
+      </a:fontRef>
+    </dgm:style>
+  </dgm:styleLbl>
+  <dgm:styleLbl name="asst4">
+    <dgm:scene3d>
+      <a:camera prst="orthographicFront"/>
+      <a:lightRig rig="threePt" dir="t"/>
+    </dgm:scene3d>
+    <dgm:sp3d/>
+    <dgm:txPr/>
+    <dgm:style>
+      <a:lnRef idx="2">
+        <a:scrgbClr r="0" g="0" b="0"/>
+      </a:lnRef>
+      <a:fillRef idx="1">
+        <a:scrgbClr r="0" g="0" b="0"/>
+      </a:fillRef>
+      <a:effectRef idx="0">
+        <a:scrgbClr r="0" g="0" b="0"/>
+      </a:effectRef>
+      <a:fontRef idx="minor">
+        <a:schemeClr val="lt1"/>
+      </a:fontRef>
+    </dgm:style>
+  </dgm:styleLbl>
+  <dgm:styleLbl name="parChTrans2D1">
+    <dgm:scene3d>
+      <a:camera prst="orthographicFront"/>
+      <a:lightRig rig="threePt" dir="t"/>
+    </dgm:scene3d>
+    <dgm:sp3d/>
+    <dgm:txPr/>
+    <dgm:style>
+      <a:lnRef idx="2">
+        <a:scrgbClr r="0" g="0" b="0"/>
+      </a:lnRef>
+      <a:fillRef idx="1">
+        <a:scrgbClr r="0" g="0" b="0"/>
+      </a:fillRef>
+      <a:effectRef idx="0">
+        <a:scrgbClr r="0" g="0" b="0"/>
+      </a:effectRef>
+      <a:fontRef idx="minor">
+        <a:schemeClr val="lt1"/>
+      </a:fontRef>
+    </dgm:style>
+  </dgm:styleLbl>
+  <dgm:styleLbl name="parChTrans2D2">
+    <dgm:scene3d>
+      <a:camera prst="orthographicFront"/>
+      <a:lightRig rig="threePt" dir="t"/>
+    </dgm:scene3d>
+    <dgm:sp3d/>
+    <dgm:txPr/>
+    <dgm:style>
+      <a:lnRef idx="2">
+        <a:scrgbClr r="0" g="0" b="0"/>
+      </a:lnRef>
+      <a:fillRef idx="1">
+        <a:scrgbClr r="0" g="0" b="0"/>
+      </a:fillRef>
+      <a:effectRef idx="0">
+        <a:scrgbClr r="0" g="0" b="0"/>
+      </a:effectRef>
+      <a:fontRef idx="minor">
+        <a:schemeClr val="lt1"/>
+      </a:fontRef>
+    </dgm:style>
+  </dgm:styleLbl>
+  <dgm:styleLbl name="parChTrans2D3">
+    <dgm:scene3d>
+      <a:camera prst="orthographicFront"/>
+      <a:lightRig rig="threePt" dir="t"/>
+    </dgm:scene3d>
+    <dgm:sp3d/>
+    <dgm:txPr/>
+    <dgm:style>
+      <a:lnRef idx="2">
+        <a:scrgbClr r="0" g="0" b="0"/>
+      </a:lnRef>
+      <a:fillRef idx="1">
+        <a:scrgbClr r="0" g="0" b="0"/>
+      </a:fillRef>
+      <a:effectRef idx="0">
+        <a:scrgbClr r="0" g="0" b="0"/>
+      </a:effectRef>
+      <a:fontRef idx="minor">
+        <a:schemeClr val="lt1"/>
+      </a:fontRef>
+    </dgm:style>
+  </dgm:styleLbl>
+  <dgm:styleLbl name="parChTrans2D4">
+    <dgm:scene3d>
+      <a:camera prst="orthographicFront"/>
+      <a:lightRig rig="threePt" dir="t"/>
+    </dgm:scene3d>
+    <dgm:sp3d/>
+    <dgm:txPr/>
+    <dgm:style>
+      <a:lnRef idx="2">
+        <a:scrgbClr r="0" g="0" b="0"/>
+      </a:lnRef>
+      <a:fillRef idx="1">
+        <a:scrgbClr r="0" g="0" b="0"/>
+      </a:fillRef>
+      <a:effectRef idx="0">
+        <a:scrgbClr r="0" g="0" b="0"/>
+      </a:effectRef>
+      <a:fontRef idx="minor">
+        <a:schemeClr val="lt1"/>
+      </a:fontRef>
+    </dgm:style>
+  </dgm:styleLbl>
+  <dgm:styleLbl name="parChTrans1D1">
+    <dgm:scene3d>
+      <a:camera prst="orthographicFront"/>
+      <a:lightRig rig="threePt" dir="t"/>
+    </dgm:scene3d>
+    <dgm:sp3d/>
+    <dgm:txPr/>
+    <dgm:style>
+      <a:lnRef idx="2">
+        <a:scrgbClr r="0" g="0" b="0"/>
+      </a:lnRef>
+      <a:fillRef idx="0">
+        <a:scrgbClr r="0" g="0" b="0"/>
+      </a:fillRef>
+      <a:effectRef idx="0">
+        <a:scrgbClr r="0" g="0" b="0"/>
+      </a:effectRef>
+      <a:fontRef idx="minor"/>
+    </dgm:style>
+  </dgm:styleLbl>
+  <dgm:styleLbl name="parChTrans1D2">
+    <dgm:scene3d>
+      <a:camera prst="orthographicFront"/>
+      <a:lightRig rig="threePt" dir="t"/>
+    </dgm:scene3d>
+    <dgm:sp3d/>
+    <dgm:txPr/>
+    <dgm:style>
+      <a:lnRef idx="2">
+        <a:scrgbClr r="0" g="0" b="0"/>
+      </a:lnRef>
+      <a:fillRef idx="0">
+        <a:scrgbClr r="0" g="0" b="0"/>
+      </a:fillRef>
+      <a:effectRef idx="0">
+        <a:scrgbClr r="0" g="0" b="0"/>
+      </a:effectRef>
+      <a:fontRef idx="minor"/>
+    </dgm:style>
+  </dgm:styleLbl>
+  <dgm:styleLbl name="parChTrans1D3">
+    <dgm:scene3d>
+      <a:camera prst="orthographicFront"/>
+      <a:lightRig rig="threePt" dir="t"/>
+    </dgm:scene3d>
+    <dgm:sp3d/>
+    <dgm:txPr/>
+    <dgm:style>
+      <a:lnRef idx="2">
+        <a:scrgbClr r="0" g="0" b="0"/>
+      </a:lnRef>
+      <a:fillRef idx="0">
+        <a:scrgbClr r="0" g="0" b="0"/>
+      </a:fillRef>
+      <a:effectRef idx="0">
+        <a:scrgbClr r="0" g="0" b="0"/>
+      </a:effectRef>
+      <a:fontRef idx="minor"/>
+    </dgm:style>
+  </dgm:styleLbl>
+  <dgm:styleLbl name="parChTrans1D4">
+    <dgm:scene3d>
+      <a:camera prst="orthographicFront"/>
+      <a:lightRig rig="threePt" dir="t"/>
+    </dgm:scene3d>
+    <dgm:sp3d/>
+    <dgm:txPr/>
+    <dgm:style>
+      <a:lnRef idx="2">
+        <a:scrgbClr r="0" g="0" b="0"/>
+      </a:lnRef>
+      <a:fillRef idx="0">
+        <a:scrgbClr r="0" g="0" b="0"/>
+      </a:fillRef>
+      <a:effectRef idx="0">
+        <a:scrgbClr r="0" g="0" b="0"/>
+      </a:effectRef>
+      <a:fontRef idx="minor"/>
+    </dgm:style>
+  </dgm:styleLbl>
+  <dgm:styleLbl name="fgAcc1">
+    <dgm:scene3d>
+      <a:camera prst="orthographicFront"/>
+      <a:lightRig rig="threePt" dir="t"/>
+    </dgm:scene3d>
+    <dgm:sp3d/>
+    <dgm:txPr/>
+    <dgm:style>
+      <a:lnRef idx="2">
+        <a:scrgbClr r="0" g="0" b="0"/>
+      </a:lnRef>
+      <a:fillRef idx="1">
+        <a:scrgbClr r="0" g="0" b="0"/>
+      </a:fillRef>
+      <a:effectRef idx="0">
+        <a:scrgbClr r="0" g="0" b="0"/>
+      </a:effectRef>
+      <a:fontRef idx="minor"/>
+    </dgm:style>
+  </dgm:styleLbl>
+  <dgm:styleLbl name="conFgAcc1">
+    <dgm:scene3d>
+      <a:camera prst="orthographicFront"/>
+      <a:lightRig rig="threePt" dir="t"/>
+    </dgm:scene3d>
+    <dgm:sp3d/>
+    <dgm:txPr/>
+    <dgm:style>
+      <a:lnRef idx="2">
+        <a:scrgbClr r="0" g="0" b="0"/>
+      </a:lnRef>
+      <a:fillRef idx="1">
+        <a:scrgbClr r="0" g="0" b="0"/>
+      </a:fillRef>
+      <a:effectRef idx="0">
+        <a:scrgbClr r="0" g="0" b="0"/>
+      </a:effectRef>
+      <a:fontRef idx="minor"/>
+    </dgm:style>
+  </dgm:styleLbl>
+  <dgm:styleLbl name="alignAcc1">
+    <dgm:scene3d>
+      <a:camera prst="orthographicFront"/>
+      <a:lightRig rig="threePt" dir="t"/>
+    </dgm:scene3d>
+    <dgm:sp3d/>
+    <dgm:txPr/>
+    <dgm:style>
+      <a:lnRef idx="2">
+        <a:scrgbClr r="0" g="0" b="0"/>
+      </a:lnRef>
+      <a:fillRef idx="1">
+        <a:scrgbClr r="0" g="0" b="0"/>
+      </a:fillRef>
+      <a:effectRef idx="0">
+        <a:scrgbClr r="0" g="0" b="0"/>
+      </a:effectRef>
+      <a:fontRef idx="minor"/>
+    </dgm:style>
+  </dgm:styleLbl>
+  <dgm:styleLbl name="trAlignAcc1">
+    <dgm:scene3d>
+      <a:camera prst="orthographicFront"/>
+      <a:lightRig rig="threePt" dir="t"/>
+    </dgm:scene3d>
+    <dgm:sp3d/>
+    <dgm:txPr/>
+    <dgm:style>
+      <a:lnRef idx="1">
+        <a:scrgbClr r="0" g="0" b="0"/>
+      </a:lnRef>
+      <a:fillRef idx="1">
+        <a:scrgbClr r="0" g="0" b="0"/>
+      </a:fillRef>
+      <a:effectRef idx="0">
+        <a:scrgbClr r="0" g="0" b="0"/>
+      </a:effectRef>
+      <a:fontRef idx="minor"/>
+    </dgm:style>
+  </dgm:styleLbl>
+  <dgm:styleLbl name="bgAcc1">
+    <dgm:scene3d>
+      <a:camera prst="orthographicFront"/>
+      <a:lightRig rig="threePt" dir="t"/>
+    </dgm:scene3d>
+    <dgm:sp3d/>
+    <dgm:txPr/>
+    <dgm:style>
+      <a:lnRef idx="2">
+        <a:scrgbClr r="0" g="0" b="0"/>
+      </a:lnRef>
+      <a:fillRef idx="1">
+        <a:scrgbClr r="0" g="0" b="0"/>
+      </a:fillRef>
+      <a:effectRef idx="0">
+        <a:scrgbClr r="0" g="0" b="0"/>
+      </a:effectRef>
+      <a:fontRef idx="minor"/>
+    </dgm:style>
+  </dgm:styleLbl>
+  <dgm:styleLbl name="solidFgAcc1">
+    <dgm:scene3d>
+      <a:camera prst="orthographicFront"/>
+      <a:lightRig rig="threePt" dir="t"/>
+    </dgm:scene3d>
+    <dgm:sp3d/>
+    <dgm:txPr/>
+    <dgm:style>
+      <a:lnRef idx="2">
+        <a:scrgbClr r="0" g="0" b="0"/>
+      </a:lnRef>
+      <a:fillRef idx="1">
+        <a:scrgbClr r="0" g="0" b="0"/>
+      </a:fillRef>
+      <a:effectRef idx="0">
+        <a:scrgbClr r="0" g="0" b="0"/>
+      </a:effectRef>
+      <a:fontRef idx="minor"/>
+    </dgm:style>
+  </dgm:styleLbl>
+  <dgm:styleLbl name="solidAlignAcc1">
+    <dgm:scene3d>
+      <a:camera prst="orthographicFront"/>
+      <a:lightRig rig="threePt" dir="t"/>
+    </dgm:scene3d>
+    <dgm:sp3d/>
+    <dgm:txPr/>
+    <dgm:style>
+      <a:lnRef idx="2">
+        <a:scrgbClr r="0" g="0" b="0"/>
+      </a:lnRef>
+      <a:fillRef idx="1">
+        <a:scrgbClr r="0" g="0" b="0"/>
+      </a:fillRef>
+      <a:effectRef idx="0">
+        <a:scrgbClr r="0" g="0" b="0"/>
+      </a:effectRef>
+      <a:fontRef idx="minor"/>
+    </dgm:style>
+  </dgm:styleLbl>
+  <dgm:styleLbl name="solidBgAcc1">
+    <dgm:scene3d>
+      <a:camera prst="orthographicFront"/>
+      <a:lightRig rig="threePt" dir="t"/>
+    </dgm:scene3d>
+    <dgm:sp3d/>
+    <dgm:txPr/>
+    <dgm:style>
+      <a:lnRef idx="2">
+        <a:scrgbClr r="0" g="0" b="0"/>
+      </a:lnRef>
+      <a:fillRef idx="1">
+        <a:scrgbClr r="0" g="0" b="0"/>
+      </a:fillRef>
+      <a:effectRef idx="0">
+        <a:scrgbClr r="0" g="0" b="0"/>
+      </a:effectRef>
+      <a:fontRef idx="minor"/>
+    </dgm:style>
+  </dgm:styleLbl>
+  <dgm:styleLbl name="fgAccFollowNode1">
+    <dgm:scene3d>
+      <a:camera prst="orthographicFront"/>
+      <a:lightRig rig="threePt" dir="t"/>
+    </dgm:scene3d>
+    <dgm:sp3d/>
+    <dgm:txPr/>
+    <dgm:style>
+      <a:lnRef idx="2">
+        <a:scrgbClr r="0" g="0" b="0"/>
+      </a:lnRef>
+      <a:fillRef idx="1">
+        <a:scrgbClr r="0" g="0" b="0"/>
+      </a:fillRef>
+      <a:effectRef idx="0">
+        <a:scrgbClr r="0" g="0" b="0"/>
+      </a:effectRef>
+      <a:fontRef idx="minor"/>
+    </dgm:style>
+  </dgm:styleLbl>
+  <dgm:styleLbl name="alignAccFollowNode1">
+    <dgm:scene3d>
+      <a:camera prst="orthographicFront"/>
+      <a:lightRig rig="threePt" dir="t"/>
+    </dgm:scene3d>
+    <dgm:sp3d/>
+    <dgm:txPr/>
+    <dgm:style>
+      <a:lnRef idx="2">
+        <a:scrgbClr r="0" g="0" b="0"/>
+      </a:lnRef>
+      <a:fillRef idx="1">
+        <a:scrgbClr r="0" g="0" b="0"/>
+      </a:fillRef>
+      <a:effectRef idx="0">
+        <a:scrgbClr r="0" g="0" b="0"/>
+      </a:effectRef>
+      <a:fontRef idx="minor"/>
+    </dgm:style>
+  </dgm:styleLbl>
+  <dgm:styleLbl name="bgAccFollowNode1">
+    <dgm:scene3d>
+      <a:camera prst="orthographicFront"/>
+      <a:lightRig rig="threePt" dir="t"/>
+    </dgm:scene3d>
+    <dgm:sp3d/>
+    <dgm:txPr/>
+    <dgm:style>
+      <a:lnRef idx="2">
+        <a:scrgbClr r="0" g="0" b="0"/>
+      </a:lnRef>
+      <a:fillRef idx="1">
+        <a:scrgbClr r="0" g="0" b="0"/>
+      </a:fillRef>
+      <a:effectRef idx="0">
+        <a:scrgbClr r="0" g="0" b="0"/>
+      </a:effectRef>
+      <a:fontRef idx="minor"/>
+    </dgm:style>
+  </dgm:styleLbl>
+  <dgm:styleLbl name="fgAcc0">
+    <dgm:scene3d>
+      <a:camera prst="orthographicFront"/>
+      <a:lightRig rig="threePt" dir="t"/>
+    </dgm:scene3d>
+    <dgm:sp3d/>
+    <dgm:txPr/>
+    <dgm:style>
+      <a:lnRef idx="2">
+        <a:scrgbClr r="0" g="0" b="0"/>
+      </a:lnRef>
+      <a:fillRef idx="1">
+        <a:scrgbClr r="0" g="0" b="0"/>
+      </a:fillRef>
+      <a:effectRef idx="0">
+        <a:scrgbClr r="0" g="0" b="0"/>
+      </a:effectRef>
+      <a:fontRef idx="minor"/>
+    </dgm:style>
+  </dgm:styleLbl>
+  <dgm:styleLbl name="fgAcc2">
+    <dgm:scene3d>
+      <a:camera prst="orthographicFront"/>
+      <a:lightRig rig="threePt" dir="t"/>
+    </dgm:scene3d>
+    <dgm:sp3d/>
+    <dgm:txPr/>
+    <dgm:style>
+      <a:lnRef idx="2">
+        <a:scrgbClr r="0" g="0" b="0"/>
+      </a:lnRef>
+      <a:fillRef idx="1">
+        <a:scrgbClr r="0" g="0" b="0"/>
+      </a:fillRef>
+      <a:effectRef idx="0">
+        <a:scrgbClr r="0" g="0" b="0"/>
+      </a:effectRef>
+      <a:fontRef idx="minor"/>
+    </dgm:style>
+  </dgm:styleLbl>
+  <dgm:styleLbl name="fgAcc3">
+    <dgm:scene3d>
+      <a:camera prst="orthographicFront"/>
+      <a:lightRig rig="threePt" dir="t"/>
+    </dgm:scene3d>
+    <dgm:sp3d/>
+    <dgm:txPr/>
+    <dgm:style>
+      <a:lnRef idx="2">
+        <a:scrgbClr r="0" g="0" b="0"/>
+      </a:lnRef>
+      <a:fillRef idx="1">
+        <a:scrgbClr r="0" g="0" b="0"/>
+      </a:fillRef>
+      <a:effectRef idx="0">
+        <a:scrgbClr r="0" g="0" b="0"/>
+      </a:effectRef>
+      <a:fontRef idx="minor"/>
+    </dgm:style>
+  </dgm:styleLbl>
+  <dgm:styleLbl name="fgAcc4">
+    <dgm:scene3d>
+      <a:camera prst="orthographicFront"/>
+      <a:lightRig rig="threePt" dir="t"/>
+    </dgm:scene3d>
+    <dgm:sp3d/>
+    <dgm:txPr/>
+    <dgm:style>
+      <a:lnRef idx="2">
+        <a:scrgbClr r="0" g="0" b="0"/>
+      </a:lnRef>
+      <a:fillRef idx="1">
+        <a:scrgbClr r="0" g="0" b="0"/>
+      </a:fillRef>
+      <a:effectRef idx="0">
+        <a:scrgbClr r="0" g="0" b="0"/>
+      </a:effectRef>
+      <a:fontRef idx="minor"/>
+    </dgm:style>
+  </dgm:styleLbl>
+  <dgm:styleLbl name="bgShp">
+    <dgm:scene3d>
+      <a:camera prst="orthographicFront"/>
+      <a:lightRig rig="threePt" dir="t"/>
+    </dgm:scene3d>
+    <dgm:sp3d/>
+    <dgm:txPr/>
+    <dgm:style>
+      <a:lnRef idx="0">
+        <a:scrgbClr r="0" g="0" b="0"/>
+      </a:lnRef>
+      <a:fillRef idx="1">
+        <a:scrgbClr r="0" g="0" b="0"/>
+      </a:fillRef>
+      <a:effectRef idx="0">
+        <a:scrgbClr r="0" g="0" b="0"/>
+      </a:effectRef>
+      <a:fontRef idx="minor"/>
+    </dgm:style>
+  </dgm:styleLbl>
+  <dgm:styleLbl name="dkBgShp">
+    <dgm:scene3d>
+      <a:camera prst="orthographicFront"/>
+      <a:lightRig rig="threePt" dir="t"/>
+    </dgm:scene3d>
+    <dgm:sp3d/>
+    <dgm:txPr/>
+    <dgm:style>
+      <a:lnRef idx="0">
+        <a:scrgbClr r="0" g="0" b="0"/>
+      </a:lnRef>
+      <a:fillRef idx="1">
+        <a:scrgbClr r="0" g="0" b="0"/>
+      </a:fillRef>
+      <a:effectRef idx="0">
+        <a:scrgbClr r="0" g="0" b="0"/>
+      </a:effectRef>
+      <a:fontRef idx="minor"/>
+    </dgm:style>
+  </dgm:styleLbl>
+  <dgm:styleLbl name="trBgShp">
+    <dgm:scene3d>
+      <a:camera prst="orthographicFront"/>
+      <a:lightRig rig="threePt" dir="t"/>
+    </dgm:scene3d>
+    <dgm:sp3d/>
+    <dgm:txPr/>
+    <dgm:style>
+      <a:lnRef idx="0">
+        <a:scrgbClr r="0" g="0" b="0"/>
+      </a:lnRef>
+      <a:fillRef idx="1">
+        <a:scrgbClr r="0" g="0" b="0"/>
+      </a:fillRef>
+      <a:effectRef idx="0">
+        <a:scrgbClr r="0" g="0" b="0"/>
+      </a:effectRef>
+      <a:fontRef idx="minor"/>
+    </dgm:style>
+  </dgm:styleLbl>
+  <dgm:styleLbl name="fgShp">
+    <dgm:scene3d>
+      <a:camera prst="orthographicFront"/>
+      <a:lightRig rig="threePt" dir="t"/>
+    </dgm:scene3d>
+    <dgm:sp3d/>
+    <dgm:txPr/>
+    <dgm:style>
+      <a:lnRef idx="2">
+        <a:scrgbClr r="0" g="0" b="0"/>
+      </a:lnRef>
+      <a:fillRef idx="1">
+        <a:scrgbClr r="0" g="0" b="0"/>
+      </a:fillRef>
+      <a:effectRef idx="0">
+        <a:scrgbClr r="0" g="0" b="0"/>
+      </a:effectRef>
+      <a:fontRef idx="minor"/>
+    </dgm:style>
+  </dgm:styleLbl>
+  <dgm:styleLbl name="revTx">
+    <dgm:scene3d>
+      <a:camera prst="orthographicFront"/>
+      <a:lightRig rig="threePt" dir="t"/>
+    </dgm:scene3d>
+    <dgm:sp3d/>
+    <dgm:txPr/>
+    <dgm:style>
+      <a:lnRef idx="0">
+        <a:scrgbClr r="0" g="0" b="0"/>
+      </a:lnRef>
+      <a:fillRef idx="0">
+        <a:scrgbClr r="0" g="0" b="0"/>
+      </a:fillRef>
+      <a:effectRef idx="0">
+        <a:scrgbClr r="0" g="0" b="0"/>
+      </a:effectRef>
+      <a:fontRef idx="minor"/>
+    </dgm:style>
+  </dgm:styleLbl>
+</dgm:styleDef>
+</file>
+
 <file path=ppt/slideLayouts/slideLayout1.xml><?xml version="1.0" encoding="utf-8"?>
-<p:sldLayout xmlns:a="http://schemas.openxmlformats.org/drawingml/2006/main" xmlns:r="http://schemas.openxmlformats.org/officeDocument/2006/relationships" xmlns:p="http://schemas.openxmlformats.org/presentationml/2006/main" type="title" preserve="1">
+<p:sldLayout xmlns:a="http://schemas.openxmlformats.org/drawingml/2006/main" xmlns:r="http://schemas.openxmlformats.org/officeDocument/2006/relationships" xmlns:p="http://schemas.openxmlformats.org/presentationml/2006/main" showMasterSp="0" type="title" preserve="1">
   <p:cSld name="Title Slide">
+    <p:bg>
+      <p:bgPr>
+        <a:solidFill>
+          <a:schemeClr val="bg2">
+            <a:lumMod val="75000"/>
+          </a:schemeClr>
+        </a:solidFill>
+        <a:effectLst/>
+      </p:bgPr>
+    </p:bg>
     <p:spTree>
       <p:nvGrpSpPr>
         <p:cNvPr id="1" name=""/>
@@ -127,13 +2794,7 @@
       </p:grpSpPr>
       <p:sp>
         <p:nvSpPr>
-          <p:cNvPr id="2" name="Title 1">
-            <a:extLst>
-              <a:ext uri="{FF2B5EF4-FFF2-40B4-BE49-F238E27FC236}">
-                <a16:creationId xmlns:a16="http://schemas.microsoft.com/office/drawing/2014/main" id="{F47AACD8-5E0F-4C48-B4AE-EA563843F5C3}"/>
-              </a:ext>
-            </a:extLst>
-          </p:cNvPr>
+          <p:cNvPr id="2" name="Title 1"/>
           <p:cNvSpPr>
             <a:spLocks noGrp="1"/>
           </p:cNvSpPr>
@@ -143,15 +2804,24 @@
         </p:nvSpPr>
         <p:spPr>
           <a:xfrm>
-            <a:off x="1524000" y="1122363"/>
-            <a:ext cx="9144000" cy="2387600"/>
+            <a:off x="1261872" y="758952"/>
+            <a:ext cx="9418320" cy="4041648"/>
           </a:xfrm>
         </p:spPr>
         <p:txBody>
-          <a:bodyPr anchor="b"/>
+          <a:bodyPr anchor="b">
+            <a:normAutofit/>
+          </a:bodyPr>
           <a:lstStyle>
-            <a:lvl1pPr algn="ctr">
-              <a:defRPr sz="6000"/>
+            <a:lvl1pPr algn="l">
+              <a:lnSpc>
+                <a:spcPct val="85000"/>
+              </a:lnSpc>
+              <a:defRPr sz="7200" baseline="0">
+                <a:solidFill>
+                  <a:schemeClr val="tx1"/>
+                </a:solidFill>
+              </a:defRPr>
             </a:lvl1pPr>
           </a:lstStyle>
           <a:p>
@@ -159,19 +2829,13 @@
               <a:rPr lang="en-US"/>
               <a:t>Click to edit Master title style</a:t>
             </a:r>
-            <a:endParaRPr lang="en-GB"/>
-          </a:p>
-        </p:txBody>
-      </p:sp>
-      <p:sp>
-        <p:nvSpPr>
-          <p:cNvPr id="3" name="Subtitle 2">
-            <a:extLst>
-              <a:ext uri="{FF2B5EF4-FFF2-40B4-BE49-F238E27FC236}">
-                <a16:creationId xmlns:a16="http://schemas.microsoft.com/office/drawing/2014/main" id="{24BB2C50-D39B-4C13-92AF-817F9E28D33C}"/>
-              </a:ext>
-            </a:extLst>
-          </p:cNvPr>
+            <a:endParaRPr lang="en-US" dirty="0"/>
+          </a:p>
+        </p:txBody>
+      </p:sp>
+      <p:sp>
+        <p:nvSpPr>
+          <p:cNvPr id="3" name="Subtitle 2"/>
           <p:cNvSpPr>
             <a:spLocks noGrp="1"/>
           </p:cNvSpPr>
@@ -181,48 +2845,56 @@
         </p:nvSpPr>
         <p:spPr>
           <a:xfrm>
-            <a:off x="1524000" y="3602038"/>
-            <a:ext cx="9144000" cy="1655762"/>
+            <a:off x="1261872" y="4800600"/>
+            <a:ext cx="9418320" cy="1691640"/>
           </a:xfrm>
         </p:spPr>
         <p:txBody>
-          <a:bodyPr/>
+          <a:bodyPr>
+            <a:normAutofit/>
+          </a:bodyPr>
           <a:lstStyle>
-            <a:lvl1pPr marL="0" indent="0" algn="ctr">
+            <a:lvl1pPr marL="0" indent="0" algn="l">
               <a:buNone/>
-              <a:defRPr sz="2400"/>
+              <a:defRPr sz="2200" baseline="0">
+                <a:solidFill>
+                  <a:schemeClr val="tx1">
+                    <a:lumMod val="75000"/>
+                  </a:schemeClr>
+                </a:solidFill>
+              </a:defRPr>
             </a:lvl1pPr>
             <a:lvl2pPr marL="457200" indent="0" algn="ctr">
               <a:buNone/>
-              <a:defRPr sz="2000"/>
+              <a:defRPr sz="2200"/>
             </a:lvl2pPr>
             <a:lvl3pPr marL="914400" indent="0" algn="ctr">
               <a:buNone/>
-              <a:defRPr sz="1800"/>
+              <a:defRPr sz="2200"/>
             </a:lvl3pPr>
             <a:lvl4pPr marL="1371600" indent="0" algn="ctr">
               <a:buNone/>
-              <a:defRPr sz="1600"/>
+              <a:defRPr sz="2000"/>
             </a:lvl4pPr>
             <a:lvl5pPr marL="1828800" indent="0" algn="ctr">
               <a:buNone/>
-              <a:defRPr sz="1600"/>
+              <a:defRPr sz="2000"/>
             </a:lvl5pPr>
             <a:lvl6pPr marL="2286000" indent="0" algn="ctr">
               <a:buNone/>
-              <a:defRPr sz="1600"/>
+              <a:defRPr sz="2000"/>
             </a:lvl6pPr>
             <a:lvl7pPr marL="2743200" indent="0" algn="ctr">
               <a:buNone/>
-              <a:defRPr sz="1600"/>
+              <a:defRPr sz="2000"/>
             </a:lvl7pPr>
             <a:lvl8pPr marL="3200400" indent="0" algn="ctr">
               <a:buNone/>
-              <a:defRPr sz="1600"/>
+              <a:defRPr sz="2000"/>
             </a:lvl8pPr>
             <a:lvl9pPr marL="3657600" indent="0" algn="ctr">
               <a:buNone/>
-              <a:defRPr sz="1600"/>
+              <a:defRPr sz="2000"/>
             </a:lvl9pPr>
           </a:lstStyle>
           <a:p>
@@ -230,19 +2902,13 @@
               <a:rPr lang="en-US"/>
               <a:t>Click to edit Master subtitle style</a:t>
             </a:r>
-            <a:endParaRPr lang="en-GB"/>
-          </a:p>
-        </p:txBody>
-      </p:sp>
-      <p:sp>
-        <p:nvSpPr>
-          <p:cNvPr id="4" name="Date Placeholder 3">
-            <a:extLst>
-              <a:ext uri="{FF2B5EF4-FFF2-40B4-BE49-F238E27FC236}">
-                <a16:creationId xmlns:a16="http://schemas.microsoft.com/office/drawing/2014/main" id="{65594E7B-FED9-4964-89B0-BD3C07FC693A}"/>
-              </a:ext>
-            </a:extLst>
-          </p:cNvPr>
+            <a:endParaRPr lang="en-US" dirty="0"/>
+          </a:p>
+        </p:txBody>
+      </p:sp>
+      <p:sp>
+        <p:nvSpPr>
+          <p:cNvPr id="4" name="Date Placeholder 3"/>
           <p:cNvSpPr>
             <a:spLocks noGrp="1"/>
           </p:cNvSpPr>
@@ -253,11 +2919,21 @@
         <p:spPr/>
         <p:txBody>
           <a:bodyPr/>
-          <a:lstStyle/>
+          <a:lstStyle>
+            <a:lvl1pPr>
+              <a:defRPr>
+                <a:solidFill>
+                  <a:schemeClr val="tx1">
+                    <a:lumMod val="50000"/>
+                  </a:schemeClr>
+                </a:solidFill>
+              </a:defRPr>
+            </a:lvl1pPr>
+          </a:lstStyle>
           <a:p>
             <a:fld id="{1276D614-1471-4C57-B1DC-422565A247D7}" type="datetimeFigureOut">
               <a:rPr lang="en-GB" smtClean="0"/>
-              <a:t>28/11/2021</a:t>
+              <a:t>29/11/2021</a:t>
             </a:fld>
             <a:endParaRPr lang="en-GB"/>
           </a:p>
@@ -265,13 +2941,7 @@
       </p:sp>
       <p:sp>
         <p:nvSpPr>
-          <p:cNvPr id="5" name="Footer Placeholder 4">
-            <a:extLst>
-              <a:ext uri="{FF2B5EF4-FFF2-40B4-BE49-F238E27FC236}">
-                <a16:creationId xmlns:a16="http://schemas.microsoft.com/office/drawing/2014/main" id="{1EED9C9D-3CF3-42D3-BBAA-0BD5F8E5A66D}"/>
-              </a:ext>
-            </a:extLst>
-          </p:cNvPr>
+          <p:cNvPr id="5" name="Footer Placeholder 4"/>
           <p:cNvSpPr>
             <a:spLocks noGrp="1"/>
           </p:cNvSpPr>
@@ -282,7 +2952,17 @@
         <p:spPr/>
         <p:txBody>
           <a:bodyPr/>
-          <a:lstStyle/>
+          <a:lstStyle>
+            <a:lvl1pPr>
+              <a:defRPr>
+                <a:solidFill>
+                  <a:schemeClr val="tx1">
+                    <a:lumMod val="65000"/>
+                  </a:schemeClr>
+                </a:solidFill>
+              </a:defRPr>
+            </a:lvl1pPr>
+          </a:lstStyle>
           <a:p>
             <a:endParaRPr lang="en-GB"/>
           </a:p>
@@ -290,13 +2970,7 @@
       </p:sp>
       <p:sp>
         <p:nvSpPr>
-          <p:cNvPr id="6" name="Slide Number Placeholder 5">
-            <a:extLst>
-              <a:ext uri="{FF2B5EF4-FFF2-40B4-BE49-F238E27FC236}">
-                <a16:creationId xmlns:a16="http://schemas.microsoft.com/office/drawing/2014/main" id="{2F09CFE1-BD6A-4B12-A9C3-67E6EE5196A6}"/>
-              </a:ext>
-            </a:extLst>
-          </p:cNvPr>
+          <p:cNvPr id="6" name="Slide Number Placeholder 5"/>
           <p:cNvSpPr>
             <a:spLocks noGrp="1"/>
           </p:cNvSpPr>
@@ -307,7 +2981,17 @@
         <p:spPr/>
         <p:txBody>
           <a:bodyPr/>
-          <a:lstStyle/>
+          <a:lstStyle>
+            <a:lvl1pPr>
+              <a:defRPr>
+                <a:solidFill>
+                  <a:schemeClr val="tx1">
+                    <a:lumMod val="65000"/>
+                  </a:schemeClr>
+                </a:solidFill>
+              </a:defRPr>
+            </a:lvl1pPr>
+          </a:lstStyle>
           <a:p>
             <a:fld id="{EFD757F5-6465-4659-82BC-23C20D798604}" type="slidenum">
               <a:rPr lang="en-GB" smtClean="0"/>
@@ -317,15 +3001,53 @@
           </a:p>
         </p:txBody>
       </p:sp>
+      <p:sp>
+        <p:nvSpPr>
+          <p:cNvPr id="7" name="Rectangle 6"/>
+          <p:cNvSpPr/>
+          <p:nvPr/>
+        </p:nvSpPr>
+        <p:spPr>
+          <a:xfrm>
+            <a:off x="0" y="0"/>
+            <a:ext cx="457200" cy="6858000"/>
+          </a:xfrm>
+          <a:prstGeom prst="rect">
+            <a:avLst/>
+          </a:prstGeom>
+          <a:solidFill>
+            <a:schemeClr val="accent1"/>
+          </a:solidFill>
+          <a:ln>
+            <a:noFill/>
+          </a:ln>
+        </p:spPr>
+        <p:style>
+          <a:lnRef idx="2">
+            <a:schemeClr val="accent1">
+              <a:shade val="50000"/>
+            </a:schemeClr>
+          </a:lnRef>
+          <a:fillRef idx="1">
+            <a:schemeClr val="accent1"/>
+          </a:fillRef>
+          <a:effectRef idx="0">
+            <a:schemeClr val="accent1"/>
+          </a:effectRef>
+          <a:fontRef idx="minor">
+            <a:schemeClr val="lt1"/>
+          </a:fontRef>
+        </p:style>
+      </p:sp>
     </p:spTree>
     <p:extLst>
       <p:ext uri="{BB962C8B-B14F-4D97-AF65-F5344CB8AC3E}">
-        <p14:creationId xmlns:p14="http://schemas.microsoft.com/office/powerpoint/2010/main" val="380066894"/>
+        <p14:creationId xmlns:p14="http://schemas.microsoft.com/office/powerpoint/2010/main" val="1550115772"/>
       </p:ext>
     </p:extLst>
   </p:cSld>
   <p:clrMapOvr>
-    <a:masterClrMapping/>
+    <a:overrideClrMapping bg1="dk1" tx1="lt1" bg2="dk2" tx2="lt2" accent1="accent1" accent2="accent2" accent3="accent3" accent4="accent4" accent5="accent5" accent6="accent6" hlink="hlink" folHlink="folHlink"/>
   </p:clrMapOvr>
 </p:sldLayout>
 </file>
@@ -349,13 +3071,7 @@
       </p:grpSpPr>
       <p:sp>
         <p:nvSpPr>
-          <p:cNvPr id="2" name="Title 1">
-            <a:extLst>
-              <a:ext uri="{FF2B5EF4-FFF2-40B4-BE49-F238E27FC236}">
-                <a16:creationId xmlns:a16="http://schemas.microsoft.com/office/drawing/2014/main" id="{E3EE1AD9-414D-4F17-B3BB-9FC05CE5D03B}"/>
-              </a:ext>
-            </a:extLst>
-          </p:cNvPr>
+          <p:cNvPr id="2" name="Title 1"/>
           <p:cNvSpPr>
             <a:spLocks noGrp="1"/>
           </p:cNvSpPr>
@@ -372,19 +3088,13 @@
               <a:rPr lang="en-US"/>
               <a:t>Click to edit Master title style</a:t>
             </a:r>
-            <a:endParaRPr lang="en-GB"/>
-          </a:p>
-        </p:txBody>
-      </p:sp>
-      <p:sp>
-        <p:nvSpPr>
-          <p:cNvPr id="3" name="Vertical Text Placeholder 2">
-            <a:extLst>
-              <a:ext uri="{FF2B5EF4-FFF2-40B4-BE49-F238E27FC236}">
-                <a16:creationId xmlns:a16="http://schemas.microsoft.com/office/drawing/2014/main" id="{53F1CCDE-C792-4673-91D3-A3A20FE7E7F3}"/>
-              </a:ext>
-            </a:extLst>
-          </p:cNvPr>
+            <a:endParaRPr lang="en-US" dirty="0"/>
+          </a:p>
+        </p:txBody>
+      </p:sp>
+      <p:sp>
+        <p:nvSpPr>
+          <p:cNvPr id="3" name="Vertical Text Placeholder 2"/>
           <p:cNvSpPr>
             <a:spLocks noGrp="1"/>
           </p:cNvSpPr>
@@ -430,19 +3140,13 @@
               <a:rPr lang="en-US"/>
               <a:t>Fifth level</a:t>
             </a:r>
-            <a:endParaRPr lang="en-GB"/>
-          </a:p>
-        </p:txBody>
-      </p:sp>
-      <p:sp>
-        <p:nvSpPr>
-          <p:cNvPr id="4" name="Date Placeholder 3">
-            <a:extLst>
-              <a:ext uri="{FF2B5EF4-FFF2-40B4-BE49-F238E27FC236}">
-                <a16:creationId xmlns:a16="http://schemas.microsoft.com/office/drawing/2014/main" id="{D75657C5-0955-4802-8227-5D84F38C658D}"/>
-              </a:ext>
-            </a:extLst>
-          </p:cNvPr>
+            <a:endParaRPr lang="en-US" dirty="0"/>
+          </a:p>
+        </p:txBody>
+      </p:sp>
+      <p:sp>
+        <p:nvSpPr>
+          <p:cNvPr id="4" name="Date Placeholder 3"/>
           <p:cNvSpPr>
             <a:spLocks noGrp="1"/>
           </p:cNvSpPr>
@@ -457,7 +3161,7 @@
           <a:p>
             <a:fld id="{1276D614-1471-4C57-B1DC-422565A247D7}" type="datetimeFigureOut">
               <a:rPr lang="en-GB" smtClean="0"/>
-              <a:t>28/11/2021</a:t>
+              <a:t>29/11/2021</a:t>
             </a:fld>
             <a:endParaRPr lang="en-GB"/>
           </a:p>
@@ -465,13 +3169,7 @@
       </p:sp>
       <p:sp>
         <p:nvSpPr>
-          <p:cNvPr id="5" name="Footer Placeholder 4">
-            <a:extLst>
-              <a:ext uri="{FF2B5EF4-FFF2-40B4-BE49-F238E27FC236}">
-                <a16:creationId xmlns:a16="http://schemas.microsoft.com/office/drawing/2014/main" id="{A668D513-5986-4359-A2C1-57E7E9E2B774}"/>
-              </a:ext>
-            </a:extLst>
-          </p:cNvPr>
+          <p:cNvPr id="5" name="Footer Placeholder 4"/>
           <p:cNvSpPr>
             <a:spLocks noGrp="1"/>
           </p:cNvSpPr>
@@ -490,13 +3188,7 @@
       </p:sp>
       <p:sp>
         <p:nvSpPr>
-          <p:cNvPr id="6" name="Slide Number Placeholder 5">
-            <a:extLst>
-              <a:ext uri="{FF2B5EF4-FFF2-40B4-BE49-F238E27FC236}">
-                <a16:creationId xmlns:a16="http://schemas.microsoft.com/office/drawing/2014/main" id="{DAFBA7A7-CED3-4513-B32F-9E28C4D8AEE0}"/>
-              </a:ext>
-            </a:extLst>
-          </p:cNvPr>
+          <p:cNvPr id="6" name="Slide Number Placeholder 5"/>
           <p:cNvSpPr>
             <a:spLocks noGrp="1"/>
           </p:cNvSpPr>
@@ -520,7 +3212,7 @@
     </p:spTree>
     <p:extLst>
       <p:ext uri="{BB962C8B-B14F-4D97-AF65-F5344CB8AC3E}">
-        <p14:creationId xmlns:p14="http://schemas.microsoft.com/office/powerpoint/2010/main" val="1979277589"/>
+        <p14:creationId xmlns:p14="http://schemas.microsoft.com/office/powerpoint/2010/main" val="3961931895"/>
       </p:ext>
     </p:extLst>
   </p:cSld>
@@ -549,13 +3241,7 @@
       </p:grpSpPr>
       <p:sp>
         <p:nvSpPr>
-          <p:cNvPr id="2" name="Vertical Title 1">
-            <a:extLst>
-              <a:ext uri="{FF2B5EF4-FFF2-40B4-BE49-F238E27FC236}">
-                <a16:creationId xmlns:a16="http://schemas.microsoft.com/office/drawing/2014/main" id="{3BF337E0-5622-4484-A449-93FECA57CCE4}"/>
-              </a:ext>
-            </a:extLst>
-          </p:cNvPr>
+          <p:cNvPr id="2" name="Vertical Title 1"/>
           <p:cNvSpPr>
             <a:spLocks noGrp="1"/>
           </p:cNvSpPr>
@@ -565,8 +3251,8 @@
         </p:nvSpPr>
         <p:spPr>
           <a:xfrm>
-            <a:off x="8724900" y="365125"/>
-            <a:ext cx="2628900" cy="5811838"/>
+            <a:off x="8648700" y="381000"/>
+            <a:ext cx="2476500" cy="5897562"/>
           </a:xfrm>
         </p:spPr>
         <p:txBody>
@@ -577,19 +3263,13 @@
               <a:rPr lang="en-US"/>
               <a:t>Click to edit Master title style</a:t>
             </a:r>
-            <a:endParaRPr lang="en-GB"/>
-          </a:p>
-        </p:txBody>
-      </p:sp>
-      <p:sp>
-        <p:nvSpPr>
-          <p:cNvPr id="3" name="Vertical Text Placeholder 2">
-            <a:extLst>
-              <a:ext uri="{FF2B5EF4-FFF2-40B4-BE49-F238E27FC236}">
-                <a16:creationId xmlns:a16="http://schemas.microsoft.com/office/drawing/2014/main" id="{B4F1B86C-5570-4034-8667-982ECF0D62E4}"/>
-              </a:ext>
-            </a:extLst>
-          </p:cNvPr>
+            <a:endParaRPr lang="en-US" dirty="0"/>
+          </a:p>
+        </p:txBody>
+      </p:sp>
+      <p:sp>
+        <p:nvSpPr>
+          <p:cNvPr id="3" name="Vertical Text Placeholder 2"/>
           <p:cNvSpPr>
             <a:spLocks noGrp="1"/>
           </p:cNvSpPr>
@@ -599,8 +3279,8 @@
         </p:nvSpPr>
         <p:spPr>
           <a:xfrm>
-            <a:off x="838200" y="365125"/>
-            <a:ext cx="7734300" cy="5811838"/>
+            <a:off x="762000" y="381000"/>
+            <a:ext cx="7734300" cy="5897562"/>
           </a:xfrm>
         </p:spPr>
         <p:txBody>
@@ -640,19 +3320,13 @@
               <a:rPr lang="en-US"/>
               <a:t>Fifth level</a:t>
             </a:r>
-            <a:endParaRPr lang="en-GB"/>
-          </a:p>
-        </p:txBody>
-      </p:sp>
-      <p:sp>
-        <p:nvSpPr>
-          <p:cNvPr id="4" name="Date Placeholder 3">
-            <a:extLst>
-              <a:ext uri="{FF2B5EF4-FFF2-40B4-BE49-F238E27FC236}">
-                <a16:creationId xmlns:a16="http://schemas.microsoft.com/office/drawing/2014/main" id="{5B718ED9-A70B-4BF8-9F64-AF05E9A163A3}"/>
-              </a:ext>
-            </a:extLst>
-          </p:cNvPr>
+            <a:endParaRPr lang="en-US" dirty="0"/>
+          </a:p>
+        </p:txBody>
+      </p:sp>
+      <p:sp>
+        <p:nvSpPr>
+          <p:cNvPr id="4" name="Date Placeholder 3"/>
           <p:cNvSpPr>
             <a:spLocks noGrp="1"/>
           </p:cNvSpPr>
@@ -667,7 +3341,7 @@
           <a:p>
             <a:fld id="{1276D614-1471-4C57-B1DC-422565A247D7}" type="datetimeFigureOut">
               <a:rPr lang="en-GB" smtClean="0"/>
-              <a:t>28/11/2021</a:t>
+              <a:t>29/11/2021</a:t>
             </a:fld>
             <a:endParaRPr lang="en-GB"/>
           </a:p>
@@ -675,13 +3349,7 @@
       </p:sp>
       <p:sp>
         <p:nvSpPr>
-          <p:cNvPr id="5" name="Footer Placeholder 4">
-            <a:extLst>
-              <a:ext uri="{FF2B5EF4-FFF2-40B4-BE49-F238E27FC236}">
-                <a16:creationId xmlns:a16="http://schemas.microsoft.com/office/drawing/2014/main" id="{0B27F25D-F7BD-4B30-9CB6-37E46770C3BB}"/>
-              </a:ext>
-            </a:extLst>
-          </p:cNvPr>
+          <p:cNvPr id="5" name="Footer Placeholder 4"/>
           <p:cNvSpPr>
             <a:spLocks noGrp="1"/>
           </p:cNvSpPr>
@@ -700,13 +3368,7 @@
       </p:sp>
       <p:sp>
         <p:nvSpPr>
-          <p:cNvPr id="6" name="Slide Number Placeholder 5">
-            <a:extLst>
-              <a:ext uri="{FF2B5EF4-FFF2-40B4-BE49-F238E27FC236}">
-                <a16:creationId xmlns:a16="http://schemas.microsoft.com/office/drawing/2014/main" id="{9D1543B8-D0D8-48C6-BBAD-6010E03EB028}"/>
-              </a:ext>
-            </a:extLst>
-          </p:cNvPr>
+          <p:cNvPr id="6" name="Slide Number Placeholder 5"/>
           <p:cNvSpPr>
             <a:spLocks noGrp="1"/>
           </p:cNvSpPr>
@@ -730,7 +3392,7 @@
     </p:spTree>
     <p:extLst>
       <p:ext uri="{BB962C8B-B14F-4D97-AF65-F5344CB8AC3E}">
-        <p14:creationId xmlns:p14="http://schemas.microsoft.com/office/powerpoint/2010/main" val="3002840351"/>
+        <p14:creationId xmlns:p14="http://schemas.microsoft.com/office/powerpoint/2010/main" val="1143192824"/>
       </p:ext>
     </p:extLst>
   </p:cSld>
@@ -759,13 +3421,7 @@
       </p:grpSpPr>
       <p:sp>
         <p:nvSpPr>
-          <p:cNvPr id="2" name="Title 1">
-            <a:extLst>
-              <a:ext uri="{FF2B5EF4-FFF2-40B4-BE49-F238E27FC236}">
-                <a16:creationId xmlns:a16="http://schemas.microsoft.com/office/drawing/2014/main" id="{C1033377-642B-491B-AA2D-F0E3C81B5C8C}"/>
-              </a:ext>
-            </a:extLst>
-          </p:cNvPr>
+          <p:cNvPr id="2" name="Title 1"/>
           <p:cNvSpPr>
             <a:spLocks noGrp="1"/>
           </p:cNvSpPr>
@@ -782,19 +3438,13 @@
               <a:rPr lang="en-US"/>
               <a:t>Click to edit Master title style</a:t>
             </a:r>
-            <a:endParaRPr lang="en-GB"/>
-          </a:p>
-        </p:txBody>
-      </p:sp>
-      <p:sp>
-        <p:nvSpPr>
-          <p:cNvPr id="3" name="Content Placeholder 2">
-            <a:extLst>
-              <a:ext uri="{FF2B5EF4-FFF2-40B4-BE49-F238E27FC236}">
-                <a16:creationId xmlns:a16="http://schemas.microsoft.com/office/drawing/2014/main" id="{E3B31728-34D7-4F7A-AFF7-0B3B3B713E07}"/>
-              </a:ext>
-            </a:extLst>
-          </p:cNvPr>
+            <a:endParaRPr lang="en-US" dirty="0"/>
+          </a:p>
+        </p:txBody>
+      </p:sp>
+      <p:sp>
+        <p:nvSpPr>
+          <p:cNvPr id="3" name="Content Placeholder 2"/>
           <p:cNvSpPr>
             <a:spLocks noGrp="1"/>
           </p:cNvSpPr>
@@ -840,19 +3490,13 @@
               <a:rPr lang="en-US"/>
               <a:t>Fifth level</a:t>
             </a:r>
-            <a:endParaRPr lang="en-GB"/>
-          </a:p>
-        </p:txBody>
-      </p:sp>
-      <p:sp>
-        <p:nvSpPr>
-          <p:cNvPr id="4" name="Date Placeholder 3">
-            <a:extLst>
-              <a:ext uri="{FF2B5EF4-FFF2-40B4-BE49-F238E27FC236}">
-                <a16:creationId xmlns:a16="http://schemas.microsoft.com/office/drawing/2014/main" id="{E16244D8-09DB-412C-A428-D8B5908A801D}"/>
-              </a:ext>
-            </a:extLst>
-          </p:cNvPr>
+            <a:endParaRPr lang="en-US" dirty="0"/>
+          </a:p>
+        </p:txBody>
+      </p:sp>
+      <p:sp>
+        <p:nvSpPr>
+          <p:cNvPr id="4" name="Date Placeholder 3"/>
           <p:cNvSpPr>
             <a:spLocks noGrp="1"/>
           </p:cNvSpPr>
@@ -867,7 +3511,7 @@
           <a:p>
             <a:fld id="{1276D614-1471-4C57-B1DC-422565A247D7}" type="datetimeFigureOut">
               <a:rPr lang="en-GB" smtClean="0"/>
-              <a:t>28/11/2021</a:t>
+              <a:t>29/11/2021</a:t>
             </a:fld>
             <a:endParaRPr lang="en-GB"/>
           </a:p>
@@ -875,13 +3519,7 @@
       </p:sp>
       <p:sp>
         <p:nvSpPr>
-          <p:cNvPr id="5" name="Footer Placeholder 4">
-            <a:extLst>
-              <a:ext uri="{FF2B5EF4-FFF2-40B4-BE49-F238E27FC236}">
-                <a16:creationId xmlns:a16="http://schemas.microsoft.com/office/drawing/2014/main" id="{D1F3CE37-C231-42A5-B9EA-7E64E65EC452}"/>
-              </a:ext>
-            </a:extLst>
-          </p:cNvPr>
+          <p:cNvPr id="5" name="Footer Placeholder 4"/>
           <p:cNvSpPr>
             <a:spLocks noGrp="1"/>
           </p:cNvSpPr>
@@ -900,13 +3538,7 @@
       </p:sp>
       <p:sp>
         <p:nvSpPr>
-          <p:cNvPr id="6" name="Slide Number Placeholder 5">
-            <a:extLst>
-              <a:ext uri="{FF2B5EF4-FFF2-40B4-BE49-F238E27FC236}">
-                <a16:creationId xmlns:a16="http://schemas.microsoft.com/office/drawing/2014/main" id="{3C2408C6-231D-4F41-A505-DF1BF781C405}"/>
-              </a:ext>
-            </a:extLst>
-          </p:cNvPr>
+          <p:cNvPr id="6" name="Slide Number Placeholder 5"/>
           <p:cNvSpPr>
             <a:spLocks noGrp="1"/>
           </p:cNvSpPr>
@@ -930,7 +3562,7 @@
     </p:spTree>
     <p:extLst>
       <p:ext uri="{BB962C8B-B14F-4D97-AF65-F5344CB8AC3E}">
-        <p14:creationId xmlns:p14="http://schemas.microsoft.com/office/powerpoint/2010/main" val="685238297"/>
+        <p14:creationId xmlns:p14="http://schemas.microsoft.com/office/powerpoint/2010/main" val="2235919672"/>
       </p:ext>
     </p:extLst>
   </p:cSld>
@@ -959,13 +3591,7 @@
       </p:grpSpPr>
       <p:sp>
         <p:nvSpPr>
-          <p:cNvPr id="2" name="Title 1">
-            <a:extLst>
-              <a:ext uri="{FF2B5EF4-FFF2-40B4-BE49-F238E27FC236}">
-                <a16:creationId xmlns:a16="http://schemas.microsoft.com/office/drawing/2014/main" id="{E5DB7244-D7B2-4D48-999C-4BE2F2B31E0B}"/>
-              </a:ext>
-            </a:extLst>
-          </p:cNvPr>
+          <p:cNvPr id="2" name="Title 1"/>
           <p:cNvSpPr>
             <a:spLocks noGrp="1"/>
           </p:cNvSpPr>
@@ -975,15 +3601,20 @@
         </p:nvSpPr>
         <p:spPr>
           <a:xfrm>
-            <a:off x="831850" y="1709738"/>
-            <a:ext cx="10515600" cy="2852737"/>
+            <a:off x="1261872" y="758952"/>
+            <a:ext cx="9418320" cy="4041648"/>
           </a:xfrm>
         </p:spPr>
         <p:txBody>
-          <a:bodyPr anchor="b"/>
+          <a:bodyPr anchor="b">
+            <a:normAutofit/>
+          </a:bodyPr>
           <a:lstStyle>
             <a:lvl1pPr>
-              <a:defRPr sz="6000"/>
+              <a:lnSpc>
+                <a:spcPct val="85000"/>
+              </a:lnSpc>
+              <a:defRPr sz="7200" b="0"/>
             </a:lvl1pPr>
           </a:lstStyle>
           <a:p>
@@ -991,19 +3622,13 @@
               <a:rPr lang="en-US"/>
               <a:t>Click to edit Master title style</a:t>
             </a:r>
-            <a:endParaRPr lang="en-GB"/>
-          </a:p>
-        </p:txBody>
-      </p:sp>
-      <p:sp>
-        <p:nvSpPr>
-          <p:cNvPr id="3" name="Text Placeholder 2">
-            <a:extLst>
-              <a:ext uri="{FF2B5EF4-FFF2-40B4-BE49-F238E27FC236}">
-                <a16:creationId xmlns:a16="http://schemas.microsoft.com/office/drawing/2014/main" id="{47D27359-B810-4F9F-8672-9E39B0BC0066}"/>
-              </a:ext>
-            </a:extLst>
-          </p:cNvPr>
+            <a:endParaRPr lang="en-US" dirty="0"/>
+          </a:p>
+        </p:txBody>
+      </p:sp>
+      <p:sp>
+        <p:nvSpPr>
+          <p:cNvPr id="3" name="Text Placeholder 2"/>
           <p:cNvSpPr>
             <a:spLocks noGrp="1"/>
           </p:cNvSpPr>
@@ -1013,26 +3638,29 @@
         </p:nvSpPr>
         <p:spPr>
           <a:xfrm>
-            <a:off x="831850" y="4589463"/>
-            <a:ext cx="10515600" cy="1500187"/>
+            <a:off x="1261872" y="4800600"/>
+            <a:ext cx="9418320" cy="1691640"/>
           </a:xfrm>
         </p:spPr>
         <p:txBody>
-          <a:bodyPr/>
+          <a:bodyPr anchor="t">
+            <a:normAutofit/>
+          </a:bodyPr>
           <a:lstStyle>
             <a:lvl1pPr marL="0" indent="0">
               <a:buNone/>
-              <a:defRPr sz="2400">
+              <a:defRPr sz="2200">
                 <a:solidFill>
                   <a:schemeClr val="tx1">
-                    <a:tint val="75000"/>
+                    <a:lumMod val="65000"/>
+                    <a:lumOff val="35000"/>
                   </a:schemeClr>
                 </a:solidFill>
               </a:defRPr>
             </a:lvl1pPr>
             <a:lvl2pPr marL="457200" indent="0">
               <a:buNone/>
-              <a:defRPr sz="2000">
+              <a:defRPr sz="1800">
                 <a:solidFill>
                   <a:schemeClr val="tx1">
                     <a:tint val="75000"/>
@@ -1042,7 +3670,7 @@
             </a:lvl2pPr>
             <a:lvl3pPr marL="914400" indent="0">
               <a:buNone/>
-              <a:defRPr sz="1800">
+              <a:defRPr sz="1600">
                 <a:solidFill>
                   <a:schemeClr val="tx1">
                     <a:tint val="75000"/>
@@ -1052,7 +3680,7 @@
             </a:lvl3pPr>
             <a:lvl4pPr marL="1371600" indent="0">
               <a:buNone/>
-              <a:defRPr sz="1600">
+              <a:defRPr sz="1400">
                 <a:solidFill>
                   <a:schemeClr val="tx1">
                     <a:tint val="75000"/>
@@ -1062,7 +3690,7 @@
             </a:lvl4pPr>
             <a:lvl5pPr marL="1828800" indent="0">
               <a:buNone/>
-              <a:defRPr sz="1600">
+              <a:defRPr sz="1400">
                 <a:solidFill>
                   <a:schemeClr val="tx1">
                     <a:tint val="75000"/>
@@ -1072,7 +3700,7 @@
             </a:lvl5pPr>
             <a:lvl6pPr marL="2286000" indent="0">
               <a:buNone/>
-              <a:defRPr sz="1600">
+              <a:defRPr sz="1400">
                 <a:solidFill>
                   <a:schemeClr val="tx1">
                     <a:tint val="75000"/>
@@ -1082,7 +3710,7 @@
             </a:lvl6pPr>
             <a:lvl7pPr marL="2743200" indent="0">
               <a:buNone/>
-              <a:defRPr sz="1600">
+              <a:defRPr sz="1400">
                 <a:solidFill>
                   <a:schemeClr val="tx1">
                     <a:tint val="75000"/>
@@ -1092,7 +3720,7 @@
             </a:lvl7pPr>
             <a:lvl8pPr marL="3200400" indent="0">
               <a:buNone/>
-              <a:defRPr sz="1600">
+              <a:defRPr sz="1400">
                 <a:solidFill>
                   <a:schemeClr val="tx1">
                     <a:tint val="75000"/>
@@ -1102,7 +3730,7 @@
             </a:lvl8pPr>
             <a:lvl9pPr marL="3657600" indent="0">
               <a:buNone/>
-              <a:defRPr sz="1600">
+              <a:defRPr sz="1400">
                 <a:solidFill>
                   <a:schemeClr val="tx1">
                     <a:tint val="75000"/>
@@ -1122,13 +3750,7 @@
       </p:sp>
       <p:sp>
         <p:nvSpPr>
-          <p:cNvPr id="4" name="Date Placeholder 3">
-            <a:extLst>
-              <a:ext uri="{FF2B5EF4-FFF2-40B4-BE49-F238E27FC236}">
-                <a16:creationId xmlns:a16="http://schemas.microsoft.com/office/drawing/2014/main" id="{BD86B558-41EE-45E9-90E7-64B9D26E383B}"/>
-              </a:ext>
-            </a:extLst>
-          </p:cNvPr>
+          <p:cNvPr id="4" name="Date Placeholder 3"/>
           <p:cNvSpPr>
             <a:spLocks noGrp="1"/>
           </p:cNvSpPr>
@@ -1143,7 +3765,7 @@
           <a:p>
             <a:fld id="{1276D614-1471-4C57-B1DC-422565A247D7}" type="datetimeFigureOut">
               <a:rPr lang="en-GB" smtClean="0"/>
-              <a:t>28/11/2021</a:t>
+              <a:t>29/11/2021</a:t>
             </a:fld>
             <a:endParaRPr lang="en-GB"/>
           </a:p>
@@ -1151,13 +3773,7 @@
       </p:sp>
       <p:sp>
         <p:nvSpPr>
-          <p:cNvPr id="5" name="Footer Placeholder 4">
-            <a:extLst>
-              <a:ext uri="{FF2B5EF4-FFF2-40B4-BE49-F238E27FC236}">
-                <a16:creationId xmlns:a16="http://schemas.microsoft.com/office/drawing/2014/main" id="{04A48F42-4B39-437F-9722-AB783DB31499}"/>
-              </a:ext>
-            </a:extLst>
-          </p:cNvPr>
+          <p:cNvPr id="5" name="Footer Placeholder 4"/>
           <p:cNvSpPr>
             <a:spLocks noGrp="1"/>
           </p:cNvSpPr>
@@ -1176,13 +3792,7 @@
       </p:sp>
       <p:sp>
         <p:nvSpPr>
-          <p:cNvPr id="6" name="Slide Number Placeholder 5">
-            <a:extLst>
-              <a:ext uri="{FF2B5EF4-FFF2-40B4-BE49-F238E27FC236}">
-                <a16:creationId xmlns:a16="http://schemas.microsoft.com/office/drawing/2014/main" id="{1DED22D4-D736-4013-998E-82E54351C1B1}"/>
-              </a:ext>
-            </a:extLst>
-          </p:cNvPr>
+          <p:cNvPr id="6" name="Slide Number Placeholder 5"/>
           <p:cNvSpPr>
             <a:spLocks noGrp="1"/>
           </p:cNvSpPr>
@@ -1203,10 +3813,48 @@
           </a:p>
         </p:txBody>
       </p:sp>
+      <p:sp>
+        <p:nvSpPr>
+          <p:cNvPr id="7" name="Rectangle 6"/>
+          <p:cNvSpPr/>
+          <p:nvPr/>
+        </p:nvSpPr>
+        <p:spPr>
+          <a:xfrm>
+            <a:off x="0" y="0"/>
+            <a:ext cx="457200" cy="6858000"/>
+          </a:xfrm>
+          <a:prstGeom prst="rect">
+            <a:avLst/>
+          </a:prstGeom>
+          <a:solidFill>
+            <a:schemeClr val="accent1"/>
+          </a:solidFill>
+          <a:ln>
+            <a:noFill/>
+          </a:ln>
+        </p:spPr>
+        <p:style>
+          <a:lnRef idx="2">
+            <a:schemeClr val="accent1">
+              <a:shade val="50000"/>
+            </a:schemeClr>
+          </a:lnRef>
+          <a:fillRef idx="1">
+            <a:schemeClr val="accent1"/>
+          </a:fillRef>
+          <a:effectRef idx="0">
+            <a:schemeClr val="accent1"/>
+          </a:effectRef>
+          <a:fontRef idx="minor">
+            <a:schemeClr val="lt1"/>
+          </a:fontRef>
+        </p:style>
+      </p:sp>
     </p:spTree>
     <p:extLst>
       <p:ext uri="{BB962C8B-B14F-4D97-AF65-F5344CB8AC3E}">
-        <p14:creationId xmlns:p14="http://schemas.microsoft.com/office/powerpoint/2010/main" val="55698407"/>
+        <p14:creationId xmlns:p14="http://schemas.microsoft.com/office/powerpoint/2010/main" val="1191117977"/>
       </p:ext>
     </p:extLst>
   </p:cSld>
@@ -1235,13 +3883,7 @@
       </p:grpSpPr>
       <p:sp>
         <p:nvSpPr>
-          <p:cNvPr id="2" name="Title 1">
-            <a:extLst>
-              <a:ext uri="{FF2B5EF4-FFF2-40B4-BE49-F238E27FC236}">
-                <a16:creationId xmlns:a16="http://schemas.microsoft.com/office/drawing/2014/main" id="{B2E25A36-E0CB-42A0-97EA-AB49DCCD6C75}"/>
-              </a:ext>
-            </a:extLst>
-          </p:cNvPr>
+          <p:cNvPr id="2" name="Title 1"/>
           <p:cNvSpPr>
             <a:spLocks noGrp="1"/>
           </p:cNvSpPr>
@@ -1258,19 +3900,13 @@
               <a:rPr lang="en-US"/>
               <a:t>Click to edit Master title style</a:t>
             </a:r>
-            <a:endParaRPr lang="en-GB"/>
-          </a:p>
-        </p:txBody>
-      </p:sp>
-      <p:sp>
-        <p:nvSpPr>
-          <p:cNvPr id="3" name="Content Placeholder 2">
-            <a:extLst>
-              <a:ext uri="{FF2B5EF4-FFF2-40B4-BE49-F238E27FC236}">
-                <a16:creationId xmlns:a16="http://schemas.microsoft.com/office/drawing/2014/main" id="{FAF78F66-AEA8-4F78-A6B6-D7040E5ED84D}"/>
-              </a:ext>
-            </a:extLst>
-          </p:cNvPr>
+            <a:endParaRPr lang="en-US" dirty="0"/>
+          </a:p>
+        </p:txBody>
+      </p:sp>
+      <p:sp>
+        <p:nvSpPr>
+          <p:cNvPr id="3" name="Content Placeholder 2"/>
           <p:cNvSpPr>
             <a:spLocks noGrp="1"/>
           </p:cNvSpPr>
@@ -1280,13 +3916,41 @@
         </p:nvSpPr>
         <p:spPr>
           <a:xfrm>
-            <a:off x="838200" y="1825625"/>
-            <a:ext cx="5181600" cy="4351338"/>
+            <a:off x="1261872" y="1828800"/>
+            <a:ext cx="4480560" cy="4351337"/>
           </a:xfrm>
         </p:spPr>
         <p:txBody>
           <a:bodyPr/>
-          <a:lstStyle/>
+          <a:lstStyle>
+            <a:lvl1pPr>
+              <a:defRPr sz="1800"/>
+            </a:lvl1pPr>
+            <a:lvl2pPr>
+              <a:defRPr sz="1600"/>
+            </a:lvl2pPr>
+            <a:lvl3pPr>
+              <a:defRPr sz="1400"/>
+            </a:lvl3pPr>
+            <a:lvl4pPr>
+              <a:defRPr sz="1400"/>
+            </a:lvl4pPr>
+            <a:lvl5pPr>
+              <a:defRPr sz="1400"/>
+            </a:lvl5pPr>
+            <a:lvl6pPr>
+              <a:defRPr sz="1400"/>
+            </a:lvl6pPr>
+            <a:lvl7pPr>
+              <a:defRPr sz="1400"/>
+            </a:lvl7pPr>
+            <a:lvl8pPr>
+              <a:defRPr sz="1400"/>
+            </a:lvl8pPr>
+            <a:lvl9pPr>
+              <a:defRPr sz="1400"/>
+            </a:lvl9pPr>
+          </a:lstStyle>
           <a:p>
             <a:pPr lvl="0"/>
             <a:r>
@@ -1321,19 +3985,13 @@
               <a:rPr lang="en-US"/>
               <a:t>Fifth level</a:t>
             </a:r>
-            <a:endParaRPr lang="en-GB"/>
-          </a:p>
-        </p:txBody>
-      </p:sp>
-      <p:sp>
-        <p:nvSpPr>
-          <p:cNvPr id="4" name="Content Placeholder 3">
-            <a:extLst>
-              <a:ext uri="{FF2B5EF4-FFF2-40B4-BE49-F238E27FC236}">
-                <a16:creationId xmlns:a16="http://schemas.microsoft.com/office/drawing/2014/main" id="{2419F5F9-B1F9-41CE-BC91-24C06B962928}"/>
-              </a:ext>
-            </a:extLst>
-          </p:cNvPr>
+            <a:endParaRPr lang="en-US" dirty="0"/>
+          </a:p>
+        </p:txBody>
+      </p:sp>
+      <p:sp>
+        <p:nvSpPr>
+          <p:cNvPr id="4" name="Content Placeholder 3"/>
           <p:cNvSpPr>
             <a:spLocks noGrp="1"/>
           </p:cNvSpPr>
@@ -1343,13 +4001,41 @@
         </p:nvSpPr>
         <p:spPr>
           <a:xfrm>
-            <a:off x="6172200" y="1825625"/>
-            <a:ext cx="5181600" cy="4351338"/>
+            <a:off x="6126480" y="1828800"/>
+            <a:ext cx="4480560" cy="4351337"/>
           </a:xfrm>
         </p:spPr>
         <p:txBody>
           <a:bodyPr/>
-          <a:lstStyle/>
+          <a:lstStyle>
+            <a:lvl1pPr>
+              <a:defRPr sz="1800"/>
+            </a:lvl1pPr>
+            <a:lvl2pPr>
+              <a:defRPr sz="1600"/>
+            </a:lvl2pPr>
+            <a:lvl3pPr>
+              <a:defRPr sz="1400"/>
+            </a:lvl3pPr>
+            <a:lvl4pPr>
+              <a:defRPr sz="1400"/>
+            </a:lvl4pPr>
+            <a:lvl5pPr>
+              <a:defRPr sz="1400"/>
+            </a:lvl5pPr>
+            <a:lvl6pPr>
+              <a:defRPr sz="1400"/>
+            </a:lvl6pPr>
+            <a:lvl7pPr>
+              <a:defRPr sz="1400"/>
+            </a:lvl7pPr>
+            <a:lvl8pPr>
+              <a:defRPr sz="1400"/>
+            </a:lvl8pPr>
+            <a:lvl9pPr>
+              <a:defRPr sz="1400"/>
+            </a:lvl9pPr>
+          </a:lstStyle>
           <a:p>
             <a:pPr lvl="0"/>
             <a:r>
@@ -1384,19 +4070,13 @@
               <a:rPr lang="en-US"/>
               <a:t>Fifth level</a:t>
             </a:r>
-            <a:endParaRPr lang="en-GB"/>
-          </a:p>
-        </p:txBody>
-      </p:sp>
-      <p:sp>
-        <p:nvSpPr>
-          <p:cNvPr id="5" name="Date Placeholder 4">
-            <a:extLst>
-              <a:ext uri="{FF2B5EF4-FFF2-40B4-BE49-F238E27FC236}">
-                <a16:creationId xmlns:a16="http://schemas.microsoft.com/office/drawing/2014/main" id="{A559B9DB-833A-411E-BD79-F5C8F55D3025}"/>
-              </a:ext>
-            </a:extLst>
-          </p:cNvPr>
+            <a:endParaRPr lang="en-US" dirty="0"/>
+          </a:p>
+        </p:txBody>
+      </p:sp>
+      <p:sp>
+        <p:nvSpPr>
+          <p:cNvPr id="5" name="Date Placeholder 4"/>
           <p:cNvSpPr>
             <a:spLocks noGrp="1"/>
           </p:cNvSpPr>
@@ -1411,7 +4091,7 @@
           <a:p>
             <a:fld id="{1276D614-1471-4C57-B1DC-422565A247D7}" type="datetimeFigureOut">
               <a:rPr lang="en-GB" smtClean="0"/>
-              <a:t>28/11/2021</a:t>
+              <a:t>29/11/2021</a:t>
             </a:fld>
             <a:endParaRPr lang="en-GB"/>
           </a:p>
@@ -1419,13 +4099,7 @@
       </p:sp>
       <p:sp>
         <p:nvSpPr>
-          <p:cNvPr id="6" name="Footer Placeholder 5">
-            <a:extLst>
-              <a:ext uri="{FF2B5EF4-FFF2-40B4-BE49-F238E27FC236}">
-                <a16:creationId xmlns:a16="http://schemas.microsoft.com/office/drawing/2014/main" id="{116B274C-34C2-4F9E-B73B-3AB26AC8B875}"/>
-              </a:ext>
-            </a:extLst>
-          </p:cNvPr>
+          <p:cNvPr id="6" name="Footer Placeholder 5"/>
           <p:cNvSpPr>
             <a:spLocks noGrp="1"/>
           </p:cNvSpPr>
@@ -1444,13 +4118,7 @@
       </p:sp>
       <p:sp>
         <p:nvSpPr>
-          <p:cNvPr id="7" name="Slide Number Placeholder 6">
-            <a:extLst>
-              <a:ext uri="{FF2B5EF4-FFF2-40B4-BE49-F238E27FC236}">
-                <a16:creationId xmlns:a16="http://schemas.microsoft.com/office/drawing/2014/main" id="{D22405BD-8901-4F6B-A7F3-DBC19B992332}"/>
-              </a:ext>
-            </a:extLst>
-          </p:cNvPr>
+          <p:cNvPr id="7" name="Slide Number Placeholder 6"/>
           <p:cNvSpPr>
             <a:spLocks noGrp="1"/>
           </p:cNvSpPr>
@@ -1474,7 +4142,7 @@
     </p:spTree>
     <p:extLst>
       <p:ext uri="{BB962C8B-B14F-4D97-AF65-F5344CB8AC3E}">
-        <p14:creationId xmlns:p14="http://schemas.microsoft.com/office/powerpoint/2010/main" val="445163288"/>
+        <p14:creationId xmlns:p14="http://schemas.microsoft.com/office/powerpoint/2010/main" val="2869564202"/>
       </p:ext>
     </p:extLst>
   </p:cSld>
@@ -1503,13 +4171,7 @@
       </p:grpSpPr>
       <p:sp>
         <p:nvSpPr>
-          <p:cNvPr id="2" name="Title 1">
-            <a:extLst>
-              <a:ext uri="{FF2B5EF4-FFF2-40B4-BE49-F238E27FC236}">
-                <a16:creationId xmlns:a16="http://schemas.microsoft.com/office/drawing/2014/main" id="{4ACAD4F2-A743-47D3-BA42-4BCED39A24CB}"/>
-              </a:ext>
-            </a:extLst>
-          </p:cNvPr>
+          <p:cNvPr id="10" name="Title 9"/>
           <p:cNvSpPr>
             <a:spLocks noGrp="1"/>
           </p:cNvSpPr>
@@ -1517,12 +4179,7 @@
             <p:ph type="title"/>
           </p:nvPr>
         </p:nvSpPr>
-        <p:spPr>
-          <a:xfrm>
-            <a:off x="839788" y="365125"/>
-            <a:ext cx="10515600" cy="1325563"/>
-          </a:xfrm>
-        </p:spPr>
+        <p:spPr/>
         <p:txBody>
           <a:bodyPr/>
           <a:lstStyle/>
@@ -1531,19 +4188,13 @@
               <a:rPr lang="en-US"/>
               <a:t>Click to edit Master title style</a:t>
             </a:r>
-            <a:endParaRPr lang="en-GB"/>
-          </a:p>
-        </p:txBody>
-      </p:sp>
-      <p:sp>
-        <p:nvSpPr>
-          <p:cNvPr id="3" name="Text Placeholder 2">
-            <a:extLst>
-              <a:ext uri="{FF2B5EF4-FFF2-40B4-BE49-F238E27FC236}">
-                <a16:creationId xmlns:a16="http://schemas.microsoft.com/office/drawing/2014/main" id="{34164552-4FEF-4030-860E-139C7EE97C97}"/>
-              </a:ext>
-            </a:extLst>
-          </p:cNvPr>
+            <a:endParaRPr lang="en-US" dirty="0"/>
+          </a:p>
+        </p:txBody>
+      </p:sp>
+      <p:sp>
+        <p:nvSpPr>
+          <p:cNvPr id="3" name="Text Placeholder 2"/>
           <p:cNvSpPr>
             <a:spLocks noGrp="1"/>
           </p:cNvSpPr>
@@ -1553,16 +4204,25 @@
         </p:nvSpPr>
         <p:spPr>
           <a:xfrm>
-            <a:off x="839788" y="1681163"/>
-            <a:ext cx="5157787" cy="823912"/>
+            <a:off x="1261872" y="1713655"/>
+            <a:ext cx="4480560" cy="731520"/>
           </a:xfrm>
         </p:spPr>
         <p:txBody>
-          <a:bodyPr anchor="b"/>
+          <a:bodyPr anchor="b">
+            <a:normAutofit/>
+          </a:bodyPr>
           <a:lstStyle>
             <a:lvl1pPr marL="0" indent="0">
+              <a:spcBef>
+                <a:spcPts val="0"/>
+              </a:spcBef>
               <a:buNone/>
-              <a:defRPr sz="2400" b="1"/>
+              <a:defRPr sz="2000" b="0">
+                <a:solidFill>
+                  <a:schemeClr val="tx2"/>
+                </a:solidFill>
+              </a:defRPr>
             </a:lvl1pPr>
             <a:lvl2pPr marL="457200" indent="0">
               <a:buNone/>
@@ -1608,13 +4268,7 @@
       </p:sp>
       <p:sp>
         <p:nvSpPr>
-          <p:cNvPr id="4" name="Content Placeholder 3">
-            <a:extLst>
-              <a:ext uri="{FF2B5EF4-FFF2-40B4-BE49-F238E27FC236}">
-                <a16:creationId xmlns:a16="http://schemas.microsoft.com/office/drawing/2014/main" id="{EE9920B3-DF6F-40C6-B066-0A0E932CD79A}"/>
-              </a:ext>
-            </a:extLst>
-          </p:cNvPr>
+          <p:cNvPr id="4" name="Content Placeholder 3"/>
           <p:cNvSpPr>
             <a:spLocks noGrp="1"/>
           </p:cNvSpPr>
@@ -1624,13 +4278,41 @@
         </p:nvSpPr>
         <p:spPr>
           <a:xfrm>
-            <a:off x="839788" y="2505075"/>
-            <a:ext cx="5157787" cy="3684588"/>
+            <a:off x="1261872" y="2507550"/>
+            <a:ext cx="4480560" cy="3664650"/>
           </a:xfrm>
         </p:spPr>
         <p:txBody>
           <a:bodyPr/>
-          <a:lstStyle/>
+          <a:lstStyle>
+            <a:lvl1pPr>
+              <a:defRPr sz="1800"/>
+            </a:lvl1pPr>
+            <a:lvl2pPr>
+              <a:defRPr sz="1600"/>
+            </a:lvl2pPr>
+            <a:lvl3pPr>
+              <a:defRPr sz="1400"/>
+            </a:lvl3pPr>
+            <a:lvl4pPr>
+              <a:defRPr sz="1400"/>
+            </a:lvl4pPr>
+            <a:lvl5pPr>
+              <a:defRPr sz="1400"/>
+            </a:lvl5pPr>
+            <a:lvl6pPr>
+              <a:defRPr sz="1400"/>
+            </a:lvl6pPr>
+            <a:lvl7pPr>
+              <a:defRPr sz="1400"/>
+            </a:lvl7pPr>
+            <a:lvl8pPr>
+              <a:defRPr sz="1400"/>
+            </a:lvl8pPr>
+            <a:lvl9pPr>
+              <a:defRPr sz="1400"/>
+            </a:lvl9pPr>
+          </a:lstStyle>
           <a:p>
             <a:pPr lvl="0"/>
             <a:r>
@@ -1665,19 +4347,13 @@
               <a:rPr lang="en-US"/>
               <a:t>Fifth level</a:t>
             </a:r>
-            <a:endParaRPr lang="en-GB"/>
-          </a:p>
-        </p:txBody>
-      </p:sp>
-      <p:sp>
-        <p:nvSpPr>
-          <p:cNvPr id="5" name="Text Placeholder 4">
-            <a:extLst>
-              <a:ext uri="{FF2B5EF4-FFF2-40B4-BE49-F238E27FC236}">
-                <a16:creationId xmlns:a16="http://schemas.microsoft.com/office/drawing/2014/main" id="{5CEEACAD-5241-498F-BFC7-4A7571D0F085}"/>
-              </a:ext>
-            </a:extLst>
-          </p:cNvPr>
+            <a:endParaRPr lang="en-US" dirty="0"/>
+          </a:p>
+        </p:txBody>
+      </p:sp>
+      <p:sp>
+        <p:nvSpPr>
+          <p:cNvPr id="5" name="Text Placeholder 4"/>
           <p:cNvSpPr>
             <a:spLocks noGrp="1"/>
           </p:cNvSpPr>
@@ -1687,16 +4363,31 @@
         </p:nvSpPr>
         <p:spPr>
           <a:xfrm>
-            <a:off x="6172200" y="1681163"/>
-            <a:ext cx="5183188" cy="823912"/>
+            <a:off x="6126480" y="1713655"/>
+            <a:ext cx="4480560" cy="731520"/>
           </a:xfrm>
         </p:spPr>
         <p:txBody>
-          <a:bodyPr anchor="b"/>
+          <a:bodyPr anchor="b">
+            <a:normAutofit/>
+          </a:bodyPr>
           <a:lstStyle>
             <a:lvl1pPr marL="0" indent="0">
+              <a:lnSpc>
+                <a:spcPct val="95000"/>
+              </a:lnSpc>
+              <a:spcBef>
+                <a:spcPts val="0"/>
+              </a:spcBef>
               <a:buNone/>
-              <a:defRPr sz="2400" b="1"/>
+              <a:defRPr lang="en-US" sz="2000" b="0" kern="1200" dirty="0">
+                <a:solidFill>
+                  <a:schemeClr val="tx2"/>
+                </a:solidFill>
+                <a:latin typeface="+mn-lt"/>
+                <a:ea typeface="+mn-ea"/>
+                <a:cs typeface="+mn-cs"/>
+              </a:defRPr>
             </a:lvl1pPr>
             <a:lvl2pPr marL="457200" indent="0">
               <a:buNone/>
@@ -1732,7 +4423,16 @@
             </a:lvl9pPr>
           </a:lstStyle>
           <a:p>
-            <a:pPr lvl="0"/>
+            <a:pPr marL="0" lvl="0" indent="0" algn="l" defTabSz="914400" rtl="0" eaLnBrk="1" latinLnBrk="0" hangingPunct="1">
+              <a:lnSpc>
+                <a:spcPct val="90000"/>
+              </a:lnSpc>
+              <a:spcBef>
+                <a:spcPts val="2000"/>
+              </a:spcBef>
+              <a:buFontTx/>
+              <a:buNone/>
+            </a:pPr>
             <a:r>
               <a:rPr lang="en-US"/>
               <a:t>Click to edit Master text styles</a:t>
@@ -1742,13 +4442,7 @@
       </p:sp>
       <p:sp>
         <p:nvSpPr>
-          <p:cNvPr id="6" name="Content Placeholder 5">
-            <a:extLst>
-              <a:ext uri="{FF2B5EF4-FFF2-40B4-BE49-F238E27FC236}">
-                <a16:creationId xmlns:a16="http://schemas.microsoft.com/office/drawing/2014/main" id="{DB591BA2-7D88-4D32-A5DE-BBB99E4C53CB}"/>
-              </a:ext>
-            </a:extLst>
-          </p:cNvPr>
+          <p:cNvPr id="6" name="Content Placeholder 5"/>
           <p:cNvSpPr>
             <a:spLocks noGrp="1"/>
           </p:cNvSpPr>
@@ -1758,13 +4452,41 @@
         </p:nvSpPr>
         <p:spPr>
           <a:xfrm>
-            <a:off x="6172200" y="2505075"/>
-            <a:ext cx="5183188" cy="3684588"/>
+            <a:off x="6126480" y="2507550"/>
+            <a:ext cx="4480560" cy="3664650"/>
           </a:xfrm>
         </p:spPr>
         <p:txBody>
           <a:bodyPr/>
-          <a:lstStyle/>
+          <a:lstStyle>
+            <a:lvl1pPr>
+              <a:defRPr sz="1800"/>
+            </a:lvl1pPr>
+            <a:lvl2pPr>
+              <a:defRPr sz="1600"/>
+            </a:lvl2pPr>
+            <a:lvl3pPr>
+              <a:defRPr sz="1400"/>
+            </a:lvl3pPr>
+            <a:lvl4pPr>
+              <a:defRPr sz="1400"/>
+            </a:lvl4pPr>
+            <a:lvl5pPr>
+              <a:defRPr sz="1400"/>
+            </a:lvl5pPr>
+            <a:lvl6pPr>
+              <a:defRPr sz="1400"/>
+            </a:lvl6pPr>
+            <a:lvl7pPr>
+              <a:defRPr sz="1400"/>
+            </a:lvl7pPr>
+            <a:lvl8pPr>
+              <a:defRPr sz="1400"/>
+            </a:lvl8pPr>
+            <a:lvl9pPr>
+              <a:defRPr sz="1400"/>
+            </a:lvl9pPr>
+          </a:lstStyle>
           <a:p>
             <a:pPr lvl="0"/>
             <a:r>
@@ -1799,19 +4521,13 @@
               <a:rPr lang="en-US"/>
               <a:t>Fifth level</a:t>
             </a:r>
-            <a:endParaRPr lang="en-GB"/>
-          </a:p>
-        </p:txBody>
-      </p:sp>
-      <p:sp>
-        <p:nvSpPr>
-          <p:cNvPr id="7" name="Date Placeholder 6">
-            <a:extLst>
-              <a:ext uri="{FF2B5EF4-FFF2-40B4-BE49-F238E27FC236}">
-                <a16:creationId xmlns:a16="http://schemas.microsoft.com/office/drawing/2014/main" id="{EDFD05B9-888A-4BDA-B856-99375C75D9FE}"/>
-              </a:ext>
-            </a:extLst>
-          </p:cNvPr>
+            <a:endParaRPr lang="en-US" dirty="0"/>
+          </a:p>
+        </p:txBody>
+      </p:sp>
+      <p:sp>
+        <p:nvSpPr>
+          <p:cNvPr id="7" name="Date Placeholder 6"/>
           <p:cNvSpPr>
             <a:spLocks noGrp="1"/>
           </p:cNvSpPr>
@@ -1826,7 +4542,7 @@
           <a:p>
             <a:fld id="{1276D614-1471-4C57-B1DC-422565A247D7}" type="datetimeFigureOut">
               <a:rPr lang="en-GB" smtClean="0"/>
-              <a:t>28/11/2021</a:t>
+              <a:t>29/11/2021</a:t>
             </a:fld>
             <a:endParaRPr lang="en-GB"/>
           </a:p>
@@ -1834,13 +4550,7 @@
       </p:sp>
       <p:sp>
         <p:nvSpPr>
-          <p:cNvPr id="8" name="Footer Placeholder 7">
-            <a:extLst>
-              <a:ext uri="{FF2B5EF4-FFF2-40B4-BE49-F238E27FC236}">
-                <a16:creationId xmlns:a16="http://schemas.microsoft.com/office/drawing/2014/main" id="{9B9BDFC4-5A9B-4989-9412-61A6968192EB}"/>
-              </a:ext>
-            </a:extLst>
-          </p:cNvPr>
+          <p:cNvPr id="8" name="Footer Placeholder 7"/>
           <p:cNvSpPr>
             <a:spLocks noGrp="1"/>
           </p:cNvSpPr>
@@ -1859,13 +4569,7 @@
       </p:sp>
       <p:sp>
         <p:nvSpPr>
-          <p:cNvPr id="9" name="Slide Number Placeholder 8">
-            <a:extLst>
-              <a:ext uri="{FF2B5EF4-FFF2-40B4-BE49-F238E27FC236}">
-                <a16:creationId xmlns:a16="http://schemas.microsoft.com/office/drawing/2014/main" id="{D7216004-06FE-4288-AEE9-0C63D99D783E}"/>
-              </a:ext>
-            </a:extLst>
-          </p:cNvPr>
+          <p:cNvPr id="9" name="Slide Number Placeholder 8"/>
           <p:cNvSpPr>
             <a:spLocks noGrp="1"/>
           </p:cNvSpPr>
@@ -1889,7 +4593,7 @@
     </p:spTree>
     <p:extLst>
       <p:ext uri="{BB962C8B-B14F-4D97-AF65-F5344CB8AC3E}">
-        <p14:creationId xmlns:p14="http://schemas.microsoft.com/office/powerpoint/2010/main" val="244706948"/>
+        <p14:creationId xmlns:p14="http://schemas.microsoft.com/office/powerpoint/2010/main" val="1254437620"/>
       </p:ext>
     </p:extLst>
   </p:cSld>
@@ -1918,13 +4622,7 @@
       </p:grpSpPr>
       <p:sp>
         <p:nvSpPr>
-          <p:cNvPr id="2" name="Title 1">
-            <a:extLst>
-              <a:ext uri="{FF2B5EF4-FFF2-40B4-BE49-F238E27FC236}">
-                <a16:creationId xmlns:a16="http://schemas.microsoft.com/office/drawing/2014/main" id="{3589F1F9-B957-4275-A35A-11757D7DD063}"/>
-              </a:ext>
-            </a:extLst>
-          </p:cNvPr>
+          <p:cNvPr id="6" name="Title 5"/>
           <p:cNvSpPr>
             <a:spLocks noGrp="1"/>
           </p:cNvSpPr>
@@ -1941,19 +4639,13 @@
               <a:rPr lang="en-US"/>
               <a:t>Click to edit Master title style</a:t>
             </a:r>
-            <a:endParaRPr lang="en-GB"/>
-          </a:p>
-        </p:txBody>
-      </p:sp>
-      <p:sp>
-        <p:nvSpPr>
-          <p:cNvPr id="3" name="Date Placeholder 2">
-            <a:extLst>
-              <a:ext uri="{FF2B5EF4-FFF2-40B4-BE49-F238E27FC236}">
-                <a16:creationId xmlns:a16="http://schemas.microsoft.com/office/drawing/2014/main" id="{3CDD9B5D-A30A-4B9E-BB3B-FE5C57BF75D9}"/>
-              </a:ext>
-            </a:extLst>
-          </p:cNvPr>
+            <a:endParaRPr lang="en-US" dirty="0"/>
+          </a:p>
+        </p:txBody>
+      </p:sp>
+      <p:sp>
+        <p:nvSpPr>
+          <p:cNvPr id="3" name="Date Placeholder 2"/>
           <p:cNvSpPr>
             <a:spLocks noGrp="1"/>
           </p:cNvSpPr>
@@ -1968,7 +4660,7 @@
           <a:p>
             <a:fld id="{1276D614-1471-4C57-B1DC-422565A247D7}" type="datetimeFigureOut">
               <a:rPr lang="en-GB" smtClean="0"/>
-              <a:t>28/11/2021</a:t>
+              <a:t>29/11/2021</a:t>
             </a:fld>
             <a:endParaRPr lang="en-GB"/>
           </a:p>
@@ -1976,13 +4668,7 @@
       </p:sp>
       <p:sp>
         <p:nvSpPr>
-          <p:cNvPr id="4" name="Footer Placeholder 3">
-            <a:extLst>
-              <a:ext uri="{FF2B5EF4-FFF2-40B4-BE49-F238E27FC236}">
-                <a16:creationId xmlns:a16="http://schemas.microsoft.com/office/drawing/2014/main" id="{030E8876-155F-4B88-8585-C6DD82619616}"/>
-              </a:ext>
-            </a:extLst>
-          </p:cNvPr>
+          <p:cNvPr id="4" name="Footer Placeholder 3"/>
           <p:cNvSpPr>
             <a:spLocks noGrp="1"/>
           </p:cNvSpPr>
@@ -2001,13 +4687,7 @@
       </p:sp>
       <p:sp>
         <p:nvSpPr>
-          <p:cNvPr id="5" name="Slide Number Placeholder 4">
-            <a:extLst>
-              <a:ext uri="{FF2B5EF4-FFF2-40B4-BE49-F238E27FC236}">
-                <a16:creationId xmlns:a16="http://schemas.microsoft.com/office/drawing/2014/main" id="{BE9D7EA5-7A33-4AB3-8E73-97E04EF6B6CC}"/>
-              </a:ext>
-            </a:extLst>
-          </p:cNvPr>
+          <p:cNvPr id="5" name="Slide Number Placeholder 4"/>
           <p:cNvSpPr>
             <a:spLocks noGrp="1"/>
           </p:cNvSpPr>
@@ -2031,7 +4711,7 @@
     </p:spTree>
     <p:extLst>
       <p:ext uri="{BB962C8B-B14F-4D97-AF65-F5344CB8AC3E}">
-        <p14:creationId xmlns:p14="http://schemas.microsoft.com/office/powerpoint/2010/main" val="1885618465"/>
+        <p14:creationId xmlns:p14="http://schemas.microsoft.com/office/powerpoint/2010/main" val="3002131311"/>
       </p:ext>
     </p:extLst>
   </p:cSld>
@@ -2060,13 +4740,7 @@
       </p:grpSpPr>
       <p:sp>
         <p:nvSpPr>
-          <p:cNvPr id="2" name="Date Placeholder 1">
-            <a:extLst>
-              <a:ext uri="{FF2B5EF4-FFF2-40B4-BE49-F238E27FC236}">
-                <a16:creationId xmlns:a16="http://schemas.microsoft.com/office/drawing/2014/main" id="{679F7E8F-C91F-4372-97A2-1A57F4EDB1F7}"/>
-              </a:ext>
-            </a:extLst>
-          </p:cNvPr>
+          <p:cNvPr id="2" name="Date Placeholder 1"/>
           <p:cNvSpPr>
             <a:spLocks noGrp="1"/>
           </p:cNvSpPr>
@@ -2081,7 +4755,7 @@
           <a:p>
             <a:fld id="{1276D614-1471-4C57-B1DC-422565A247D7}" type="datetimeFigureOut">
               <a:rPr lang="en-GB" smtClean="0"/>
-              <a:t>28/11/2021</a:t>
+              <a:t>29/11/2021</a:t>
             </a:fld>
             <a:endParaRPr lang="en-GB"/>
           </a:p>
@@ -2089,13 +4763,7 @@
       </p:sp>
       <p:sp>
         <p:nvSpPr>
-          <p:cNvPr id="3" name="Footer Placeholder 2">
-            <a:extLst>
-              <a:ext uri="{FF2B5EF4-FFF2-40B4-BE49-F238E27FC236}">
-                <a16:creationId xmlns:a16="http://schemas.microsoft.com/office/drawing/2014/main" id="{B749754F-3FA5-4B63-AB8A-81C74E151816}"/>
-              </a:ext>
-            </a:extLst>
-          </p:cNvPr>
+          <p:cNvPr id="3" name="Footer Placeholder 2"/>
           <p:cNvSpPr>
             <a:spLocks noGrp="1"/>
           </p:cNvSpPr>
@@ -2114,13 +4782,7 @@
       </p:sp>
       <p:sp>
         <p:nvSpPr>
-          <p:cNvPr id="4" name="Slide Number Placeholder 3">
-            <a:extLst>
-              <a:ext uri="{FF2B5EF4-FFF2-40B4-BE49-F238E27FC236}">
-                <a16:creationId xmlns:a16="http://schemas.microsoft.com/office/drawing/2014/main" id="{D6ED6F52-833A-4E57-AB4F-BC916C2B61E5}"/>
-              </a:ext>
-            </a:extLst>
-          </p:cNvPr>
+          <p:cNvPr id="4" name="Slide Number Placeholder 3"/>
           <p:cNvSpPr>
             <a:spLocks noGrp="1"/>
           </p:cNvSpPr>
@@ -2144,7 +4806,7 @@
     </p:spTree>
     <p:extLst>
       <p:ext uri="{BB962C8B-B14F-4D97-AF65-F5344CB8AC3E}">
-        <p14:creationId xmlns:p14="http://schemas.microsoft.com/office/powerpoint/2010/main" val="2197828612"/>
+        <p14:creationId xmlns:p14="http://schemas.microsoft.com/office/powerpoint/2010/main" val="1100897918"/>
       </p:ext>
     </p:extLst>
   </p:cSld>
@@ -2173,13 +4835,7 @@
       </p:grpSpPr>
       <p:sp>
         <p:nvSpPr>
-          <p:cNvPr id="2" name="Title 1">
-            <a:extLst>
-              <a:ext uri="{FF2B5EF4-FFF2-40B4-BE49-F238E27FC236}">
-                <a16:creationId xmlns:a16="http://schemas.microsoft.com/office/drawing/2014/main" id="{B0AF89CC-6FAA-4AA9-85B5-22DBADB1BE22}"/>
-              </a:ext>
-            </a:extLst>
-          </p:cNvPr>
+          <p:cNvPr id="2" name="Title 1"/>
           <p:cNvSpPr>
             <a:spLocks noGrp="1"/>
           </p:cNvSpPr>
@@ -2189,15 +4845,17 @@
         </p:nvSpPr>
         <p:spPr>
           <a:xfrm>
-            <a:off x="839788" y="457200"/>
-            <a:ext cx="3932237" cy="1600200"/>
+            <a:off x="841248" y="457200"/>
+            <a:ext cx="3200400" cy="1600197"/>
           </a:xfrm>
         </p:spPr>
         <p:txBody>
-          <a:bodyPr anchor="b"/>
+          <a:bodyPr anchor="b">
+            <a:normAutofit/>
+          </a:bodyPr>
           <a:lstStyle>
             <a:lvl1pPr>
-              <a:defRPr sz="3200"/>
+              <a:defRPr sz="3200" b="0" baseline="0"/>
             </a:lvl1pPr>
           </a:lstStyle>
           <a:p>
@@ -2205,19 +4863,13 @@
               <a:rPr lang="en-US"/>
               <a:t>Click to edit Master title style</a:t>
             </a:r>
-            <a:endParaRPr lang="en-GB"/>
-          </a:p>
-        </p:txBody>
-      </p:sp>
-      <p:sp>
-        <p:nvSpPr>
-          <p:cNvPr id="3" name="Content Placeholder 2">
-            <a:extLst>
-              <a:ext uri="{FF2B5EF4-FFF2-40B4-BE49-F238E27FC236}">
-                <a16:creationId xmlns:a16="http://schemas.microsoft.com/office/drawing/2014/main" id="{71FAFE73-6305-4F89-B8DF-2DE8EB76CF84}"/>
-              </a:ext>
-            </a:extLst>
-          </p:cNvPr>
+            <a:endParaRPr lang="en-US" dirty="0"/>
+          </a:p>
+        </p:txBody>
+      </p:sp>
+      <p:sp>
+        <p:nvSpPr>
+          <p:cNvPr id="3" name="Content Placeholder 2"/>
           <p:cNvSpPr>
             <a:spLocks noGrp="1"/>
           </p:cNvSpPr>
@@ -2227,39 +4879,39 @@
         </p:nvSpPr>
         <p:spPr>
           <a:xfrm>
-            <a:off x="5183188" y="987425"/>
-            <a:ext cx="6172200" cy="4873625"/>
+            <a:off x="4504267" y="685800"/>
+            <a:ext cx="6079066" cy="5486400"/>
           </a:xfrm>
         </p:spPr>
         <p:txBody>
           <a:bodyPr/>
           <a:lstStyle>
             <a:lvl1pPr>
-              <a:defRPr sz="3200"/>
+              <a:defRPr sz="2000"/>
             </a:lvl1pPr>
             <a:lvl2pPr>
-              <a:defRPr sz="2800"/>
+              <a:defRPr sz="1800"/>
             </a:lvl2pPr>
             <a:lvl3pPr>
-              <a:defRPr sz="2400"/>
+              <a:defRPr sz="1600"/>
             </a:lvl3pPr>
             <a:lvl4pPr>
-              <a:defRPr sz="2000"/>
+              <a:defRPr sz="1400"/>
             </a:lvl4pPr>
             <a:lvl5pPr>
-              <a:defRPr sz="2000"/>
+              <a:defRPr sz="1400"/>
             </a:lvl5pPr>
             <a:lvl6pPr>
-              <a:defRPr sz="2000"/>
+              <a:defRPr sz="1400"/>
             </a:lvl6pPr>
             <a:lvl7pPr>
-              <a:defRPr sz="2000"/>
+              <a:defRPr sz="1400"/>
             </a:lvl7pPr>
             <a:lvl8pPr>
-              <a:defRPr sz="2000"/>
+              <a:defRPr sz="1400"/>
             </a:lvl8pPr>
             <a:lvl9pPr>
-              <a:defRPr sz="2000"/>
+              <a:defRPr sz="1400"/>
             </a:lvl9pPr>
           </a:lstStyle>
           <a:p>
@@ -2296,19 +4948,13 @@
               <a:rPr lang="en-US"/>
               <a:t>Fifth level</a:t>
             </a:r>
-            <a:endParaRPr lang="en-GB"/>
-          </a:p>
-        </p:txBody>
-      </p:sp>
-      <p:sp>
-        <p:nvSpPr>
-          <p:cNvPr id="4" name="Text Placeholder 3">
-            <a:extLst>
-              <a:ext uri="{FF2B5EF4-FFF2-40B4-BE49-F238E27FC236}">
-                <a16:creationId xmlns:a16="http://schemas.microsoft.com/office/drawing/2014/main" id="{9E3516CC-CE13-47D6-947E-4C9408729D89}"/>
-              </a:ext>
-            </a:extLst>
-          </p:cNvPr>
+            <a:endParaRPr lang="en-US" dirty="0"/>
+          </a:p>
+        </p:txBody>
+      </p:sp>
+      <p:sp>
+        <p:nvSpPr>
+          <p:cNvPr id="4" name="Text Placeholder 3"/>
           <p:cNvSpPr>
             <a:spLocks noGrp="1"/>
           </p:cNvSpPr>
@@ -2318,48 +4964,56 @@
         </p:nvSpPr>
         <p:spPr>
           <a:xfrm>
-            <a:off x="839788" y="2057400"/>
-            <a:ext cx="3932237" cy="3811588"/>
+            <a:off x="841248" y="2099734"/>
+            <a:ext cx="3200400" cy="3810001"/>
           </a:xfrm>
         </p:spPr>
         <p:txBody>
-          <a:bodyPr/>
+          <a:bodyPr>
+            <a:normAutofit/>
+          </a:bodyPr>
           <a:lstStyle>
             <a:lvl1pPr marL="0" indent="0">
+              <a:lnSpc>
+                <a:spcPct val="114000"/>
+              </a:lnSpc>
+              <a:spcBef>
+                <a:spcPts val="800"/>
+              </a:spcBef>
               <a:buNone/>
-              <a:defRPr sz="1600"/>
+              <a:defRPr sz="1300"/>
             </a:lvl1pPr>
             <a:lvl2pPr marL="457200" indent="0">
               <a:buNone/>
-              <a:defRPr sz="1400"/>
+              <a:defRPr sz="1200"/>
             </a:lvl2pPr>
             <a:lvl3pPr marL="914400" indent="0">
               <a:buNone/>
-              <a:defRPr sz="1200"/>
+              <a:defRPr sz="1000"/>
             </a:lvl3pPr>
             <a:lvl4pPr marL="1371600" indent="0">
               <a:buNone/>
-              <a:defRPr sz="1000"/>
+              <a:defRPr sz="900"/>
             </a:lvl4pPr>
             <a:lvl5pPr marL="1828800" indent="0">
               <a:buNone/>
-              <a:defRPr sz="1000"/>
+              <a:defRPr sz="900"/>
             </a:lvl5pPr>
             <a:lvl6pPr marL="2286000" indent="0">
               <a:buNone/>
-              <a:defRPr sz="1000"/>
+              <a:defRPr sz="900"/>
             </a:lvl6pPr>
             <a:lvl7pPr marL="2743200" indent="0">
               <a:buNone/>
-              <a:defRPr sz="1000"/>
+              <a:defRPr sz="900"/>
             </a:lvl7pPr>
             <a:lvl8pPr marL="3200400" indent="0">
               <a:buNone/>
-              <a:defRPr sz="1000"/>
+              <a:defRPr sz="900"/>
             </a:lvl8pPr>
             <a:lvl9pPr marL="3657600" indent="0">
               <a:buNone/>
-              <a:defRPr sz="1000"/>
+              <a:defRPr sz="900"/>
             </a:lvl9pPr>
           </a:lstStyle>
           <a:p>
@@ -2373,13 +5027,7 @@
       </p:sp>
       <p:sp>
         <p:nvSpPr>
-          <p:cNvPr id="5" name="Date Placeholder 4">
-            <a:extLst>
-              <a:ext uri="{FF2B5EF4-FFF2-40B4-BE49-F238E27FC236}">
-                <a16:creationId xmlns:a16="http://schemas.microsoft.com/office/drawing/2014/main" id="{C3ECB766-8CB6-46B4-B1EE-DE5A7C103DA8}"/>
-              </a:ext>
-            </a:extLst>
-          </p:cNvPr>
+          <p:cNvPr id="5" name="Date Placeholder 4"/>
           <p:cNvSpPr>
             <a:spLocks noGrp="1"/>
           </p:cNvSpPr>
@@ -2394,7 +5042,7 @@
           <a:p>
             <a:fld id="{1276D614-1471-4C57-B1DC-422565A247D7}" type="datetimeFigureOut">
               <a:rPr lang="en-GB" smtClean="0"/>
-              <a:t>28/11/2021</a:t>
+              <a:t>29/11/2021</a:t>
             </a:fld>
             <a:endParaRPr lang="en-GB"/>
           </a:p>
@@ -2402,13 +5050,7 @@
       </p:sp>
       <p:sp>
         <p:nvSpPr>
-          <p:cNvPr id="6" name="Footer Placeholder 5">
-            <a:extLst>
-              <a:ext uri="{FF2B5EF4-FFF2-40B4-BE49-F238E27FC236}">
-                <a16:creationId xmlns:a16="http://schemas.microsoft.com/office/drawing/2014/main" id="{E1C74CA6-9EE4-4550-9902-7BDD40F3B712}"/>
-              </a:ext>
-            </a:extLst>
-          </p:cNvPr>
+          <p:cNvPr id="6" name="Footer Placeholder 5"/>
           <p:cNvSpPr>
             <a:spLocks noGrp="1"/>
           </p:cNvSpPr>
@@ -2427,13 +5069,7 @@
       </p:sp>
       <p:sp>
         <p:nvSpPr>
-          <p:cNvPr id="7" name="Slide Number Placeholder 6">
-            <a:extLst>
-              <a:ext uri="{FF2B5EF4-FFF2-40B4-BE49-F238E27FC236}">
-                <a16:creationId xmlns:a16="http://schemas.microsoft.com/office/drawing/2014/main" id="{35BF0BD5-46BF-4675-BF5F-8F48AC32DF57}"/>
-              </a:ext>
-            </a:extLst>
-          </p:cNvPr>
+          <p:cNvPr id="7" name="Slide Number Placeholder 6"/>
           <p:cNvSpPr>
             <a:spLocks noGrp="1"/>
           </p:cNvSpPr>
@@ -2457,7 +5093,7 @@
     </p:spTree>
     <p:extLst>
       <p:ext uri="{BB962C8B-B14F-4D97-AF65-F5344CB8AC3E}">
-        <p14:creationId xmlns:p14="http://schemas.microsoft.com/office/powerpoint/2010/main" val="3871669830"/>
+        <p14:creationId xmlns:p14="http://schemas.microsoft.com/office/powerpoint/2010/main" val="2799076547"/>
       </p:ext>
     </p:extLst>
   </p:cSld>
@@ -2486,13 +5122,45 @@
       </p:grpSpPr>
       <p:sp>
         <p:nvSpPr>
-          <p:cNvPr id="2" name="Title 1">
-            <a:extLst>
-              <a:ext uri="{FF2B5EF4-FFF2-40B4-BE49-F238E27FC236}">
-                <a16:creationId xmlns:a16="http://schemas.microsoft.com/office/drawing/2014/main" id="{9D1BE103-B02F-4479-86C8-BEC6449E8F31}"/>
-              </a:ext>
-            </a:extLst>
-          </p:cNvPr>
+          <p:cNvPr id="8" name="Rectangle 7"/>
+          <p:cNvSpPr/>
+          <p:nvPr/>
+        </p:nvSpPr>
+        <p:spPr>
+          <a:xfrm>
+            <a:off x="0" y="5105400"/>
+            <a:ext cx="11292840" cy="1752600"/>
+          </a:xfrm>
+          <a:prstGeom prst="rect">
+            <a:avLst/>
+          </a:prstGeom>
+          <a:solidFill>
+            <a:srgbClr val="000000"/>
+          </a:solidFill>
+          <a:ln>
+            <a:noFill/>
+          </a:ln>
+        </p:spPr>
+        <p:style>
+          <a:lnRef idx="2">
+            <a:schemeClr val="accent1">
+              <a:shade val="50000"/>
+            </a:schemeClr>
+          </a:lnRef>
+          <a:fillRef idx="1">
+            <a:schemeClr val="accent1"/>
+          </a:fillRef>
+          <a:effectRef idx="0">
+            <a:schemeClr val="accent1"/>
+          </a:effectRef>
+          <a:fontRef idx="minor">
+            <a:schemeClr val="lt1"/>
+          </a:fontRef>
+        </p:style>
+      </p:sp>
+      <p:sp>
+        <p:nvSpPr>
+          <p:cNvPr id="2" name="Title 1"/>
           <p:cNvSpPr>
             <a:spLocks noGrp="1"/>
           </p:cNvSpPr>
@@ -2502,15 +5170,21 @@
         </p:nvSpPr>
         <p:spPr>
           <a:xfrm>
-            <a:off x="839788" y="457200"/>
-            <a:ext cx="3932237" cy="1600200"/>
+            <a:off x="914400" y="5257800"/>
+            <a:ext cx="9982200" cy="914400"/>
           </a:xfrm>
         </p:spPr>
         <p:txBody>
-          <a:bodyPr anchor="b"/>
+          <a:bodyPr anchor="b">
+            <a:normAutofit/>
+          </a:bodyPr>
           <a:lstStyle>
             <a:lvl1pPr>
-              <a:defRPr sz="3200"/>
+              <a:defRPr sz="2800" b="0">
+                <a:solidFill>
+                  <a:schemeClr val="bg1"/>
+                </a:solidFill>
+              </a:defRPr>
             </a:lvl1pPr>
           </a:lstStyle>
           <a:p>
@@ -2518,21 +5192,15 @@
               <a:rPr lang="en-US"/>
               <a:t>Click to edit Master title style</a:t>
             </a:r>
-            <a:endParaRPr lang="en-GB"/>
-          </a:p>
-        </p:txBody>
-      </p:sp>
-      <p:sp>
-        <p:nvSpPr>
-          <p:cNvPr id="3" name="Picture Placeholder 2">
-            <a:extLst>
-              <a:ext uri="{FF2B5EF4-FFF2-40B4-BE49-F238E27FC236}">
-                <a16:creationId xmlns:a16="http://schemas.microsoft.com/office/drawing/2014/main" id="{55168624-3A5D-4323-AC52-9203FE82E088}"/>
-              </a:ext>
-            </a:extLst>
-          </p:cNvPr>
+            <a:endParaRPr lang="en-US" dirty="0"/>
+          </a:p>
+        </p:txBody>
+      </p:sp>
+      <p:sp>
+        <p:nvSpPr>
+          <p:cNvPr id="3" name="Picture Placeholder 2"/>
           <p:cNvSpPr>
-            <a:spLocks noGrp="1"/>
+            <a:spLocks noGrp="1" noChangeAspect="1"/>
           </p:cNvSpPr>
           <p:nvPr>
             <p:ph type="pic" idx="1"/>
@@ -2540,16 +5208,23 @@
         </p:nvSpPr>
         <p:spPr>
           <a:xfrm>
-            <a:off x="5183188" y="987425"/>
-            <a:ext cx="6172200" cy="4873625"/>
+            <a:off x="0" y="0"/>
+            <a:ext cx="11292840" cy="5128923"/>
           </a:xfrm>
+          <a:solidFill>
+            <a:schemeClr val="accent1"/>
+          </a:solidFill>
         </p:spPr>
         <p:txBody>
-          <a:bodyPr/>
+          <a:bodyPr anchor="t"/>
           <a:lstStyle>
             <a:lvl1pPr marL="0" indent="0">
               <a:buNone/>
-              <a:defRPr sz="3200"/>
+              <a:defRPr sz="3200">
+                <a:solidFill>
+                  <a:schemeClr val="bg1"/>
+                </a:solidFill>
+              </a:defRPr>
             </a:lvl1pPr>
             <a:lvl2pPr marL="457200" indent="0">
               <a:buNone/>
@@ -2585,19 +5260,17 @@
             </a:lvl9pPr>
           </a:lstStyle>
           <a:p>
-            <a:endParaRPr lang="en-GB"/>
-          </a:p>
-        </p:txBody>
-      </p:sp>
-      <p:sp>
-        <p:nvSpPr>
-          <p:cNvPr id="4" name="Text Placeholder 3">
-            <a:extLst>
-              <a:ext uri="{FF2B5EF4-FFF2-40B4-BE49-F238E27FC236}">
-                <a16:creationId xmlns:a16="http://schemas.microsoft.com/office/drawing/2014/main" id="{DB2B1AF6-7EA6-43F6-8672-0BA8EF5D78A4}"/>
-              </a:ext>
-            </a:extLst>
-          </p:cNvPr>
+            <a:r>
+              <a:rPr lang="en-US"/>
+              <a:t>Click icon to add picture</a:t>
+            </a:r>
+            <a:endParaRPr lang="en-US" dirty="0"/>
+          </a:p>
+        </p:txBody>
+      </p:sp>
+      <p:sp>
+        <p:nvSpPr>
+          <p:cNvPr id="4" name="Text Placeholder 3"/>
           <p:cNvSpPr>
             <a:spLocks noGrp="1"/>
           </p:cNvSpPr>
@@ -2607,48 +5280,62 @@
         </p:nvSpPr>
         <p:spPr>
           <a:xfrm>
-            <a:off x="839788" y="2057400"/>
-            <a:ext cx="3932237" cy="3811588"/>
+            <a:off x="914400" y="6108589"/>
+            <a:ext cx="9982200" cy="597011"/>
           </a:xfrm>
         </p:spPr>
         <p:txBody>
-          <a:bodyPr/>
+          <a:bodyPr>
+            <a:normAutofit/>
+          </a:bodyPr>
           <a:lstStyle>
             <a:lvl1pPr marL="0" indent="0">
+              <a:lnSpc>
+                <a:spcPct val="100000"/>
+              </a:lnSpc>
+              <a:spcBef>
+                <a:spcPts val="800"/>
+              </a:spcBef>
               <a:buNone/>
-              <a:defRPr sz="1600"/>
+              <a:defRPr sz="1300">
+                <a:solidFill>
+                  <a:schemeClr val="bg1">
+                    <a:lumMod val="85000"/>
+                  </a:schemeClr>
+                </a:solidFill>
+              </a:defRPr>
             </a:lvl1pPr>
             <a:lvl2pPr marL="457200" indent="0">
               <a:buNone/>
-              <a:defRPr sz="1400"/>
+              <a:defRPr sz="1200"/>
             </a:lvl2pPr>
             <a:lvl3pPr marL="914400" indent="0">
               <a:buNone/>
-              <a:defRPr sz="1200"/>
+              <a:defRPr sz="1000"/>
             </a:lvl3pPr>
             <a:lvl4pPr marL="1371600" indent="0">
               <a:buNone/>
-              <a:defRPr sz="1000"/>
+              <a:defRPr sz="900"/>
             </a:lvl4pPr>
             <a:lvl5pPr marL="1828800" indent="0">
               <a:buNone/>
-              <a:defRPr sz="1000"/>
+              <a:defRPr sz="900"/>
             </a:lvl5pPr>
             <a:lvl6pPr marL="2286000" indent="0">
               <a:buNone/>
-              <a:defRPr sz="1000"/>
+              <a:defRPr sz="900"/>
             </a:lvl6pPr>
             <a:lvl7pPr marL="2743200" indent="0">
               <a:buNone/>
-              <a:defRPr sz="1000"/>
+              <a:defRPr sz="900"/>
             </a:lvl7pPr>
             <a:lvl8pPr marL="3200400" indent="0">
               <a:buNone/>
-              <a:defRPr sz="1000"/>
+              <a:defRPr sz="900"/>
             </a:lvl8pPr>
             <a:lvl9pPr marL="3657600" indent="0">
               <a:buNone/>
-              <a:defRPr sz="1000"/>
+              <a:defRPr sz="900"/>
             </a:lvl9pPr>
           </a:lstStyle>
           <a:p>
@@ -2662,13 +5349,7 @@
       </p:sp>
       <p:sp>
         <p:nvSpPr>
-          <p:cNvPr id="5" name="Date Placeholder 4">
-            <a:extLst>
-              <a:ext uri="{FF2B5EF4-FFF2-40B4-BE49-F238E27FC236}">
-                <a16:creationId xmlns:a16="http://schemas.microsoft.com/office/drawing/2014/main" id="{655A64A0-3AC1-43A4-88FF-AD32199C71D5}"/>
-              </a:ext>
-            </a:extLst>
-          </p:cNvPr>
+          <p:cNvPr id="5" name="Date Placeholder 4"/>
           <p:cNvSpPr>
             <a:spLocks noGrp="1"/>
           </p:cNvSpPr>
@@ -2683,7 +5364,7 @@
           <a:p>
             <a:fld id="{1276D614-1471-4C57-B1DC-422565A247D7}" type="datetimeFigureOut">
               <a:rPr lang="en-GB" smtClean="0"/>
-              <a:t>28/11/2021</a:t>
+              <a:t>29/11/2021</a:t>
             </a:fld>
             <a:endParaRPr lang="en-GB"/>
           </a:p>
@@ -2691,13 +5372,7 @@
       </p:sp>
       <p:sp>
         <p:nvSpPr>
-          <p:cNvPr id="6" name="Footer Placeholder 5">
-            <a:extLst>
-              <a:ext uri="{FF2B5EF4-FFF2-40B4-BE49-F238E27FC236}">
-                <a16:creationId xmlns:a16="http://schemas.microsoft.com/office/drawing/2014/main" id="{33068CF9-16EA-44CF-9CD6-29DDD4777B01}"/>
-              </a:ext>
-            </a:extLst>
-          </p:cNvPr>
+          <p:cNvPr id="6" name="Footer Placeholder 5"/>
           <p:cNvSpPr>
             <a:spLocks noGrp="1"/>
           </p:cNvSpPr>
@@ -2716,13 +5391,7 @@
       </p:sp>
       <p:sp>
         <p:nvSpPr>
-          <p:cNvPr id="7" name="Slide Number Placeholder 6">
-            <a:extLst>
-              <a:ext uri="{FF2B5EF4-FFF2-40B4-BE49-F238E27FC236}">
-                <a16:creationId xmlns:a16="http://schemas.microsoft.com/office/drawing/2014/main" id="{FC9A0004-7503-4291-9C39-1DFAE1AAA3B9}"/>
-              </a:ext>
-            </a:extLst>
-          </p:cNvPr>
+          <p:cNvPr id="7" name="Slide Number Placeholder 6"/>
           <p:cNvSpPr>
             <a:spLocks noGrp="1"/>
           </p:cNvSpPr>
@@ -2746,7 +5415,7 @@
     </p:spTree>
     <p:extLst>
       <p:ext uri="{BB962C8B-B14F-4D97-AF65-F5344CB8AC3E}">
-        <p14:creationId xmlns:p14="http://schemas.microsoft.com/office/powerpoint/2010/main" val="1989721516"/>
+        <p14:creationId xmlns:p14="http://schemas.microsoft.com/office/powerpoint/2010/main" val="1000306111"/>
       </p:ext>
     </p:extLst>
   </p:cSld>
@@ -2780,13 +5449,47 @@
       </p:grpSpPr>
       <p:sp>
         <p:nvSpPr>
-          <p:cNvPr id="2" name="Title Placeholder 1">
-            <a:extLst>
-              <a:ext uri="{FF2B5EF4-FFF2-40B4-BE49-F238E27FC236}">
-                <a16:creationId xmlns:a16="http://schemas.microsoft.com/office/drawing/2014/main" id="{4BAA2C98-E123-4FB8-9722-515DEBE2EB53}"/>
-              </a:ext>
-            </a:extLst>
-          </p:cNvPr>
+          <p:cNvPr id="7" name="Rectangle 6"/>
+          <p:cNvSpPr/>
+          <p:nvPr/>
+        </p:nvSpPr>
+        <p:spPr>
+          <a:xfrm>
+            <a:off x="11292840" y="0"/>
+            <a:ext cx="914400" cy="6858000"/>
+          </a:xfrm>
+          <a:prstGeom prst="rect">
+            <a:avLst/>
+          </a:prstGeom>
+          <a:solidFill>
+            <a:schemeClr val="tx2">
+              <a:lumMod val="75000"/>
+            </a:schemeClr>
+          </a:solidFill>
+          <a:ln>
+            <a:noFill/>
+          </a:ln>
+        </p:spPr>
+        <p:style>
+          <a:lnRef idx="2">
+            <a:schemeClr val="accent1">
+              <a:shade val="50000"/>
+            </a:schemeClr>
+          </a:lnRef>
+          <a:fillRef idx="1">
+            <a:schemeClr val="accent1"/>
+          </a:fillRef>
+          <a:effectRef idx="0">
+            <a:schemeClr val="accent1"/>
+          </a:effectRef>
+          <a:fontRef idx="minor">
+            <a:schemeClr val="lt1"/>
+          </a:fontRef>
+        </p:style>
+      </p:sp>
+      <p:sp>
+        <p:nvSpPr>
+          <p:cNvPr id="2" name="Title Placeholder 1"/>
           <p:cNvSpPr>
             <a:spLocks noGrp="1"/>
           </p:cNvSpPr>
@@ -2796,15 +5499,15 @@
         </p:nvSpPr>
         <p:spPr>
           <a:xfrm>
-            <a:off x="838200" y="365125"/>
-            <a:ext cx="10515600" cy="1325563"/>
+            <a:off x="1261872" y="365760"/>
+            <a:ext cx="9692640" cy="1325562"/>
           </a:xfrm>
           <a:prstGeom prst="rect">
             <a:avLst/>
           </a:prstGeom>
         </p:spPr>
         <p:txBody>
-          <a:bodyPr vert="horz" lIns="91440" tIns="45720" rIns="91440" bIns="45720" rtlCol="0" anchor="ctr">
+          <a:bodyPr vert="horz" lIns="91440" tIns="45720" rIns="91440" bIns="45720" rtlCol="0" anchor="b">
             <a:normAutofit/>
           </a:bodyPr>
           <a:lstStyle/>
@@ -2813,19 +5516,13 @@
               <a:rPr lang="en-US"/>
               <a:t>Click to edit Master title style</a:t>
             </a:r>
-            <a:endParaRPr lang="en-GB"/>
-          </a:p>
-        </p:txBody>
-      </p:sp>
-      <p:sp>
-        <p:nvSpPr>
-          <p:cNvPr id="3" name="Text Placeholder 2">
-            <a:extLst>
-              <a:ext uri="{FF2B5EF4-FFF2-40B4-BE49-F238E27FC236}">
-                <a16:creationId xmlns:a16="http://schemas.microsoft.com/office/drawing/2014/main" id="{BE4C3C3B-5D09-4122-BBF0-3DCBE9A74F52}"/>
-              </a:ext>
-            </a:extLst>
-          </p:cNvPr>
+            <a:endParaRPr lang="en-US" dirty="0"/>
+          </a:p>
+        </p:txBody>
+      </p:sp>
+      <p:sp>
+        <p:nvSpPr>
+          <p:cNvPr id="3" name="Text Placeholder 2"/>
           <p:cNvSpPr>
             <a:spLocks noGrp="1"/>
           </p:cNvSpPr>
@@ -2835,8 +5532,8 @@
         </p:nvSpPr>
         <p:spPr>
           <a:xfrm>
-            <a:off x="838200" y="1825625"/>
-            <a:ext cx="10515600" cy="4351338"/>
+            <a:off x="1261872" y="1828800"/>
+            <a:ext cx="8595360" cy="4351337"/>
           </a:xfrm>
           <a:prstGeom prst="rect">
             <a:avLst/>
@@ -2881,19 +5578,13 @@
               <a:rPr lang="en-US"/>
               <a:t>Fifth level</a:t>
             </a:r>
-            <a:endParaRPr lang="en-GB"/>
-          </a:p>
-        </p:txBody>
-      </p:sp>
-      <p:sp>
-        <p:nvSpPr>
-          <p:cNvPr id="4" name="Date Placeholder 3">
-            <a:extLst>
-              <a:ext uri="{FF2B5EF4-FFF2-40B4-BE49-F238E27FC236}">
-                <a16:creationId xmlns:a16="http://schemas.microsoft.com/office/drawing/2014/main" id="{7E94D88F-E89E-4537-AA11-4FD03D24A9E2}"/>
-              </a:ext>
-            </a:extLst>
-          </p:cNvPr>
+            <a:endParaRPr lang="en-US" dirty="0"/>
+          </a:p>
+        </p:txBody>
+      </p:sp>
+      <p:sp>
+        <p:nvSpPr>
+          <p:cNvPr id="4" name="Date Placeholder 3"/>
           <p:cNvSpPr>
             <a:spLocks noGrp="1"/>
           </p:cNvSpPr>
@@ -2902,9 +5593,9 @@
           </p:nvPr>
         </p:nvSpPr>
         <p:spPr>
-          <a:xfrm>
-            <a:off x="838200" y="6356350"/>
-            <a:ext cx="2743200" cy="365125"/>
+          <a:xfrm rot="16200000">
+            <a:off x="10797542" y="998537"/>
+            <a:ext cx="1904999" cy="365125"/>
           </a:xfrm>
           <a:prstGeom prst="rect">
             <a:avLst/>
@@ -2913,11 +5604,12 @@
         <p:txBody>
           <a:bodyPr vert="horz" lIns="91440" tIns="45720" rIns="91440" bIns="45720" rtlCol="0" anchor="ctr"/>
           <a:lstStyle>
-            <a:lvl1pPr algn="l">
-              <a:defRPr sz="1200">
+            <a:lvl1pPr algn="r">
+              <a:defRPr sz="1050" b="0">
                 <a:solidFill>
-                  <a:schemeClr val="tx1">
-                    <a:tint val="75000"/>
+                  <a:schemeClr val="tx2">
+                    <a:lumMod val="20000"/>
+                    <a:lumOff val="80000"/>
                   </a:schemeClr>
                 </a:solidFill>
               </a:defRPr>
@@ -2926,7 +5618,7 @@
           <a:p>
             <a:fld id="{1276D614-1471-4C57-B1DC-422565A247D7}" type="datetimeFigureOut">
               <a:rPr lang="en-GB" smtClean="0"/>
-              <a:t>28/11/2021</a:t>
+              <a:t>29/11/2021</a:t>
             </a:fld>
             <a:endParaRPr lang="en-GB"/>
           </a:p>
@@ -2934,13 +5626,7 @@
       </p:sp>
       <p:sp>
         <p:nvSpPr>
-          <p:cNvPr id="5" name="Footer Placeholder 4">
-            <a:extLst>
-              <a:ext uri="{FF2B5EF4-FFF2-40B4-BE49-F238E27FC236}">
-                <a16:creationId xmlns:a16="http://schemas.microsoft.com/office/drawing/2014/main" id="{1E275671-BCAF-4881-B231-5D17BCFE3522}"/>
-              </a:ext>
-            </a:extLst>
-          </p:cNvPr>
+          <p:cNvPr id="5" name="Footer Placeholder 4"/>
           <p:cNvSpPr>
             <a:spLocks noGrp="1"/>
           </p:cNvSpPr>
@@ -2949,9 +5635,9 @@
           </p:nvPr>
         </p:nvSpPr>
         <p:spPr>
-          <a:xfrm>
-            <a:off x="4038600" y="6356350"/>
-            <a:ext cx="4114800" cy="365125"/>
+          <a:xfrm rot="16200000">
+            <a:off x="9959341" y="4046537"/>
+            <a:ext cx="3581400" cy="365125"/>
           </a:xfrm>
           <a:prstGeom prst="rect">
             <a:avLst/>
@@ -2960,11 +5646,12 @@
         <p:txBody>
           <a:bodyPr vert="horz" lIns="91440" tIns="45720" rIns="91440" bIns="45720" rtlCol="0" anchor="ctr"/>
           <a:lstStyle>
-            <a:lvl1pPr algn="ctr">
-              <a:defRPr sz="1200">
+            <a:lvl1pPr algn="l">
+              <a:defRPr sz="1050">
                 <a:solidFill>
-                  <a:schemeClr val="tx1">
-                    <a:tint val="75000"/>
+                  <a:schemeClr val="tx2">
+                    <a:lumMod val="20000"/>
+                    <a:lumOff val="80000"/>
                   </a:schemeClr>
                 </a:solidFill>
               </a:defRPr>
@@ -2977,13 +5664,7 @@
       </p:sp>
       <p:sp>
         <p:nvSpPr>
-          <p:cNvPr id="6" name="Slide Number Placeholder 5">
-            <a:extLst>
-              <a:ext uri="{FF2B5EF4-FFF2-40B4-BE49-F238E27FC236}">
-                <a16:creationId xmlns:a16="http://schemas.microsoft.com/office/drawing/2014/main" id="{E64CBFF3-489B-46F2-B42A-7468A7625C1F}"/>
-              </a:ext>
-            </a:extLst>
-          </p:cNvPr>
+          <p:cNvPr id="6" name="Slide Number Placeholder 5"/>
           <p:cNvSpPr>
             <a:spLocks noGrp="1"/>
           </p:cNvSpPr>
@@ -2993,21 +5674,24 @@
         </p:nvSpPr>
         <p:spPr>
           <a:xfrm>
-            <a:off x="8610600" y="6356350"/>
-            <a:ext cx="2743200" cy="365125"/>
+            <a:off x="11292840" y="6172200"/>
+            <a:ext cx="914400" cy="593725"/>
           </a:xfrm>
           <a:prstGeom prst="rect">
             <a:avLst/>
           </a:prstGeom>
         </p:spPr>
         <p:txBody>
-          <a:bodyPr vert="horz" lIns="91440" tIns="45720" rIns="91440" bIns="45720" rtlCol="0" anchor="ctr"/>
+          <a:bodyPr vert="horz" lIns="45720" tIns="45720" rIns="45720" bIns="45720" rtlCol="0" anchor="ctr">
+            <a:normAutofit/>
+          </a:bodyPr>
           <a:lstStyle>
-            <a:lvl1pPr algn="r">
-              <a:defRPr sz="1200">
+            <a:lvl1pPr algn="ctr">
+              <a:defRPr sz="3600">
                 <a:solidFill>
-                  <a:schemeClr val="tx1">
-                    <a:tint val="75000"/>
+                  <a:schemeClr val="tx2">
+                    <a:lumMod val="60000"/>
+                    <a:lumOff val="40000"/>
                   </a:schemeClr>
                 </a:solidFill>
               </a:defRPr>
@@ -3025,23 +5709,23 @@
     </p:spTree>
     <p:extLst>
       <p:ext uri="{BB962C8B-B14F-4D97-AF65-F5344CB8AC3E}">
-        <p14:creationId xmlns:p14="http://schemas.microsoft.com/office/powerpoint/2010/main" val="2739450602"/>
+        <p14:creationId xmlns:p14="http://schemas.microsoft.com/office/powerpoint/2010/main" val="1364660770"/>
       </p:ext>
     </p:extLst>
   </p:cSld>
   <p:clrMap bg1="lt1" tx1="dk1" bg2="lt2" tx2="dk2" accent1="accent1" accent2="accent2" accent3="accent3" accent4="accent4" accent5="accent5" accent6="accent6" hlink="hlink" folHlink="folHlink"/>
   <p:sldLayoutIdLst>
-    <p:sldLayoutId id="2147483649" r:id="rId1"/>
-    <p:sldLayoutId id="2147483650" r:id="rId2"/>
-    <p:sldLayoutId id="2147483651" r:id="rId3"/>
-    <p:sldLayoutId id="2147483652" r:id="rId4"/>
-    <p:sldLayoutId id="2147483653" r:id="rId5"/>
-    <p:sldLayoutId id="2147483654" r:id="rId6"/>
-    <p:sldLayoutId id="2147483655" r:id="rId7"/>
-    <p:sldLayoutId id="2147483656" r:id="rId8"/>
-    <p:sldLayoutId id="2147483657" r:id="rId9"/>
-    <p:sldLayoutId id="2147483658" r:id="rId10"/>
-    <p:sldLayoutId id="2147483659" r:id="rId11"/>
+    <p:sldLayoutId id="2147483661" r:id="rId1"/>
+    <p:sldLayoutId id="2147483662" r:id="rId2"/>
+    <p:sldLayoutId id="2147483663" r:id="rId3"/>
+    <p:sldLayoutId id="2147483664" r:id="rId4"/>
+    <p:sldLayoutId id="2147483665" r:id="rId5"/>
+    <p:sldLayoutId id="2147483666" r:id="rId6"/>
+    <p:sldLayoutId id="2147483667" r:id="rId7"/>
+    <p:sldLayoutId id="2147483668" r:id="rId8"/>
+    <p:sldLayoutId id="2147483669" r:id="rId9"/>
+    <p:sldLayoutId id="2147483670" r:id="rId10"/>
+    <p:sldLayoutId id="2147483671" r:id="rId11"/>
   </p:sldLayoutIdLst>
   <p:txStyles>
     <p:titleStyle>
@@ -3053,7 +5737,7 @@
           <a:spcPct val="0"/>
         </a:spcBef>
         <a:buNone/>
-        <a:defRPr sz="4400" kern="1200">
+        <a:defRPr sz="4400" kern="1200" spc="-50" baseline="0">
           <a:solidFill>
             <a:schemeClr val="tx1"/>
           </a:solidFill>
@@ -3064,16 +5748,23 @@
       </a:lvl1pPr>
     </p:titleStyle>
     <p:bodyStyle>
-      <a:lvl1pPr marL="228600" indent="-228600" algn="l" defTabSz="914400" rtl="0" eaLnBrk="1" latinLnBrk="0" hangingPunct="1">
+      <a:lvl1pPr marL="182880" indent="-182880" algn="l" defTabSz="914400" rtl="0" eaLnBrk="1" latinLnBrk="0" hangingPunct="1">
         <a:lnSpc>
-          <a:spcPct val="90000"/>
+          <a:spcPct val="95000"/>
         </a:lnSpc>
         <a:spcBef>
-          <a:spcPts val="1000"/>
+          <a:spcPts val="1400"/>
         </a:spcBef>
-        <a:buFont typeface="Arial" panose="020B0604020202020204" pitchFamily="34" charset="0"/>
+        <a:spcAft>
+          <a:spcPts val="200"/>
+        </a:spcAft>
+        <a:buClr>
+          <a:schemeClr val="accent1"/>
+        </a:buClr>
+        <a:buSzPct val="80000"/>
+        <a:buFont typeface="Arial" pitchFamily="34" charset="0"/>
         <a:buChar char="•"/>
-        <a:defRPr sz="2800" kern="1200">
+        <a:defRPr sz="1800" kern="1200" spc="10" baseline="0">
           <a:solidFill>
             <a:schemeClr val="tx1"/>
           </a:solidFill>
@@ -3082,144 +5773,216 @@
           <a:cs typeface="+mn-cs"/>
         </a:defRPr>
       </a:lvl1pPr>
-      <a:lvl2pPr marL="685800" indent="-228600" algn="l" defTabSz="914400" rtl="0" eaLnBrk="1" latinLnBrk="0" hangingPunct="1">
+      <a:lvl2pPr marL="457200" indent="-182880" algn="l" defTabSz="914400" rtl="0" eaLnBrk="1" latinLnBrk="0" hangingPunct="1">
         <a:lnSpc>
           <a:spcPct val="90000"/>
         </a:lnSpc>
         <a:spcBef>
-          <a:spcPts val="500"/>
+          <a:spcPts val="300"/>
         </a:spcBef>
-        <a:buFont typeface="Arial" panose="020B0604020202020204" pitchFamily="34" charset="0"/>
-        <a:buChar char="•"/>
-        <a:defRPr sz="2400" kern="1200">
+        <a:spcAft>
+          <a:spcPts val="300"/>
+        </a:spcAft>
+        <a:buClr>
+          <a:schemeClr val="accent1"/>
+        </a:buClr>
+        <a:buFont typeface="Wingdings 2" pitchFamily="18" charset="2"/>
+        <a:buChar char=""/>
+        <a:defRPr sz="1600" kern="1200">
           <a:solidFill>
-            <a:schemeClr val="tx1"/>
+            <a:schemeClr val="tx1">
+              <a:lumMod val="85000"/>
+              <a:lumOff val="15000"/>
+            </a:schemeClr>
           </a:solidFill>
           <a:latin typeface="+mn-lt"/>
           <a:ea typeface="+mn-ea"/>
           <a:cs typeface="+mn-cs"/>
         </a:defRPr>
       </a:lvl2pPr>
-      <a:lvl3pPr marL="1143000" indent="-228600" algn="l" defTabSz="914400" rtl="0" eaLnBrk="1" latinLnBrk="0" hangingPunct="1">
+      <a:lvl3pPr marL="731520" indent="-182880" algn="l" defTabSz="914400" rtl="0" eaLnBrk="1" latinLnBrk="0" hangingPunct="1">
         <a:lnSpc>
           <a:spcPct val="90000"/>
         </a:lnSpc>
         <a:spcBef>
-          <a:spcPts val="500"/>
+          <a:spcPts val="300"/>
         </a:spcBef>
-        <a:buFont typeface="Arial" panose="020B0604020202020204" pitchFamily="34" charset="0"/>
-        <a:buChar char="•"/>
-        <a:defRPr sz="2000" kern="1200">
+        <a:spcAft>
+          <a:spcPts val="300"/>
+        </a:spcAft>
+        <a:buClr>
+          <a:schemeClr val="accent1"/>
+        </a:buClr>
+        <a:buFont typeface="Wingdings 2" pitchFamily="18" charset="2"/>
+        <a:buChar char=""/>
+        <a:defRPr sz="1400" kern="1200">
           <a:solidFill>
-            <a:schemeClr val="tx1"/>
+            <a:schemeClr val="tx1">
+              <a:lumMod val="85000"/>
+              <a:lumOff val="15000"/>
+            </a:schemeClr>
           </a:solidFill>
           <a:latin typeface="+mn-lt"/>
           <a:ea typeface="+mn-ea"/>
           <a:cs typeface="+mn-cs"/>
         </a:defRPr>
       </a:lvl3pPr>
-      <a:lvl4pPr marL="1600200" indent="-228600" algn="l" defTabSz="914400" rtl="0" eaLnBrk="1" latinLnBrk="0" hangingPunct="1">
+      <a:lvl4pPr marL="1005840" indent="-182880" algn="l" defTabSz="914400" rtl="0" eaLnBrk="1" latinLnBrk="0" hangingPunct="1">
         <a:lnSpc>
           <a:spcPct val="90000"/>
         </a:lnSpc>
         <a:spcBef>
-          <a:spcPts val="500"/>
+          <a:spcPts val="300"/>
         </a:spcBef>
-        <a:buFont typeface="Arial" panose="020B0604020202020204" pitchFamily="34" charset="0"/>
-        <a:buChar char="•"/>
-        <a:defRPr sz="1800" kern="1200">
+        <a:spcAft>
+          <a:spcPts val="300"/>
+        </a:spcAft>
+        <a:buClr>
+          <a:schemeClr val="accent1"/>
+        </a:buClr>
+        <a:buFont typeface="Wingdings 2" pitchFamily="18" charset="2"/>
+        <a:buChar char=""/>
+        <a:defRPr sz="1400" kern="1200">
           <a:solidFill>
-            <a:schemeClr val="tx1"/>
+            <a:schemeClr val="tx1">
+              <a:lumMod val="85000"/>
+              <a:lumOff val="15000"/>
+            </a:schemeClr>
           </a:solidFill>
           <a:latin typeface="+mn-lt"/>
           <a:ea typeface="+mn-ea"/>
           <a:cs typeface="+mn-cs"/>
         </a:defRPr>
       </a:lvl4pPr>
-      <a:lvl5pPr marL="2057400" indent="-228600" algn="l" defTabSz="914400" rtl="0" eaLnBrk="1" latinLnBrk="0" hangingPunct="1">
+      <a:lvl5pPr marL="1280160" indent="-182880" algn="l" defTabSz="914400" rtl="0" eaLnBrk="1" latinLnBrk="0" hangingPunct="1">
         <a:lnSpc>
           <a:spcPct val="90000"/>
         </a:lnSpc>
         <a:spcBef>
-          <a:spcPts val="500"/>
+          <a:spcPts val="300"/>
         </a:spcBef>
-        <a:buFont typeface="Arial" panose="020B0604020202020204" pitchFamily="34" charset="0"/>
-        <a:buChar char="•"/>
-        <a:defRPr sz="1800" kern="1200">
+        <a:spcAft>
+          <a:spcPts val="300"/>
+        </a:spcAft>
+        <a:buClr>
+          <a:schemeClr val="accent1"/>
+        </a:buClr>
+        <a:buFont typeface="Wingdings 2" pitchFamily="18" charset="2"/>
+        <a:buChar char=""/>
+        <a:defRPr sz="1400" kern="1200">
           <a:solidFill>
-            <a:schemeClr val="tx1"/>
+            <a:schemeClr val="tx1">
+              <a:lumMod val="85000"/>
+              <a:lumOff val="15000"/>
+            </a:schemeClr>
           </a:solidFill>
           <a:latin typeface="+mn-lt"/>
           <a:ea typeface="+mn-ea"/>
           <a:cs typeface="+mn-cs"/>
         </a:defRPr>
       </a:lvl5pPr>
-      <a:lvl6pPr marL="2514600" indent="-228600" algn="l" defTabSz="914400" rtl="0" eaLnBrk="1" latinLnBrk="0" hangingPunct="1">
+      <a:lvl6pPr marL="1600000" indent="-228600" algn="l" defTabSz="914400" rtl="0" eaLnBrk="1" latinLnBrk="0" hangingPunct="1">
         <a:lnSpc>
           <a:spcPct val="90000"/>
         </a:lnSpc>
         <a:spcBef>
-          <a:spcPts val="500"/>
+          <a:spcPts val="300"/>
         </a:spcBef>
-        <a:buFont typeface="Arial" panose="020B0604020202020204" pitchFamily="34" charset="0"/>
-        <a:buChar char="•"/>
-        <a:defRPr sz="1800" kern="1200">
+        <a:spcAft>
+          <a:spcPts val="300"/>
+        </a:spcAft>
+        <a:buClr>
+          <a:schemeClr val="accent1"/>
+        </a:buClr>
+        <a:buFont typeface="Wingdings 2" pitchFamily="18" charset="2"/>
+        <a:buChar char=""/>
+        <a:defRPr sz="1400" kern="1200">
           <a:solidFill>
-            <a:schemeClr val="tx1"/>
+            <a:schemeClr val="tx1">
+              <a:lumMod val="85000"/>
+              <a:lumOff val="15000"/>
+            </a:schemeClr>
           </a:solidFill>
           <a:latin typeface="+mn-lt"/>
           <a:ea typeface="+mn-ea"/>
           <a:cs typeface="+mn-cs"/>
         </a:defRPr>
       </a:lvl6pPr>
-      <a:lvl7pPr marL="2971800" indent="-228600" algn="l" defTabSz="914400" rtl="0" eaLnBrk="1" latinLnBrk="0" hangingPunct="1">
+      <a:lvl7pPr marL="1900000" indent="-228600" algn="l" defTabSz="914400" rtl="0" eaLnBrk="1" latinLnBrk="0" hangingPunct="1">
         <a:lnSpc>
           <a:spcPct val="90000"/>
         </a:lnSpc>
         <a:spcBef>
-          <a:spcPts val="500"/>
+          <a:spcPts val="300"/>
         </a:spcBef>
-        <a:buFont typeface="Arial" panose="020B0604020202020204" pitchFamily="34" charset="0"/>
-        <a:buChar char="•"/>
-        <a:defRPr sz="1800" kern="1200">
+        <a:spcAft>
+          <a:spcPts val="300"/>
+        </a:spcAft>
+        <a:buClr>
+          <a:schemeClr val="accent1"/>
+        </a:buClr>
+        <a:buFont typeface="Wingdings 2" pitchFamily="18" charset="2"/>
+        <a:buChar char=""/>
+        <a:defRPr sz="1400" kern="1200">
           <a:solidFill>
-            <a:schemeClr val="tx1"/>
+            <a:schemeClr val="tx1">
+              <a:lumMod val="85000"/>
+              <a:lumOff val="15000"/>
+            </a:schemeClr>
           </a:solidFill>
           <a:latin typeface="+mn-lt"/>
           <a:ea typeface="+mn-ea"/>
           <a:cs typeface="+mn-cs"/>
         </a:defRPr>
       </a:lvl7pPr>
-      <a:lvl8pPr marL="3429000" indent="-228600" algn="l" defTabSz="914400" rtl="0" eaLnBrk="1" latinLnBrk="0" hangingPunct="1">
+      <a:lvl8pPr marL="2200000" indent="-228600" algn="l" defTabSz="914400" rtl="0" eaLnBrk="1" latinLnBrk="0" hangingPunct="1">
         <a:lnSpc>
           <a:spcPct val="90000"/>
         </a:lnSpc>
         <a:spcBef>
-          <a:spcPts val="500"/>
+          <a:spcPts val="300"/>
         </a:spcBef>
-        <a:buFont typeface="Arial" panose="020B0604020202020204" pitchFamily="34" charset="0"/>
-        <a:buChar char="•"/>
-        <a:defRPr sz="1800" kern="1200">
+        <a:spcAft>
+          <a:spcPts val="300"/>
+        </a:spcAft>
+        <a:buClr>
+          <a:schemeClr val="accent1"/>
+        </a:buClr>
+        <a:buFont typeface="Wingdings 2" pitchFamily="18" charset="2"/>
+        <a:buChar char=""/>
+        <a:defRPr sz="1400" kern="1200">
           <a:solidFill>
-            <a:schemeClr val="tx1"/>
+            <a:schemeClr val="tx1">
+              <a:lumMod val="85000"/>
+              <a:lumOff val="15000"/>
+            </a:schemeClr>
           </a:solidFill>
           <a:latin typeface="+mn-lt"/>
           <a:ea typeface="+mn-ea"/>
           <a:cs typeface="+mn-cs"/>
         </a:defRPr>
       </a:lvl8pPr>
-      <a:lvl9pPr marL="3886200" indent="-228600" algn="l" defTabSz="914400" rtl="0" eaLnBrk="1" latinLnBrk="0" hangingPunct="1">
+      <a:lvl9pPr marL="2500000" indent="-228600" algn="l" defTabSz="914400" rtl="0" eaLnBrk="1" latinLnBrk="0" hangingPunct="1">
         <a:lnSpc>
           <a:spcPct val="90000"/>
         </a:lnSpc>
         <a:spcBef>
-          <a:spcPts val="500"/>
+          <a:spcPts val="300"/>
         </a:spcBef>
-        <a:buFont typeface="Arial" panose="020B0604020202020204" pitchFamily="34" charset="0"/>
-        <a:buChar char="•"/>
-        <a:defRPr sz="1800" kern="1200">
+        <a:spcAft>
+          <a:spcPts val="300"/>
+        </a:spcAft>
+        <a:buClr>
+          <a:schemeClr val="accent1"/>
+        </a:buClr>
+        <a:buFont typeface="Wingdings 2" pitchFamily="18" charset="2"/>
+        <a:buChar char=""/>
+        <a:defRPr sz="1400" kern="1200">
           <a:solidFill>
-            <a:schemeClr val="tx1"/>
+            <a:schemeClr val="tx1">
+              <a:lumMod val="85000"/>
+              <a:lumOff val="15000"/>
+            </a:schemeClr>
           </a:solidFill>
           <a:latin typeface="+mn-lt"/>
           <a:ea typeface="+mn-ea"/>
@@ -3415,6 +6178,93 @@
 </file>
 
 <file path=ppt/slides/slide2.xml><?xml version="1.0" encoding="utf-8"?>
+<p:sld xmlns:a="http://schemas.openxmlformats.org/drawingml/2006/main" xmlns:r="http://schemas.openxmlformats.org/officeDocument/2006/relationships" xmlns:p="http://schemas.openxmlformats.org/presentationml/2006/main">
+  <p:cSld>
+    <p:spTree>
+      <p:nvGrpSpPr>
+        <p:cNvPr id="1" name=""/>
+        <p:cNvGrpSpPr/>
+        <p:nvPr/>
+      </p:nvGrpSpPr>
+      <p:grpSpPr>
+        <a:xfrm>
+          <a:off x="0" y="0"/>
+          <a:ext cx="0" cy="0"/>
+          <a:chOff x="0" y="0"/>
+          <a:chExt cx="0" cy="0"/>
+        </a:xfrm>
+      </p:grpSpPr>
+      <p:sp>
+        <p:nvSpPr>
+          <p:cNvPr id="2" name="Title 1">
+            <a:extLst>
+              <a:ext uri="{FF2B5EF4-FFF2-40B4-BE49-F238E27FC236}">
+                <a16:creationId xmlns:a16="http://schemas.microsoft.com/office/drawing/2014/main" id="{DFB1F804-BA82-45A5-90C0-1EA4B0FBD341}"/>
+              </a:ext>
+            </a:extLst>
+          </p:cNvPr>
+          <p:cNvSpPr>
+            <a:spLocks noGrp="1"/>
+          </p:cNvSpPr>
+          <p:nvPr>
+            <p:ph type="title"/>
+          </p:nvPr>
+        </p:nvSpPr>
+        <p:spPr/>
+        <p:txBody>
+          <a:bodyPr>
+            <a:normAutofit/>
+          </a:bodyPr>
+          <a:lstStyle/>
+          <a:p>
+            <a:r>
+              <a:rPr lang="en-GB" sz="5400" b="1"/>
+              <a:t>Plan 4 today</a:t>
+            </a:r>
+            <a:endParaRPr lang="en-GB" sz="5400" b="1" dirty="0"/>
+          </a:p>
+        </p:txBody>
+      </p:sp>
+      <p:graphicFrame>
+        <p:nvGraphicFramePr>
+          <p:cNvPr id="5" name="Content Placeholder 2">
+            <a:extLst>
+              <a:ext uri="{FF2B5EF4-FFF2-40B4-BE49-F238E27FC236}">
+                <a16:creationId xmlns:a16="http://schemas.microsoft.com/office/drawing/2014/main" id="{D1AF38F4-CA81-4709-851D-0EB6FD67627A}"/>
+              </a:ext>
+            </a:extLst>
+          </p:cNvPr>
+          <p:cNvGraphicFramePr>
+            <a:graphicFrameLocks noGrp="1"/>
+          </p:cNvGraphicFramePr>
+          <p:nvPr>
+            <p:ph idx="1"/>
+          </p:nvPr>
+        </p:nvGraphicFramePr>
+        <p:xfrm>
+          <a:off x="1261872" y="1828800"/>
+          <a:ext cx="8595360" cy="4351337"/>
+        </p:xfrm>
+        <a:graphic>
+          <a:graphicData uri="http://schemas.openxmlformats.org/drawingml/2006/diagram">
+            <dgm:relIds xmlns:dgm="http://schemas.openxmlformats.org/drawingml/2006/diagram" xmlns:r="http://schemas.openxmlformats.org/officeDocument/2006/relationships" r:dm="rId2" r:lo="rId3" r:qs="rId4" r:cs="rId5"/>
+          </a:graphicData>
+        </a:graphic>
+      </p:graphicFrame>
+    </p:spTree>
+    <p:extLst>
+      <p:ext uri="{BB962C8B-B14F-4D97-AF65-F5344CB8AC3E}">
+        <p14:creationId xmlns:p14="http://schemas.microsoft.com/office/powerpoint/2010/main" val="1691864135"/>
+      </p:ext>
+    </p:extLst>
+  </p:cSld>
+  <p:clrMapOvr>
+    <a:masterClrMapping/>
+  </p:clrMapOvr>
+</p:sld>
+</file>
+
+<file path=ppt/slides/slide3.xml><?xml version="1.0" encoding="utf-8"?>
 <p:sld xmlns:a="http://schemas.openxmlformats.org/drawingml/2006/main" xmlns:r="http://schemas.openxmlformats.org/officeDocument/2006/relationships" xmlns:p="http://schemas.openxmlformats.org/presentationml/2006/main">
   <p:cSld>
     <p:spTree>
@@ -3789,110 +6639,58 @@
 </file>
 
 <file path=ppt/theme/theme1.xml><?xml version="1.0" encoding="utf-8"?>
-<a:theme xmlns:a="http://schemas.openxmlformats.org/drawingml/2006/main" name="Office Theme">
+<a:theme xmlns:a="http://schemas.openxmlformats.org/drawingml/2006/main" name="View">
   <a:themeElements>
-    <a:clrScheme name="Office">
+    <a:clrScheme name="View">
       <a:dk1>
-        <a:sysClr val="windowText" lastClr="000000"/>
+        <a:srgbClr val="000000"/>
       </a:dk1>
       <a:lt1>
-        <a:sysClr val="window" lastClr="FFFFFF"/>
+        <a:srgbClr val="FFFFFF"/>
       </a:lt1>
       <a:dk2>
-        <a:srgbClr val="44546A"/>
+        <a:srgbClr val="46464A"/>
       </a:dk2>
       <a:lt2>
-        <a:srgbClr val="E7E6E6"/>
+        <a:srgbClr val="D6D3CC"/>
       </a:lt2>
       <a:accent1>
-        <a:srgbClr val="4472C4"/>
+        <a:srgbClr val="6F6F74"/>
       </a:accent1>
       <a:accent2>
-        <a:srgbClr val="ED7D31"/>
+        <a:srgbClr val="92A9B9"/>
       </a:accent2>
       <a:accent3>
-        <a:srgbClr val="A5A5A5"/>
+        <a:srgbClr val="A7B789"/>
       </a:accent3>
       <a:accent4>
-        <a:srgbClr val="FFC000"/>
+        <a:srgbClr val="B9A489"/>
       </a:accent4>
       <a:accent5>
-        <a:srgbClr val="5B9BD5"/>
+        <a:srgbClr val="8D6374"/>
       </a:accent5>
       <a:accent6>
-        <a:srgbClr val="70AD47"/>
+        <a:srgbClr val="9B7362"/>
       </a:accent6>
       <a:hlink>
-        <a:srgbClr val="0563C1"/>
+        <a:srgbClr val="67AABF"/>
       </a:hlink>
       <a:folHlink>
-        <a:srgbClr val="954F72"/>
+        <a:srgbClr val="ABAFA5"/>
       </a:folHlink>
     </a:clrScheme>
-    <a:fontScheme name="Office">
+    <a:fontScheme name="View">
       <a:majorFont>
-        <a:latin typeface="Calibri Light" panose="020F0302020204030204"/>
+        <a:latin typeface="Century Schoolbook" panose="02040604050505020304"/>
         <a:ea typeface=""/>
         <a:cs typeface=""/>
-        <a:font script="Jpan" typeface="游ゴシック Light"/>
+        <a:font script="Jpan" typeface="ＭＳ ゴシック"/>
         <a:font script="Hang" typeface="맑은 고딕"/>
-        <a:font script="Hans" typeface="等线 Light"/>
+        <a:font script="Hans" typeface="宋体"/>
         <a:font script="Hant" typeface="新細明體"/>
-        <a:font script="Arab" typeface="Times New Roman"/>
-        <a:font script="Hebr" typeface="Times New Roman"/>
-        <a:font script="Thai" typeface="Angsana New"/>
-        <a:font script="Ethi" typeface="Nyala"/>
-        <a:font script="Beng" typeface="Vrinda"/>
-        <a:font script="Gujr" typeface="Shruti"/>
-        <a:font script="Khmr" typeface="MoolBoran"/>
-        <a:font script="Knda" typeface="Tunga"/>
-        <a:font script="Guru" typeface="Raavi"/>
-        <a:font script="Cans" typeface="Euphemia"/>
-        <a:font script="Cher" typeface="Plantagenet Cherokee"/>
-        <a:font script="Yiii" typeface="Microsoft Yi Baiti"/>
-        <a:font script="Tibt" typeface="Microsoft Himalaya"/>
-        <a:font script="Thaa" typeface="MV Boli"/>
-        <a:font script="Deva" typeface="Mangal"/>
-        <a:font script="Telu" typeface="Gautami"/>
-        <a:font script="Taml" typeface="Latha"/>
-        <a:font script="Syrc" typeface="Estrangelo Edessa"/>
-        <a:font script="Orya" typeface="Kalinga"/>
-        <a:font script="Mlym" typeface="Kartika"/>
-        <a:font script="Laoo" typeface="DokChampa"/>
-        <a:font script="Sinh" typeface="Iskoola Pota"/>
-        <a:font script="Mong" typeface="Mongolian Baiti"/>
-        <a:font script="Viet" typeface="Times New Roman"/>
-        <a:font script="Uigh" typeface="Microsoft Uighur"/>
-        <a:font script="Geor" typeface="Sylfaen"/>
-        <a:font script="Armn" typeface="Arial"/>
-        <a:font script="Bugi" typeface="Leelawadee UI"/>
-        <a:font script="Bopo" typeface="Microsoft JhengHei"/>
-        <a:font script="Java" typeface="Javanese Text"/>
-        <a:font script="Lisu" typeface="Segoe UI"/>
-        <a:font script="Mymr" typeface="Myanmar Text"/>
-        <a:font script="Nkoo" typeface="Ebrima"/>
-        <a:font script="Olck" typeface="Nirmala UI"/>
-        <a:font script="Osma" typeface="Ebrima"/>
-        <a:font script="Phag" typeface="Phagspa"/>
-        <a:font script="Syrn" typeface="Estrangelo Edessa"/>
-        <a:font script="Syrj" typeface="Estrangelo Edessa"/>
-        <a:font script="Syre" typeface="Estrangelo Edessa"/>
-        <a:font script="Sora" typeface="Nirmala UI"/>
-        <a:font script="Tale" typeface="Microsoft Tai Le"/>
-        <a:font script="Talu" typeface="Microsoft New Tai Lue"/>
-        <a:font script="Tfng" typeface="Ebrima"/>
-      </a:majorFont>
-      <a:minorFont>
-        <a:latin typeface="Calibri" panose="020F0502020204030204"/>
-        <a:ea typeface=""/>
-        <a:cs typeface=""/>
-        <a:font script="Jpan" typeface="游ゴシック"/>
-        <a:font script="Hang" typeface="맑은 고딕"/>
-        <a:font script="Hans" typeface="等线"/>
-        <a:font script="Hant" typeface="新細明體"/>
-        <a:font script="Arab" typeface="Arial"/>
-        <a:font script="Hebr" typeface="Arial"/>
-        <a:font script="Thai" typeface="Cordia New"/>
+        <a:font script="Arab" typeface="Tahoma"/>
+        <a:font script="Hebr" typeface="Gisha"/>
+        <a:font script="Thai" typeface="DilleniaUPC"/>
         <a:font script="Ethi" typeface="Nyala"/>
         <a:font script="Beng" typeface="Vrinda"/>
         <a:font script="Gujr" typeface="Shruti"/>
@@ -3913,107 +6711,86 @@
         <a:font script="Laoo" typeface="DokChampa"/>
         <a:font script="Sinh" typeface="Iskoola Pota"/>
         <a:font script="Mong" typeface="Mongolian Baiti"/>
-        <a:font script="Viet" typeface="Arial"/>
+        <a:font script="Viet" typeface="Tahoma"/>
         <a:font script="Uigh" typeface="Microsoft Uighur"/>
         <a:font script="Geor" typeface="Sylfaen"/>
-        <a:font script="Armn" typeface="Arial"/>
-        <a:font script="Bugi" typeface="Leelawadee UI"/>
-        <a:font script="Bopo" typeface="Microsoft JhengHei"/>
-        <a:font script="Java" typeface="Javanese Text"/>
-        <a:font script="Lisu" typeface="Segoe UI"/>
-        <a:font script="Mymr" typeface="Myanmar Text"/>
-        <a:font script="Nkoo" typeface="Ebrima"/>
-        <a:font script="Olck" typeface="Nirmala UI"/>
-        <a:font script="Osma" typeface="Ebrima"/>
-        <a:font script="Phag" typeface="Phagspa"/>
-        <a:font script="Syrn" typeface="Estrangelo Edessa"/>
-        <a:font script="Syrj" typeface="Estrangelo Edessa"/>
-        <a:font script="Syre" typeface="Estrangelo Edessa"/>
-        <a:font script="Sora" typeface="Nirmala UI"/>
-        <a:font script="Tale" typeface="Microsoft Tai Le"/>
-        <a:font script="Talu" typeface="Microsoft New Tai Lue"/>
-        <a:font script="Tfng" typeface="Ebrima"/>
+      </a:majorFont>
+      <a:minorFont>
+        <a:latin typeface="Century Schoolbook" panose="02040604050505020304"/>
+        <a:ea typeface=""/>
+        <a:cs typeface=""/>
+        <a:font script="Jpan" typeface="ＭＳ ゴシック"/>
+        <a:font script="Hang" typeface="맑은 고딕"/>
+        <a:font script="Hans" typeface="宋体"/>
+        <a:font script="Hant" typeface="新細明體"/>
+        <a:font script="Arab" typeface="Tahoma"/>
+        <a:font script="Hebr" typeface="Gisha"/>
+        <a:font script="Thai" typeface="DilleniaUPC"/>
+        <a:font script="Ethi" typeface="Nyala"/>
+        <a:font script="Beng" typeface="Vrinda"/>
+        <a:font script="Gujr" typeface="Shruti"/>
+        <a:font script="Khmr" typeface="DaunPenh"/>
+        <a:font script="Knda" typeface="Tunga"/>
+        <a:font script="Guru" typeface="Raavi"/>
+        <a:font script="Cans" typeface="Euphemia"/>
+        <a:font script="Cher" typeface="Plantagenet Cherokee"/>
+        <a:font script="Yiii" typeface="Microsoft Yi Baiti"/>
+        <a:font script="Tibt" typeface="Microsoft Himalaya"/>
+        <a:font script="Thaa" typeface="MV Boli"/>
+        <a:font script="Deva" typeface="Mangal"/>
+        <a:font script="Telu" typeface="Gautami"/>
+        <a:font script="Taml" typeface="Latha"/>
+        <a:font script="Syrc" typeface="Estrangelo Edessa"/>
+        <a:font script="Orya" typeface="Kalinga"/>
+        <a:font script="Mlym" typeface="Kartika"/>
+        <a:font script="Laoo" typeface="DokChampa"/>
+        <a:font script="Sinh" typeface="Iskoola Pota"/>
+        <a:font script="Mong" typeface="Mongolian Baiti"/>
+        <a:font script="Viet" typeface="Verdana"/>
+        <a:font script="Uigh" typeface="Microsoft Uighur"/>
+        <a:font script="Geor" typeface="Sylfaen"/>
       </a:minorFont>
     </a:fontScheme>
-    <a:fmtScheme name="Office">
+    <a:fmtScheme name="View">
       <a:fillStyleLst>
         <a:solidFill>
           <a:schemeClr val="phClr"/>
         </a:solidFill>
-        <a:gradFill rotWithShape="1">
-          <a:gsLst>
-            <a:gs pos="0">
-              <a:schemeClr val="phClr">
-                <a:lumMod val="110000"/>
-                <a:satMod val="105000"/>
-                <a:tint val="67000"/>
-              </a:schemeClr>
-            </a:gs>
-            <a:gs pos="50000">
-              <a:schemeClr val="phClr">
-                <a:lumMod val="105000"/>
-                <a:satMod val="103000"/>
-                <a:tint val="73000"/>
-              </a:schemeClr>
-            </a:gs>
-            <a:gs pos="100000">
-              <a:schemeClr val="phClr">
-                <a:lumMod val="105000"/>
-                <a:satMod val="109000"/>
-                <a:tint val="81000"/>
-              </a:schemeClr>
-            </a:gs>
-          </a:gsLst>
-          <a:lin ang="5400000" scaled="0"/>
-        </a:gradFill>
-        <a:gradFill rotWithShape="1">
-          <a:gsLst>
-            <a:gs pos="0">
-              <a:schemeClr val="phClr">
-                <a:satMod val="103000"/>
-                <a:lumMod val="102000"/>
-                <a:tint val="94000"/>
-              </a:schemeClr>
-            </a:gs>
-            <a:gs pos="50000">
-              <a:schemeClr val="phClr">
-                <a:satMod val="110000"/>
-                <a:lumMod val="100000"/>
-                <a:shade val="100000"/>
-              </a:schemeClr>
-            </a:gs>
-            <a:gs pos="100000">
-              <a:schemeClr val="phClr">
-                <a:lumMod val="99000"/>
-                <a:satMod val="120000"/>
-                <a:shade val="78000"/>
-              </a:schemeClr>
-            </a:gs>
-          </a:gsLst>
-          <a:lin ang="5400000" scaled="0"/>
-        </a:gradFill>
+        <a:solidFill>
+          <a:schemeClr val="phClr">
+            <a:tint val="60000"/>
+            <a:satMod val="120000"/>
+          </a:schemeClr>
+        </a:solidFill>
+        <a:solidFill>
+          <a:schemeClr val="phClr">
+            <a:shade val="75000"/>
+            <a:satMod val="160000"/>
+          </a:schemeClr>
+        </a:solidFill>
       </a:fillStyleLst>
       <a:lnStyleLst>
-        <a:ln w="6350" cap="flat" cmpd="sng" algn="ctr">
+        <a:ln w="9525" cap="flat" cmpd="sng" algn="ctr">
           <a:solidFill>
             <a:schemeClr val="phClr"/>
           </a:solidFill>
           <a:prstDash val="solid"/>
-          <a:miter lim="800000"/>
         </a:ln>
-        <a:ln w="12700" cap="flat" cmpd="sng" algn="ctr">
+        <a:ln w="13970" cap="flat" cmpd="sng" algn="ctr">
           <a:solidFill>
             <a:schemeClr val="phClr"/>
           </a:solidFill>
           <a:prstDash val="solid"/>
-          <a:miter lim="800000"/>
         </a:ln>
-        <a:ln w="19050" cap="flat" cmpd="sng" algn="ctr">
+        <a:ln w="17145" cap="flat" cmpd="sng" algn="ctr">
           <a:solidFill>
-            <a:schemeClr val="phClr"/>
+            <a:schemeClr val="phClr">
+              <a:shade val="95000"/>
+              <a:alpha val="95000"/>
+              <a:satMod val="150000"/>
+            </a:schemeClr>
           </a:solidFill>
           <a:prstDash val="solid"/>
-          <a:miter lim="800000"/>
         </a:ln>
       </a:lnStyleLst>
       <a:effectStyleLst>
@@ -4021,16 +6798,52 @@
           <a:effectLst/>
         </a:effectStyle>
         <a:effectStyle>
-          <a:effectLst/>
+          <a:effectLst>
+            <a:outerShdw blurRad="50800" dist="15240" dir="5400000" algn="tl" rotWithShape="0">
+              <a:srgbClr val="000000">
+                <a:alpha val="75000"/>
+              </a:srgbClr>
+            </a:outerShdw>
+          </a:effectLst>
+          <a:scene3d>
+            <a:camera prst="orthographicFront">
+              <a:rot lat="0" lon="0" rev="0"/>
+            </a:camera>
+            <a:lightRig rig="brightRoom" dir="tl"/>
+          </a:scene3d>
+          <a:sp3d contourW="9525" prstMaterial="flat">
+            <a:bevelT w="0" h="0" prst="coolSlant"/>
+            <a:contourClr>
+              <a:schemeClr val="phClr">
+                <a:shade val="35000"/>
+                <a:satMod val="130000"/>
+              </a:schemeClr>
+            </a:contourClr>
+          </a:sp3d>
         </a:effectStyle>
         <a:effectStyle>
           <a:effectLst>
-            <a:outerShdw blurRad="57150" dist="19050" dir="5400000" algn="ctr" rotWithShape="0">
+            <a:outerShdw blurRad="76200" dist="25400" dir="5400000" algn="tl" rotWithShape="0">
               <a:srgbClr val="000000">
-                <a:alpha val="63000"/>
+                <a:alpha val="55000"/>
               </a:srgbClr>
             </a:outerShdw>
           </a:effectLst>
+          <a:scene3d>
+            <a:camera prst="orthographicFront">
+              <a:rot lat="0" lon="0" rev="0"/>
+            </a:camera>
+            <a:lightRig rig="brightRoom" dir="tl"/>
+          </a:scene3d>
+          <a:sp3d contourW="19050" prstMaterial="flat">
+            <a:bevelT w="0" h="0" prst="coolSlant"/>
+            <a:contourClr>
+              <a:schemeClr val="phClr">
+                <a:shade val="25000"/>
+                <a:satMod val="140000"/>
+              </a:schemeClr>
+            </a:contourClr>
+          </a:sp3d>
         </a:effectStyle>
       </a:effectStyleLst>
       <a:bgFillStyleLst>
@@ -4047,28 +6860,23 @@
           <a:gsLst>
             <a:gs pos="0">
               <a:schemeClr val="phClr">
-                <a:tint val="93000"/>
-                <a:satMod val="150000"/>
+                <a:tint val="94000"/>
                 <a:shade val="98000"/>
+                <a:satMod val="130000"/>
                 <a:lumMod val="102000"/>
-              </a:schemeClr>
-            </a:gs>
-            <a:gs pos="50000">
-              <a:schemeClr val="phClr">
-                <a:tint val="98000"/>
-                <a:satMod val="130000"/>
-                <a:shade val="90000"/>
-                <a:lumMod val="103000"/>
               </a:schemeClr>
             </a:gs>
             <a:gs pos="100000">
               <a:schemeClr val="phClr">
-                <a:shade val="63000"/>
-                <a:satMod val="120000"/>
+                <a:tint val="98000"/>
+                <a:shade val="78000"/>
+                <a:satMod val="140000"/>
               </a:schemeClr>
             </a:gs>
           </a:gsLst>
-          <a:lin ang="5400000" scaled="0"/>
+          <a:path path="circle">
+            <a:fillToRect l="100000" t="100000" r="100000" b="100000"/>
+          </a:path>
         </a:gradFill>
       </a:bgFillStyleLst>
     </a:fmtScheme>
@@ -4077,7 +6885,7 @@
   <a:extraClrSchemeLst/>
   <a:extLst>
     <a:ext uri="{05A4C25C-085E-4340-85A3-A5531E510DB2}">
-      <thm15:themeFamily xmlns:thm15="http://schemas.microsoft.com/office/thememl/2012/main" name="Office Theme" id="{62F939B6-93AF-4DB8-9C6B-D6C7DFDC589F}" vid="{4A3C46E8-61CC-4603-A589-7422A47A8E4A}"/>
+      <thm15:themeFamily xmlns:thm15="http://schemas.microsoft.com/office/thememl/2012/main" name="View" id="{BA0EB5A6-F2D4-4F82-977B-64ADEE4A2A69}" vid="{3969A8A2-35DB-4E3B-8885-16FD20568674}"/>
     </a:ext>
   </a:extLst>
 </a:theme>
